--- a/CUSTOMER PRODUCT RECOMMENDATION SYSTEM.pptx
+++ b/CUSTOMER PRODUCT RECOMMENDATION SYSTEM.pptx
@@ -5,10 +5,10 @@
     <p:sldMasterId id="2147483666" r:id="rId4"/>
   </p:sldMasterIdLst>
   <p:notesMasterIdLst>
-    <p:notesMasterId r:id="rId31"/>
+    <p:notesMasterId r:id="rId54"/>
   </p:notesMasterIdLst>
   <p:handoutMasterIdLst>
-    <p:handoutMasterId r:id="rId32"/>
+    <p:handoutMasterId r:id="rId55"/>
   </p:handoutMasterIdLst>
   <p:sldIdLst>
     <p:sldId id="256" r:id="rId5"/>
@@ -37,6 +37,29 @@
     <p:sldId id="280" r:id="rId28"/>
     <p:sldId id="281" r:id="rId29"/>
     <p:sldId id="282" r:id="rId30"/>
+    <p:sldId id="283" r:id="rId31"/>
+    <p:sldId id="284" r:id="rId32"/>
+    <p:sldId id="285" r:id="rId33"/>
+    <p:sldId id="286" r:id="rId34"/>
+    <p:sldId id="287" r:id="rId35"/>
+    <p:sldId id="288" r:id="rId36"/>
+    <p:sldId id="289" r:id="rId37"/>
+    <p:sldId id="290" r:id="rId38"/>
+    <p:sldId id="291" r:id="rId39"/>
+    <p:sldId id="292" r:id="rId40"/>
+    <p:sldId id="293" r:id="rId41"/>
+    <p:sldId id="294" r:id="rId42"/>
+    <p:sldId id="295" r:id="rId43"/>
+    <p:sldId id="296" r:id="rId44"/>
+    <p:sldId id="298" r:id="rId45"/>
+    <p:sldId id="299" r:id="rId46"/>
+    <p:sldId id="300" r:id="rId47"/>
+    <p:sldId id="301" r:id="rId48"/>
+    <p:sldId id="302" r:id="rId49"/>
+    <p:sldId id="303" r:id="rId50"/>
+    <p:sldId id="304" r:id="rId51"/>
+    <p:sldId id="305" r:id="rId52"/>
+    <p:sldId id="306" r:id="rId53"/>
   </p:sldIdLst>
   <p:sldSz cx="12192000" cy="6858000"/>
   <p:notesSz cx="6858000" cy="9144000"/>
@@ -263,7 +286,7 @@
           <a:p>
             <a:fld id="{F352A77B-D33C-49B3-A83C-450AA2ED72B3}" type="datetimeFigureOut">
               <a:rPr lang="en-US" smtClean="0"/>
-              <a:t>5/7/2024</a:t>
+              <a:t>5/13/2024</a:t>
             </a:fld>
             <a:endParaRPr lang="en-US" dirty="0"/>
           </a:p>
@@ -552,7 +575,7 @@
           <a:p>
             <a:fld id="{E38D8F9A-F5CB-4EF8-A859-ED5E107B9763}" type="datetimeFigureOut">
               <a:rPr lang="en-US" smtClean="0"/>
-              <a:t>5/7/2024</a:t>
+              <a:t>5/13/2024</a:t>
             </a:fld>
             <a:endParaRPr lang="en-US" dirty="0"/>
           </a:p>
@@ -898,6 +921,90 @@
     <p:extLst>
       <p:ext uri="{BB962C8B-B14F-4D97-AF65-F5344CB8AC3E}">
         <p14:creationId xmlns:p14="http://schemas.microsoft.com/office/powerpoint/2010/main" val="3621477773"/>
+      </p:ext>
+    </p:extLst>
+  </p:cSld>
+  <p:clrMapOvr>
+    <a:masterClrMapping/>
+  </p:clrMapOvr>
+</p:notes>
+</file>
+
+<file path=ppt/notesSlides/notesSlide2.xml><?xml version="1.0" encoding="utf-8"?>
+<p:notes xmlns:a="http://schemas.openxmlformats.org/drawingml/2006/main" xmlns:r="http://schemas.openxmlformats.org/officeDocument/2006/relationships" xmlns:p="http://schemas.openxmlformats.org/presentationml/2006/main">
+  <p:cSld>
+    <p:spTree>
+      <p:nvGrpSpPr>
+        <p:cNvPr id="1" name=""/>
+        <p:cNvGrpSpPr/>
+        <p:nvPr/>
+      </p:nvGrpSpPr>
+      <p:grpSpPr>
+        <a:xfrm>
+          <a:off x="0" y="0"/>
+          <a:ext cx="0" cy="0"/>
+          <a:chOff x="0" y="0"/>
+          <a:chExt cx="0" cy="0"/>
+        </a:xfrm>
+      </p:grpSpPr>
+      <p:sp>
+        <p:nvSpPr>
+          <p:cNvPr id="2" name="Slide Image Placeholder 1"/>
+          <p:cNvSpPr>
+            <a:spLocks noGrp="1" noRot="1" noChangeAspect="1"/>
+          </p:cNvSpPr>
+          <p:nvPr>
+            <p:ph type="sldImg"/>
+          </p:nvPr>
+        </p:nvSpPr>
+        <p:spPr/>
+      </p:sp>
+      <p:sp>
+        <p:nvSpPr>
+          <p:cNvPr id="3" name="Notes Placeholder 2"/>
+          <p:cNvSpPr>
+            <a:spLocks noGrp="1"/>
+          </p:cNvSpPr>
+          <p:nvPr>
+            <p:ph type="body" idx="1"/>
+          </p:nvPr>
+        </p:nvSpPr>
+        <p:spPr/>
+        <p:txBody>
+          <a:bodyPr/>
+          <a:lstStyle/>
+          <a:p>
+            <a:endParaRPr lang="en-US" dirty="0"/>
+          </a:p>
+        </p:txBody>
+      </p:sp>
+      <p:sp>
+        <p:nvSpPr>
+          <p:cNvPr id="4" name="Slide Number Placeholder 3"/>
+          <p:cNvSpPr>
+            <a:spLocks noGrp="1"/>
+          </p:cNvSpPr>
+          <p:nvPr>
+            <p:ph type="sldNum" sz="quarter" idx="5"/>
+          </p:nvPr>
+        </p:nvSpPr>
+        <p:spPr/>
+        <p:txBody>
+          <a:bodyPr/>
+          <a:lstStyle/>
+          <a:p>
+            <a:fld id="{D4B9A9E5-4F7F-4A7D-9DE1-899232329269}" type="slidenum">
+              <a:rPr lang="en-US" smtClean="0"/>
+              <a:t>48</a:t>
+            </a:fld>
+            <a:endParaRPr lang="en-US" dirty="0"/>
+          </a:p>
+        </p:txBody>
+      </p:sp>
+    </p:spTree>
+    <p:extLst>
+      <p:ext uri="{BB962C8B-B14F-4D97-AF65-F5344CB8AC3E}">
+        <p14:creationId xmlns:p14="http://schemas.microsoft.com/office/powerpoint/2010/main" val="2381275730"/>
       </p:ext>
     </p:extLst>
   </p:cSld>
@@ -20079,6 +20186,866 @@
 </p:sld>
 </file>
 
+<file path=ppt/slides/slide27.xml><?xml version="1.0" encoding="utf-8"?>
+<p:sld xmlns:a="http://schemas.openxmlformats.org/drawingml/2006/main" xmlns:r="http://schemas.openxmlformats.org/officeDocument/2006/relationships" xmlns:p="http://schemas.openxmlformats.org/presentationml/2006/main">
+  <p:cSld>
+    <p:spTree>
+      <p:nvGrpSpPr>
+        <p:cNvPr id="1" name=""/>
+        <p:cNvGrpSpPr/>
+        <p:nvPr/>
+      </p:nvGrpSpPr>
+      <p:grpSpPr>
+        <a:xfrm>
+          <a:off x="0" y="0"/>
+          <a:ext cx="0" cy="0"/>
+          <a:chOff x="0" y="0"/>
+          <a:chExt cx="0" cy="0"/>
+        </a:xfrm>
+      </p:grpSpPr>
+      <p:sp>
+        <p:nvSpPr>
+          <p:cNvPr id="2" name="Title 1">
+            <a:extLst>
+              <a:ext uri="{FF2B5EF4-FFF2-40B4-BE49-F238E27FC236}">
+                <a16:creationId xmlns:a16="http://schemas.microsoft.com/office/drawing/2014/main" id="{1CF50F63-F3AC-DA2D-7146-5BAF73CA085E}"/>
+              </a:ext>
+            </a:extLst>
+          </p:cNvPr>
+          <p:cNvSpPr>
+            <a:spLocks noGrp="1"/>
+          </p:cNvSpPr>
+          <p:nvPr>
+            <p:ph type="title"/>
+          </p:nvPr>
+        </p:nvSpPr>
+        <p:spPr>
+          <a:xfrm>
+            <a:off x="1333499" y="1963270"/>
+            <a:ext cx="4762501" cy="497541"/>
+          </a:xfrm>
+        </p:spPr>
+        <p:txBody>
+          <a:bodyPr/>
+          <a:lstStyle/>
+          <a:p>
+            <a:r>
+              <a:rPr lang="en-US" dirty="0"/>
+              <a:t>Feature engineering</a:t>
+            </a:r>
+          </a:p>
+        </p:txBody>
+      </p:sp>
+      <p:sp>
+        <p:nvSpPr>
+          <p:cNvPr id="7" name="Content Placeholder 2">
+            <a:extLst>
+              <a:ext uri="{FF2B5EF4-FFF2-40B4-BE49-F238E27FC236}">
+                <a16:creationId xmlns:a16="http://schemas.microsoft.com/office/drawing/2014/main" id="{D2FC17DA-C447-E41A-528B-BA2A3111768B}"/>
+              </a:ext>
+            </a:extLst>
+          </p:cNvPr>
+          <p:cNvSpPr txBox="1">
+            <a:spLocks/>
+          </p:cNvSpPr>
+          <p:nvPr/>
+        </p:nvSpPr>
+        <p:spPr>
+          <a:xfrm>
+            <a:off x="6720167" y="1192379"/>
+            <a:ext cx="4138334" cy="4985833"/>
+          </a:xfrm>
+          <a:prstGeom prst="rect">
+            <a:avLst/>
+          </a:prstGeom>
+        </p:spPr>
+        <p:txBody>
+          <a:bodyPr vert="horz" lIns="91440" tIns="45720" rIns="91440" bIns="45720" rtlCol="0">
+            <a:normAutofit/>
+          </a:bodyPr>
+          <a:lstStyle>
+            <a:lvl1pPr marL="0" indent="0" algn="l" defTabSz="914400" rtl="0" eaLnBrk="1" latinLnBrk="0" hangingPunct="1">
+              <a:lnSpc>
+                <a:spcPct val="120000"/>
+              </a:lnSpc>
+              <a:spcBef>
+                <a:spcPts val="1000"/>
+              </a:spcBef>
+              <a:buFont typeface="Arial" panose="020B0604020202020204" pitchFamily="34" charset="0"/>
+              <a:buNone/>
+              <a:defRPr sz="1400" kern="1200">
+                <a:solidFill>
+                  <a:schemeClr val="tx1">
+                    <a:lumMod val="75000"/>
+                    <a:lumOff val="25000"/>
+                  </a:schemeClr>
+                </a:solidFill>
+                <a:latin typeface="+mn-lt"/>
+                <a:ea typeface="+mn-ea"/>
+                <a:cs typeface="+mn-cs"/>
+              </a:defRPr>
+            </a:lvl1pPr>
+            <a:lvl2pPr marL="457200" indent="0" algn="l" defTabSz="914400" rtl="0" eaLnBrk="1" latinLnBrk="0" hangingPunct="1">
+              <a:lnSpc>
+                <a:spcPct val="120000"/>
+              </a:lnSpc>
+              <a:spcBef>
+                <a:spcPts val="1000"/>
+              </a:spcBef>
+              <a:buFont typeface="Arial" panose="020B0604020202020204" pitchFamily="34" charset="0"/>
+              <a:buNone/>
+              <a:defRPr sz="1400" kern="1200">
+                <a:solidFill>
+                  <a:schemeClr val="tx1">
+                    <a:lumMod val="75000"/>
+                    <a:lumOff val="25000"/>
+                  </a:schemeClr>
+                </a:solidFill>
+                <a:latin typeface="+mn-lt"/>
+                <a:ea typeface="+mn-ea"/>
+                <a:cs typeface="+mn-cs"/>
+              </a:defRPr>
+            </a:lvl2pPr>
+            <a:lvl3pPr marL="914400" indent="0" algn="l" defTabSz="914400" rtl="0" eaLnBrk="1" latinLnBrk="0" hangingPunct="1">
+              <a:lnSpc>
+                <a:spcPct val="120000"/>
+              </a:lnSpc>
+              <a:spcBef>
+                <a:spcPts val="1000"/>
+              </a:spcBef>
+              <a:buFont typeface="Arial" panose="020B0604020202020204" pitchFamily="34" charset="0"/>
+              <a:buNone/>
+              <a:defRPr sz="1400" kern="1200">
+                <a:solidFill>
+                  <a:schemeClr val="tx1">
+                    <a:lumMod val="75000"/>
+                    <a:lumOff val="25000"/>
+                  </a:schemeClr>
+                </a:solidFill>
+                <a:latin typeface="+mn-lt"/>
+                <a:ea typeface="+mn-ea"/>
+                <a:cs typeface="+mn-cs"/>
+              </a:defRPr>
+            </a:lvl3pPr>
+            <a:lvl4pPr marL="1371600" indent="0" algn="l" defTabSz="914400" rtl="0" eaLnBrk="1" latinLnBrk="0" hangingPunct="1">
+              <a:lnSpc>
+                <a:spcPct val="120000"/>
+              </a:lnSpc>
+              <a:spcBef>
+                <a:spcPts val="1000"/>
+              </a:spcBef>
+              <a:buFont typeface="Arial" panose="020B0604020202020204" pitchFamily="34" charset="0"/>
+              <a:buNone/>
+              <a:defRPr sz="1400" kern="1200">
+                <a:solidFill>
+                  <a:schemeClr val="tx1">
+                    <a:lumMod val="75000"/>
+                    <a:lumOff val="25000"/>
+                  </a:schemeClr>
+                </a:solidFill>
+                <a:latin typeface="+mn-lt"/>
+                <a:ea typeface="+mn-ea"/>
+                <a:cs typeface="+mn-cs"/>
+              </a:defRPr>
+            </a:lvl4pPr>
+            <a:lvl5pPr marL="1828800" indent="0" algn="l" defTabSz="914400" rtl="0" eaLnBrk="1" latinLnBrk="0" hangingPunct="1">
+              <a:lnSpc>
+                <a:spcPct val="120000"/>
+              </a:lnSpc>
+              <a:spcBef>
+                <a:spcPts val="1000"/>
+              </a:spcBef>
+              <a:buFont typeface="Arial" panose="020B0604020202020204" pitchFamily="34" charset="0"/>
+              <a:buNone/>
+              <a:defRPr sz="1400" kern="1200">
+                <a:solidFill>
+                  <a:schemeClr val="tx1">
+                    <a:lumMod val="75000"/>
+                    <a:lumOff val="25000"/>
+                  </a:schemeClr>
+                </a:solidFill>
+                <a:latin typeface="+mn-lt"/>
+                <a:ea typeface="+mn-ea"/>
+                <a:cs typeface="+mn-cs"/>
+              </a:defRPr>
+            </a:lvl5pPr>
+            <a:lvl6pPr marL="2514600" indent="-228600" algn="l" defTabSz="914400" rtl="0" eaLnBrk="1" latinLnBrk="0" hangingPunct="1">
+              <a:lnSpc>
+                <a:spcPct val="90000"/>
+              </a:lnSpc>
+              <a:spcBef>
+                <a:spcPts val="500"/>
+              </a:spcBef>
+              <a:buFont typeface="Arial" panose="020B0604020202020204" pitchFamily="34" charset="0"/>
+              <a:buChar char="•"/>
+              <a:defRPr sz="1800" kern="1200">
+                <a:solidFill>
+                  <a:schemeClr val="tx1"/>
+                </a:solidFill>
+                <a:latin typeface="+mn-lt"/>
+                <a:ea typeface="+mn-ea"/>
+                <a:cs typeface="+mn-cs"/>
+              </a:defRPr>
+            </a:lvl6pPr>
+            <a:lvl7pPr marL="2971800" indent="-228600" algn="l" defTabSz="914400" rtl="0" eaLnBrk="1" latinLnBrk="0" hangingPunct="1">
+              <a:lnSpc>
+                <a:spcPct val="90000"/>
+              </a:lnSpc>
+              <a:spcBef>
+                <a:spcPts val="500"/>
+              </a:spcBef>
+              <a:buFont typeface="Arial" panose="020B0604020202020204" pitchFamily="34" charset="0"/>
+              <a:buChar char="•"/>
+              <a:defRPr sz="1800" kern="1200">
+                <a:solidFill>
+                  <a:schemeClr val="tx1"/>
+                </a:solidFill>
+                <a:latin typeface="+mn-lt"/>
+                <a:ea typeface="+mn-ea"/>
+                <a:cs typeface="+mn-cs"/>
+              </a:defRPr>
+            </a:lvl7pPr>
+            <a:lvl8pPr marL="3429000" indent="-228600" algn="l" defTabSz="914400" rtl="0" eaLnBrk="1" latinLnBrk="0" hangingPunct="1">
+              <a:lnSpc>
+                <a:spcPct val="90000"/>
+              </a:lnSpc>
+              <a:spcBef>
+                <a:spcPts val="500"/>
+              </a:spcBef>
+              <a:buFont typeface="Arial" panose="020B0604020202020204" pitchFamily="34" charset="0"/>
+              <a:buChar char="•"/>
+              <a:defRPr sz="1800" kern="1200">
+                <a:solidFill>
+                  <a:schemeClr val="tx1"/>
+                </a:solidFill>
+                <a:latin typeface="+mn-lt"/>
+                <a:ea typeface="+mn-ea"/>
+                <a:cs typeface="+mn-cs"/>
+              </a:defRPr>
+            </a:lvl8pPr>
+            <a:lvl9pPr marL="3886200" indent="-228600" algn="l" defTabSz="914400" rtl="0" eaLnBrk="1" latinLnBrk="0" hangingPunct="1">
+              <a:lnSpc>
+                <a:spcPct val="90000"/>
+              </a:lnSpc>
+              <a:spcBef>
+                <a:spcPts val="500"/>
+              </a:spcBef>
+              <a:buFont typeface="Arial" panose="020B0604020202020204" pitchFamily="34" charset="0"/>
+              <a:buChar char="•"/>
+              <a:defRPr sz="1800" kern="1200">
+                <a:solidFill>
+                  <a:schemeClr val="tx1"/>
+                </a:solidFill>
+                <a:latin typeface="+mn-lt"/>
+                <a:ea typeface="+mn-ea"/>
+                <a:cs typeface="+mn-cs"/>
+              </a:defRPr>
+            </a:lvl9pPr>
+          </a:lstStyle>
+          <a:p>
+            <a:pPr marL="342900" indent="-342900">
+              <a:buFont typeface="Arial" panose="020B0604020202020204" pitchFamily="34" charset="0"/>
+              <a:buAutoNum type="arabicPeriod"/>
+            </a:pPr>
+            <a:r>
+              <a:rPr lang="en-US" sz="1800" dirty="0">
+                <a:solidFill>
+                  <a:schemeClr val="tx1"/>
+                </a:solidFill>
+              </a:rPr>
+              <a:t>INTRODUCTION</a:t>
+            </a:r>
+          </a:p>
+          <a:p>
+            <a:pPr marL="342900" indent="-342900">
+              <a:buFont typeface="Arial" panose="020B0604020202020204" pitchFamily="34" charset="0"/>
+              <a:buAutoNum type="arabicPeriod"/>
+            </a:pPr>
+            <a:r>
+              <a:rPr lang="en-US" sz="1800" dirty="0">
+                <a:solidFill>
+                  <a:schemeClr val="tx1"/>
+                </a:solidFill>
+              </a:rPr>
+              <a:t>DATASET OVERVIEW</a:t>
+            </a:r>
+          </a:p>
+          <a:p>
+            <a:pPr marL="342900" indent="-342900">
+              <a:buFont typeface="Arial" panose="020B0604020202020204" pitchFamily="34" charset="0"/>
+              <a:buAutoNum type="arabicPeriod"/>
+            </a:pPr>
+            <a:r>
+              <a:rPr lang="en-US" sz="1800" dirty="0">
+                <a:solidFill>
+                  <a:schemeClr val="tx1"/>
+                </a:solidFill>
+              </a:rPr>
+              <a:t>EXPLORE DATA</a:t>
+            </a:r>
+          </a:p>
+          <a:p>
+            <a:pPr marL="342900" indent="-342900">
+              <a:buFont typeface="Arial" panose="020B0604020202020204" pitchFamily="34" charset="0"/>
+              <a:buAutoNum type="arabicPeriod"/>
+            </a:pPr>
+            <a:r>
+              <a:rPr lang="en-US" sz="1800" dirty="0">
+                <a:solidFill>
+                  <a:schemeClr val="tx1"/>
+                </a:solidFill>
+              </a:rPr>
+              <a:t>DATA PREPROCESSING</a:t>
+            </a:r>
+          </a:p>
+          <a:p>
+            <a:pPr marL="342900" indent="-342900">
+              <a:buFont typeface="Arial" panose="020B0604020202020204" pitchFamily="34" charset="0"/>
+              <a:buAutoNum type="arabicPeriod"/>
+            </a:pPr>
+            <a:r>
+              <a:rPr lang="en-US" sz="1800" dirty="0">
+                <a:solidFill>
+                  <a:srgbClr val="00B0F0"/>
+                </a:solidFill>
+              </a:rPr>
+              <a:t>FEATURE ENGINEERING</a:t>
+            </a:r>
+          </a:p>
+          <a:p>
+            <a:pPr marL="342900" indent="-342900">
+              <a:buFont typeface="Arial" panose="020B0604020202020204" pitchFamily="34" charset="0"/>
+              <a:buAutoNum type="arabicPeriod"/>
+            </a:pPr>
+            <a:r>
+              <a:rPr lang="en-US" sz="1800" dirty="0">
+                <a:solidFill>
+                  <a:schemeClr val="tx1"/>
+                </a:solidFill>
+              </a:rPr>
+              <a:t>CORRELATION ANALYSIS	</a:t>
+            </a:r>
+          </a:p>
+          <a:p>
+            <a:pPr marL="342900" indent="-342900">
+              <a:buFont typeface="Arial" panose="020B0604020202020204" pitchFamily="34" charset="0"/>
+              <a:buAutoNum type="arabicPeriod"/>
+            </a:pPr>
+            <a:r>
+              <a:rPr lang="en-US" sz="1800" dirty="0">
+                <a:solidFill>
+                  <a:schemeClr val="tx1"/>
+                </a:solidFill>
+              </a:rPr>
+              <a:t>DIMENSIONALITY REDUCTION</a:t>
+            </a:r>
+          </a:p>
+          <a:p>
+            <a:pPr marL="342900" indent="-342900">
+              <a:buFont typeface="Arial" panose="020B0604020202020204" pitchFamily="34" charset="0"/>
+              <a:buAutoNum type="arabicPeriod"/>
+            </a:pPr>
+            <a:r>
+              <a:rPr lang="en-US" sz="1800" dirty="0">
+                <a:solidFill>
+                  <a:schemeClr val="tx1"/>
+                </a:solidFill>
+              </a:rPr>
+              <a:t>MODELING</a:t>
+            </a:r>
+          </a:p>
+          <a:p>
+            <a:pPr marL="342900" indent="-342900">
+              <a:buFont typeface="Arial" panose="020B0604020202020204" pitchFamily="34" charset="0"/>
+              <a:buAutoNum type="arabicPeriod"/>
+            </a:pPr>
+            <a:r>
+              <a:rPr lang="en-US" sz="1800" dirty="0">
+                <a:solidFill>
+                  <a:schemeClr val="tx1"/>
+                </a:solidFill>
+              </a:rPr>
+              <a:t>MODEL EVALUATION &amp; ANALYSIS</a:t>
+            </a:r>
+          </a:p>
+          <a:p>
+            <a:pPr marL="342900" indent="-342900">
+              <a:buFont typeface="Arial" panose="020B0604020202020204" pitchFamily="34" charset="0"/>
+              <a:buAutoNum type="arabicPeriod"/>
+            </a:pPr>
+            <a:r>
+              <a:rPr lang="en-US" sz="1800" dirty="0">
+                <a:solidFill>
+                  <a:schemeClr val="tx1"/>
+                </a:solidFill>
+              </a:rPr>
+              <a:t>RECOMMENDATION SYSTEM</a:t>
+            </a:r>
+          </a:p>
+          <a:p>
+            <a:pPr marL="342900" indent="-342900">
+              <a:buFont typeface="Arial" panose="020B0604020202020204" pitchFamily="34" charset="0"/>
+              <a:buAutoNum type="arabicPeriod"/>
+            </a:pPr>
+            <a:endParaRPr lang="en-US" sz="1800" dirty="0">
+              <a:solidFill>
+                <a:schemeClr val="tx1"/>
+              </a:solidFill>
+            </a:endParaRPr>
+          </a:p>
+        </p:txBody>
+      </p:sp>
+      <p:sp>
+        <p:nvSpPr>
+          <p:cNvPr id="4" name="Content Placeholder 2">
+            <a:extLst>
+              <a:ext uri="{FF2B5EF4-FFF2-40B4-BE49-F238E27FC236}">
+                <a16:creationId xmlns:a16="http://schemas.microsoft.com/office/drawing/2014/main" id="{CBDA4755-0BE4-480A-2621-9FF4CABF0B39}"/>
+              </a:ext>
+            </a:extLst>
+          </p:cNvPr>
+          <p:cNvSpPr>
+            <a:spLocks noGrp="1"/>
+          </p:cNvSpPr>
+          <p:nvPr>
+            <p:ph idx="1"/>
+          </p:nvPr>
+        </p:nvSpPr>
+        <p:spPr>
+          <a:xfrm>
+            <a:off x="1333499" y="2574551"/>
+            <a:ext cx="4138334" cy="2519363"/>
+          </a:xfrm>
+        </p:spPr>
+        <p:txBody>
+          <a:bodyPr>
+            <a:normAutofit/>
+          </a:bodyPr>
+          <a:lstStyle/>
+          <a:p>
+            <a:pPr marL="285750" indent="-285750">
+              <a:buFontTx/>
+              <a:buChar char="-"/>
+            </a:pPr>
+            <a:r>
+              <a:rPr lang="en-US" dirty="0"/>
+              <a:t>5.1 RFM Model</a:t>
+            </a:r>
+          </a:p>
+          <a:p>
+            <a:pPr marL="285750" indent="-285750">
+              <a:buFontTx/>
+              <a:buChar char="-"/>
+            </a:pPr>
+            <a:r>
+              <a:rPr lang="en-US" dirty="0"/>
+              <a:t>5.2 Product Diversity</a:t>
+            </a:r>
+          </a:p>
+          <a:p>
+            <a:pPr marL="285750" indent="-285750">
+              <a:buFontTx/>
+              <a:buChar char="-"/>
+            </a:pPr>
+            <a:r>
+              <a:rPr lang="en-US" dirty="0"/>
+              <a:t>5.3 Behavioral Features</a:t>
+            </a:r>
+          </a:p>
+          <a:p>
+            <a:pPr marL="285750" indent="-285750">
+              <a:buFontTx/>
+              <a:buChar char="-"/>
+            </a:pPr>
+            <a:r>
+              <a:rPr lang="en-US" dirty="0"/>
+              <a:t>5.4 Geographic Features</a:t>
+            </a:r>
+          </a:p>
+          <a:p>
+            <a:pPr marL="285750" indent="-285750">
+              <a:buFontTx/>
+              <a:buChar char="-"/>
+            </a:pPr>
+            <a:r>
+              <a:rPr lang="en-US" dirty="0"/>
+              <a:t>5.5 Cancellation Insights</a:t>
+            </a:r>
+          </a:p>
+          <a:p>
+            <a:pPr marL="285750" indent="-285750">
+              <a:buFontTx/>
+              <a:buChar char="-"/>
+            </a:pPr>
+            <a:r>
+              <a:rPr lang="en-US" dirty="0"/>
+              <a:t>5.6 Seasonality &amp; Trends</a:t>
+            </a:r>
+          </a:p>
+          <a:p>
+            <a:pPr marL="285750" indent="-285750">
+              <a:buFontTx/>
+              <a:buChar char="-"/>
+            </a:pPr>
+            <a:endParaRPr lang="en-US" dirty="0"/>
+          </a:p>
+          <a:p>
+            <a:pPr marL="285750" indent="-285750">
+              <a:buFontTx/>
+              <a:buChar char="-"/>
+            </a:pPr>
+            <a:endParaRPr lang="en-US" dirty="0"/>
+          </a:p>
+          <a:p>
+            <a:endParaRPr lang="en-US" dirty="0"/>
+          </a:p>
+          <a:p>
+            <a:pPr marL="285750" indent="-285750">
+              <a:buFontTx/>
+              <a:buChar char="-"/>
+            </a:pPr>
+            <a:endParaRPr lang="en-US" dirty="0"/>
+          </a:p>
+          <a:p>
+            <a:pPr marL="285750" indent="-285750">
+              <a:buFontTx/>
+              <a:buChar char="-"/>
+            </a:pPr>
+            <a:endParaRPr lang="en-US" dirty="0"/>
+          </a:p>
+        </p:txBody>
+      </p:sp>
+    </p:spTree>
+    <p:extLst>
+      <p:ext uri="{BB962C8B-B14F-4D97-AF65-F5344CB8AC3E}">
+        <p14:creationId xmlns:p14="http://schemas.microsoft.com/office/powerpoint/2010/main" val="3566422668"/>
+      </p:ext>
+    </p:extLst>
+  </p:cSld>
+  <p:clrMapOvr>
+    <a:masterClrMapping/>
+  </p:clrMapOvr>
+</p:sld>
+</file>
+
+<file path=ppt/slides/slide28.xml><?xml version="1.0" encoding="utf-8"?>
+<p:sld xmlns:a="http://schemas.openxmlformats.org/drawingml/2006/main" xmlns:r="http://schemas.openxmlformats.org/officeDocument/2006/relationships" xmlns:p="http://schemas.openxmlformats.org/presentationml/2006/main">
+  <p:cSld>
+    <p:spTree>
+      <p:nvGrpSpPr>
+        <p:cNvPr id="1" name=""/>
+        <p:cNvGrpSpPr/>
+        <p:nvPr/>
+      </p:nvGrpSpPr>
+      <p:grpSpPr>
+        <a:xfrm>
+          <a:off x="0" y="0"/>
+          <a:ext cx="0" cy="0"/>
+          <a:chOff x="0" y="0"/>
+          <a:chExt cx="0" cy="0"/>
+        </a:xfrm>
+      </p:grpSpPr>
+      <p:sp>
+        <p:nvSpPr>
+          <p:cNvPr id="2" name="Title 1">
+            <a:extLst>
+              <a:ext uri="{FF2B5EF4-FFF2-40B4-BE49-F238E27FC236}">
+                <a16:creationId xmlns:a16="http://schemas.microsoft.com/office/drawing/2014/main" id="{7CA9C9D1-003D-8F31-31BD-F995D634F366}"/>
+              </a:ext>
+            </a:extLst>
+          </p:cNvPr>
+          <p:cNvSpPr>
+            <a:spLocks noGrp="1"/>
+          </p:cNvSpPr>
+          <p:nvPr>
+            <p:ph type="title"/>
+          </p:nvPr>
+        </p:nvSpPr>
+        <p:spPr>
+          <a:xfrm>
+            <a:off x="2661395" y="486839"/>
+            <a:ext cx="6869207" cy="436526"/>
+          </a:xfrm>
+        </p:spPr>
+        <p:txBody>
+          <a:bodyPr>
+            <a:normAutofit/>
+          </a:bodyPr>
+          <a:lstStyle/>
+          <a:p>
+            <a:pPr algn="ctr"/>
+            <a:r>
+              <a:rPr lang="en-US" sz="2000" b="1" dirty="0"/>
+              <a:t>5.1 RFM MODEL</a:t>
+            </a:r>
+          </a:p>
+        </p:txBody>
+      </p:sp>
+      <p:sp>
+        <p:nvSpPr>
+          <p:cNvPr id="3" name="TextBox 2">
+            <a:extLst>
+              <a:ext uri="{FF2B5EF4-FFF2-40B4-BE49-F238E27FC236}">
+                <a16:creationId xmlns:a16="http://schemas.microsoft.com/office/drawing/2014/main" id="{C93EC21E-CC04-C537-F773-EB38286E579C}"/>
+              </a:ext>
+            </a:extLst>
+          </p:cNvPr>
+          <p:cNvSpPr txBox="1"/>
+          <p:nvPr/>
+        </p:nvSpPr>
+        <p:spPr>
+          <a:xfrm>
+            <a:off x="1343023" y="1397675"/>
+            <a:ext cx="9505950" cy="3139321"/>
+          </a:xfrm>
+          <a:prstGeom prst="rect">
+            <a:avLst/>
+          </a:prstGeom>
+          <a:noFill/>
+        </p:spPr>
+        <p:txBody>
+          <a:bodyPr wrap="square">
+            <a:spAutoFit/>
+          </a:bodyPr>
+          <a:lstStyle/>
+          <a:p>
+            <a:pPr marL="285750" indent="-285750">
+              <a:buFont typeface="Arial" panose="020B0604020202020204" pitchFamily="34" charset="0"/>
+              <a:buChar char="•"/>
+            </a:pPr>
+            <a:r>
+              <a:rPr lang="en-US" dirty="0"/>
+              <a:t>used to identify customer behavior based on 3 data such as </a:t>
+            </a:r>
+            <a:r>
+              <a:rPr lang="en-US" dirty="0">
+                <a:solidFill>
+                  <a:srgbClr val="0070C0"/>
+                </a:solidFill>
+              </a:rPr>
+              <a:t>Recency, Frequency, Monetary </a:t>
+            </a:r>
+            <a:r>
+              <a:rPr lang="en-US" dirty="0"/>
+              <a:t>Value</a:t>
+            </a:r>
+          </a:p>
+          <a:p>
+            <a:endParaRPr lang="en-US" dirty="0"/>
+          </a:p>
+          <a:p>
+            <a:endParaRPr lang="en-US" dirty="0"/>
+          </a:p>
+          <a:p>
+            <a:endParaRPr lang="en-US" dirty="0"/>
+          </a:p>
+          <a:p>
+            <a:r>
+              <a:rPr lang="en-US" b="1" dirty="0"/>
+              <a:t>Recency </a:t>
+            </a:r>
+            <a:r>
+              <a:rPr lang="en-US" dirty="0"/>
+              <a:t>: the time since customer's last purchase. Shorter period = more interaction</a:t>
+            </a:r>
+          </a:p>
+          <a:p>
+            <a:endParaRPr lang="en-US" dirty="0"/>
+          </a:p>
+          <a:p>
+            <a:r>
+              <a:rPr lang="en-US" b="1" dirty="0"/>
+              <a:t>Frequency</a:t>
+            </a:r>
+            <a:r>
+              <a:rPr lang="en-US" dirty="0"/>
+              <a:t> : number of customer transaction</a:t>
+            </a:r>
+          </a:p>
+          <a:p>
+            <a:endParaRPr lang="en-US" b="1" dirty="0"/>
+          </a:p>
+          <a:p>
+            <a:r>
+              <a:rPr lang="en-US" b="1" dirty="0"/>
+              <a:t>Monetary </a:t>
+            </a:r>
+            <a:r>
+              <a:rPr lang="en-US" dirty="0"/>
+              <a:t>: total amount of money a customer has spent over a period</a:t>
+            </a:r>
+          </a:p>
+          <a:p>
+            <a:pPr marL="285750" indent="-285750">
+              <a:buFont typeface="Arial" panose="020B0604020202020204" pitchFamily="34" charset="0"/>
+              <a:buChar char="•"/>
+            </a:pPr>
+            <a:endParaRPr lang="en-US" dirty="0"/>
+          </a:p>
+        </p:txBody>
+      </p:sp>
+    </p:spTree>
+    <p:extLst>
+      <p:ext uri="{BB962C8B-B14F-4D97-AF65-F5344CB8AC3E}">
+        <p14:creationId xmlns:p14="http://schemas.microsoft.com/office/powerpoint/2010/main" val="3808839665"/>
+      </p:ext>
+    </p:extLst>
+  </p:cSld>
+  <p:clrMapOvr>
+    <a:masterClrMapping/>
+  </p:clrMapOvr>
+</p:sld>
+</file>
+
+<file path=ppt/slides/slide29.xml><?xml version="1.0" encoding="utf-8"?>
+<p:sld xmlns:a="http://schemas.openxmlformats.org/drawingml/2006/main" xmlns:r="http://schemas.openxmlformats.org/officeDocument/2006/relationships" xmlns:p="http://schemas.openxmlformats.org/presentationml/2006/main">
+  <p:cSld>
+    <p:spTree>
+      <p:nvGrpSpPr>
+        <p:cNvPr id="1" name=""/>
+        <p:cNvGrpSpPr/>
+        <p:nvPr/>
+      </p:nvGrpSpPr>
+      <p:grpSpPr>
+        <a:xfrm>
+          <a:off x="0" y="0"/>
+          <a:ext cx="0" cy="0"/>
+          <a:chOff x="0" y="0"/>
+          <a:chExt cx="0" cy="0"/>
+        </a:xfrm>
+      </p:grpSpPr>
+      <p:sp>
+        <p:nvSpPr>
+          <p:cNvPr id="2" name="Title 1">
+            <a:extLst>
+              <a:ext uri="{FF2B5EF4-FFF2-40B4-BE49-F238E27FC236}">
+                <a16:creationId xmlns:a16="http://schemas.microsoft.com/office/drawing/2014/main" id="{7CA9C9D1-003D-8F31-31BD-F995D634F366}"/>
+              </a:ext>
+            </a:extLst>
+          </p:cNvPr>
+          <p:cNvSpPr>
+            <a:spLocks noGrp="1"/>
+          </p:cNvSpPr>
+          <p:nvPr>
+            <p:ph type="title"/>
+          </p:nvPr>
+        </p:nvSpPr>
+        <p:spPr>
+          <a:xfrm>
+            <a:off x="2661395" y="486839"/>
+            <a:ext cx="6869207" cy="436526"/>
+          </a:xfrm>
+        </p:spPr>
+        <p:txBody>
+          <a:bodyPr>
+            <a:normAutofit/>
+          </a:bodyPr>
+          <a:lstStyle/>
+          <a:p>
+            <a:pPr algn="ctr"/>
+            <a:r>
+              <a:rPr lang="en-US" sz="2000" dirty="0"/>
+              <a:t>RECENCY</a:t>
+            </a:r>
+          </a:p>
+        </p:txBody>
+      </p:sp>
+      <p:sp>
+        <p:nvSpPr>
+          <p:cNvPr id="3" name="TextBox 2">
+            <a:extLst>
+              <a:ext uri="{FF2B5EF4-FFF2-40B4-BE49-F238E27FC236}">
+                <a16:creationId xmlns:a16="http://schemas.microsoft.com/office/drawing/2014/main" id="{C93EC21E-CC04-C537-F773-EB38286E579C}"/>
+              </a:ext>
+            </a:extLst>
+          </p:cNvPr>
+          <p:cNvSpPr txBox="1"/>
+          <p:nvPr/>
+        </p:nvSpPr>
+        <p:spPr>
+          <a:xfrm>
+            <a:off x="1343023" y="1397675"/>
+            <a:ext cx="9505950" cy="2308324"/>
+          </a:xfrm>
+          <a:prstGeom prst="rect">
+            <a:avLst/>
+          </a:prstGeom>
+          <a:noFill/>
+        </p:spPr>
+        <p:txBody>
+          <a:bodyPr wrap="square">
+            <a:spAutoFit/>
+          </a:bodyPr>
+          <a:lstStyle/>
+          <a:p>
+            <a:pPr marL="285750" indent="-285750">
+              <a:buFont typeface="Arial" panose="020B0604020202020204" pitchFamily="34" charset="0"/>
+              <a:buChar char="•"/>
+            </a:pPr>
+            <a:r>
+              <a:rPr lang="en-US" dirty="0"/>
+              <a:t>In this step, we focus on understanding how recently a customer has made a purchase. </a:t>
+            </a:r>
+          </a:p>
+          <a:p>
+            <a:endParaRPr lang="en-US" dirty="0"/>
+          </a:p>
+          <a:p>
+            <a:pPr marL="285750" indent="-285750">
+              <a:buFont typeface="Arial" panose="020B0604020202020204" pitchFamily="34" charset="0"/>
+              <a:buChar char="•"/>
+            </a:pPr>
+            <a:r>
+              <a:rPr lang="en-US" b="1" dirty="0"/>
+              <a:t>Days Since Last Purchase </a:t>
+            </a:r>
+            <a:r>
+              <a:rPr lang="en-US" dirty="0"/>
+              <a:t>: This feature represents the number of days that have passed since the customer's last purchase.</a:t>
+            </a:r>
+          </a:p>
+          <a:p>
+            <a:pPr marL="285750" indent="-285750">
+              <a:buFont typeface="Arial" panose="020B0604020202020204" pitchFamily="34" charset="0"/>
+              <a:buChar char="•"/>
+            </a:pPr>
+            <a:endParaRPr lang="en-US" dirty="0"/>
+          </a:p>
+          <a:p>
+            <a:pPr marL="742950" lvl="1" indent="-285750">
+              <a:buFont typeface="Arial" panose="020B0604020202020204" pitchFamily="34" charset="0"/>
+              <a:buChar char="•"/>
+            </a:pPr>
+            <a:r>
+              <a:rPr lang="en-US" dirty="0"/>
+              <a:t>A lower value indicates that the customer has purchased recently, implying a higher engagement level with the business.</a:t>
+            </a:r>
+          </a:p>
+          <a:p>
+            <a:pPr marL="742950" lvl="1" indent="-285750">
+              <a:buFont typeface="Arial" panose="020B0604020202020204" pitchFamily="34" charset="0"/>
+              <a:buChar char="•"/>
+            </a:pPr>
+            <a:r>
+              <a:rPr lang="en-US" dirty="0"/>
+              <a:t>A higher value may indicate a lapse or decreased engagement.</a:t>
+            </a:r>
+          </a:p>
+        </p:txBody>
+      </p:sp>
+    </p:spTree>
+    <p:extLst>
+      <p:ext uri="{BB962C8B-B14F-4D97-AF65-F5344CB8AC3E}">
+        <p14:creationId xmlns:p14="http://schemas.microsoft.com/office/powerpoint/2010/main" val="4232393859"/>
+      </p:ext>
+    </p:extLst>
+  </p:cSld>
+  <p:clrMapOvr>
+    <a:masterClrMapping/>
+  </p:clrMapOvr>
+</p:sld>
+</file>
+
 <file path=ppt/slides/slide3.xml><?xml version="1.0" encoding="utf-8"?>
 <p:sld xmlns:a="http://schemas.openxmlformats.org/drawingml/2006/main" xmlns:r="http://schemas.openxmlformats.org/officeDocument/2006/relationships" xmlns:p="http://schemas.openxmlformats.org/presentationml/2006/main">
   <p:cSld>
@@ -20505,6 +21472,2056 @@
     <p:extLst>
       <p:ext uri="{BB962C8B-B14F-4D97-AF65-F5344CB8AC3E}">
         <p14:creationId xmlns:p14="http://schemas.microsoft.com/office/powerpoint/2010/main" val="1217860225"/>
+      </p:ext>
+    </p:extLst>
+  </p:cSld>
+  <p:clrMapOvr>
+    <a:masterClrMapping/>
+  </p:clrMapOvr>
+</p:sld>
+</file>
+
+<file path=ppt/slides/slide30.xml><?xml version="1.0" encoding="utf-8"?>
+<p:sld xmlns:a="http://schemas.openxmlformats.org/drawingml/2006/main" xmlns:r="http://schemas.openxmlformats.org/officeDocument/2006/relationships" xmlns:p="http://schemas.openxmlformats.org/presentationml/2006/main">
+  <p:cSld>
+    <p:spTree>
+      <p:nvGrpSpPr>
+        <p:cNvPr id="1" name=""/>
+        <p:cNvGrpSpPr/>
+        <p:nvPr/>
+      </p:nvGrpSpPr>
+      <p:grpSpPr>
+        <a:xfrm>
+          <a:off x="0" y="0"/>
+          <a:ext cx="0" cy="0"/>
+          <a:chOff x="0" y="0"/>
+          <a:chExt cx="0" cy="0"/>
+        </a:xfrm>
+      </p:grpSpPr>
+      <p:sp>
+        <p:nvSpPr>
+          <p:cNvPr id="2" name="Title 1">
+            <a:extLst>
+              <a:ext uri="{FF2B5EF4-FFF2-40B4-BE49-F238E27FC236}">
+                <a16:creationId xmlns:a16="http://schemas.microsoft.com/office/drawing/2014/main" id="{7CA9C9D1-003D-8F31-31BD-F995D634F366}"/>
+              </a:ext>
+            </a:extLst>
+          </p:cNvPr>
+          <p:cNvSpPr>
+            <a:spLocks noGrp="1"/>
+          </p:cNvSpPr>
+          <p:nvPr>
+            <p:ph type="title"/>
+          </p:nvPr>
+        </p:nvSpPr>
+        <p:spPr>
+          <a:xfrm>
+            <a:off x="2661395" y="486839"/>
+            <a:ext cx="6869207" cy="436526"/>
+          </a:xfrm>
+        </p:spPr>
+        <p:txBody>
+          <a:bodyPr>
+            <a:normAutofit/>
+          </a:bodyPr>
+          <a:lstStyle/>
+          <a:p>
+            <a:pPr algn="ctr"/>
+            <a:r>
+              <a:rPr lang="en-US" sz="2000" dirty="0"/>
+              <a:t>frequency</a:t>
+            </a:r>
+          </a:p>
+        </p:txBody>
+      </p:sp>
+      <p:sp>
+        <p:nvSpPr>
+          <p:cNvPr id="3" name="TextBox 2">
+            <a:extLst>
+              <a:ext uri="{FF2B5EF4-FFF2-40B4-BE49-F238E27FC236}">
+                <a16:creationId xmlns:a16="http://schemas.microsoft.com/office/drawing/2014/main" id="{C93EC21E-CC04-C537-F773-EB38286E579C}"/>
+              </a:ext>
+            </a:extLst>
+          </p:cNvPr>
+          <p:cNvSpPr txBox="1"/>
+          <p:nvPr/>
+        </p:nvSpPr>
+        <p:spPr>
+          <a:xfrm>
+            <a:off x="1343023" y="1397675"/>
+            <a:ext cx="9505950" cy="2585323"/>
+          </a:xfrm>
+          <a:prstGeom prst="rect">
+            <a:avLst/>
+          </a:prstGeom>
+          <a:noFill/>
+        </p:spPr>
+        <p:txBody>
+          <a:bodyPr wrap="square">
+            <a:spAutoFit/>
+          </a:bodyPr>
+          <a:lstStyle/>
+          <a:p>
+            <a:pPr marL="285750" indent="-285750">
+              <a:buFont typeface="Arial" panose="020B0604020202020204" pitchFamily="34" charset="0"/>
+              <a:buChar char="•"/>
+            </a:pPr>
+            <a:r>
+              <a:rPr lang="en-US" dirty="0"/>
+              <a:t>In this step, we focus on feature that quantify the frequency of a customer's engagement with the retailer. </a:t>
+            </a:r>
+          </a:p>
+          <a:p>
+            <a:endParaRPr lang="en-US" dirty="0"/>
+          </a:p>
+          <a:p>
+            <a:pPr marL="742950" lvl="1" indent="-285750">
+              <a:buFont typeface="Arial" panose="020B0604020202020204" pitchFamily="34" charset="0"/>
+              <a:buChar char="•"/>
+            </a:pPr>
+            <a:r>
+              <a:rPr lang="en-US" b="1" dirty="0"/>
+              <a:t>Total Transactions </a:t>
+            </a:r>
+            <a:r>
+              <a:rPr lang="en-US" dirty="0"/>
+              <a:t>: represents the total number of transactions made by a customer. It helps in understanding the engagement level of a customer with the retailer.</a:t>
+            </a:r>
+          </a:p>
+          <a:p>
+            <a:pPr marL="285750" indent="-285750">
+              <a:buFont typeface="Arial" panose="020B0604020202020204" pitchFamily="34" charset="0"/>
+              <a:buChar char="•"/>
+            </a:pPr>
+            <a:endParaRPr lang="en-US" dirty="0"/>
+          </a:p>
+          <a:p>
+            <a:pPr marL="742950" lvl="1" indent="-285750">
+              <a:buFont typeface="Arial" panose="020B0604020202020204" pitchFamily="34" charset="0"/>
+              <a:buChar char="•"/>
+            </a:pPr>
+            <a:r>
+              <a:rPr lang="en-US" b="1" dirty="0"/>
+              <a:t>Total Products Purchased </a:t>
+            </a:r>
+            <a:r>
+              <a:rPr lang="en-US" dirty="0"/>
+              <a:t>: represents the total number of products (sum of quantities) purchased by a customer across all transactions. It gives an insight into the customer's buying behavior in terms of the volume of products purchased.</a:t>
+            </a:r>
+          </a:p>
+        </p:txBody>
+      </p:sp>
+    </p:spTree>
+    <p:extLst>
+      <p:ext uri="{BB962C8B-B14F-4D97-AF65-F5344CB8AC3E}">
+        <p14:creationId xmlns:p14="http://schemas.microsoft.com/office/powerpoint/2010/main" val="3714295096"/>
+      </p:ext>
+    </p:extLst>
+  </p:cSld>
+  <p:clrMapOvr>
+    <a:masterClrMapping/>
+  </p:clrMapOvr>
+</p:sld>
+</file>
+
+<file path=ppt/slides/slide31.xml><?xml version="1.0" encoding="utf-8"?>
+<p:sld xmlns:a="http://schemas.openxmlformats.org/drawingml/2006/main" xmlns:r="http://schemas.openxmlformats.org/officeDocument/2006/relationships" xmlns:p="http://schemas.openxmlformats.org/presentationml/2006/main">
+  <p:cSld>
+    <p:spTree>
+      <p:nvGrpSpPr>
+        <p:cNvPr id="1" name=""/>
+        <p:cNvGrpSpPr/>
+        <p:nvPr/>
+      </p:nvGrpSpPr>
+      <p:grpSpPr>
+        <a:xfrm>
+          <a:off x="0" y="0"/>
+          <a:ext cx="0" cy="0"/>
+          <a:chOff x="0" y="0"/>
+          <a:chExt cx="0" cy="0"/>
+        </a:xfrm>
+      </p:grpSpPr>
+      <p:sp>
+        <p:nvSpPr>
+          <p:cNvPr id="2" name="Title 1">
+            <a:extLst>
+              <a:ext uri="{FF2B5EF4-FFF2-40B4-BE49-F238E27FC236}">
+                <a16:creationId xmlns:a16="http://schemas.microsoft.com/office/drawing/2014/main" id="{7CA9C9D1-003D-8F31-31BD-F995D634F366}"/>
+              </a:ext>
+            </a:extLst>
+          </p:cNvPr>
+          <p:cNvSpPr>
+            <a:spLocks noGrp="1"/>
+          </p:cNvSpPr>
+          <p:nvPr>
+            <p:ph type="title"/>
+          </p:nvPr>
+        </p:nvSpPr>
+        <p:spPr>
+          <a:xfrm>
+            <a:off x="2661395" y="486839"/>
+            <a:ext cx="6869207" cy="436526"/>
+          </a:xfrm>
+        </p:spPr>
+        <p:txBody>
+          <a:bodyPr>
+            <a:normAutofit/>
+          </a:bodyPr>
+          <a:lstStyle/>
+          <a:p>
+            <a:pPr algn="ctr"/>
+            <a:r>
+              <a:rPr lang="en-US" sz="2000" dirty="0"/>
+              <a:t>monetary</a:t>
+            </a:r>
+          </a:p>
+        </p:txBody>
+      </p:sp>
+      <p:sp>
+        <p:nvSpPr>
+          <p:cNvPr id="3" name="TextBox 2">
+            <a:extLst>
+              <a:ext uri="{FF2B5EF4-FFF2-40B4-BE49-F238E27FC236}">
+                <a16:creationId xmlns:a16="http://schemas.microsoft.com/office/drawing/2014/main" id="{C93EC21E-CC04-C537-F773-EB38286E579C}"/>
+              </a:ext>
+            </a:extLst>
+          </p:cNvPr>
+          <p:cNvSpPr txBox="1"/>
+          <p:nvPr/>
+        </p:nvSpPr>
+        <p:spPr>
+          <a:xfrm>
+            <a:off x="1343023" y="1397675"/>
+            <a:ext cx="9505950" cy="3416320"/>
+          </a:xfrm>
+          <a:prstGeom prst="rect">
+            <a:avLst/>
+          </a:prstGeom>
+          <a:noFill/>
+        </p:spPr>
+        <p:txBody>
+          <a:bodyPr wrap="square">
+            <a:spAutoFit/>
+          </a:bodyPr>
+          <a:lstStyle/>
+          <a:p>
+            <a:pPr marL="285750" indent="-285750">
+              <a:buFont typeface="Arial" panose="020B0604020202020204" pitchFamily="34" charset="0"/>
+              <a:buChar char="•"/>
+            </a:pPr>
+            <a:r>
+              <a:rPr lang="en-US" dirty="0"/>
+              <a:t>In this step, we focus on features that represent the monetary aspect of customer's transactions.</a:t>
+            </a:r>
+          </a:p>
+          <a:p>
+            <a:endParaRPr lang="en-US" dirty="0"/>
+          </a:p>
+          <a:p>
+            <a:pPr marL="742950" lvl="1" indent="-285750">
+              <a:buFont typeface="Arial" panose="020B0604020202020204" pitchFamily="34" charset="0"/>
+              <a:buChar char="•"/>
+            </a:pPr>
+            <a:r>
+              <a:rPr lang="en-US" b="1" dirty="0"/>
+              <a:t>Total Spend </a:t>
+            </a:r>
+            <a:r>
+              <a:rPr lang="en-US" dirty="0"/>
+              <a:t>: represents the total amount of money spent by each customer. It is calculated as the sum of the product of </a:t>
+            </a:r>
+            <a:r>
+              <a:rPr lang="en-US" dirty="0" err="1"/>
+              <a:t>UnitPrice</a:t>
+            </a:r>
+            <a:r>
+              <a:rPr lang="en-US" dirty="0"/>
+              <a:t> and Quantity for all transactions made by a customer.</a:t>
+            </a:r>
+          </a:p>
+          <a:p>
+            <a:pPr marL="1200150" lvl="2" indent="-285750">
+              <a:buFont typeface="Arial" panose="020B0604020202020204" pitchFamily="34" charset="0"/>
+              <a:buChar char="•"/>
+            </a:pPr>
+            <a:r>
+              <a:rPr lang="en-US" dirty="0"/>
+              <a:t>helps in identifying the total revenue generated by each customer</a:t>
+            </a:r>
+          </a:p>
+          <a:p>
+            <a:pPr marL="1200150" lvl="2" indent="-285750">
+              <a:buFont typeface="Arial" panose="020B0604020202020204" pitchFamily="34" charset="0"/>
+              <a:buChar char="•"/>
+            </a:pPr>
+            <a:endParaRPr lang="en-US" dirty="0"/>
+          </a:p>
+          <a:p>
+            <a:pPr marL="742950" lvl="1" indent="-285750">
+              <a:buFont typeface="Arial" panose="020B0604020202020204" pitchFamily="34" charset="0"/>
+              <a:buChar char="•"/>
+            </a:pPr>
+            <a:r>
+              <a:rPr lang="en-US" b="1" dirty="0"/>
+              <a:t>Average Transaction Value </a:t>
+            </a:r>
+            <a:r>
+              <a:rPr lang="en-US" dirty="0"/>
+              <a:t>: indicates the average value of a transaction carried out by a customer. This feature is calculated as the Total Spend divided by the Total Transactions for each customer.</a:t>
+            </a:r>
+          </a:p>
+          <a:p>
+            <a:pPr marL="1200150" lvl="2" indent="-285750">
+              <a:buFont typeface="Arial" panose="020B0604020202020204" pitchFamily="34" charset="0"/>
+              <a:buChar char="•"/>
+            </a:pPr>
+            <a:r>
+              <a:rPr lang="en-US" dirty="0"/>
+              <a:t>understanding the spending behavior of customers</a:t>
+            </a:r>
+          </a:p>
+        </p:txBody>
+      </p:sp>
+    </p:spTree>
+    <p:extLst>
+      <p:ext uri="{BB962C8B-B14F-4D97-AF65-F5344CB8AC3E}">
+        <p14:creationId xmlns:p14="http://schemas.microsoft.com/office/powerpoint/2010/main" val="2071411066"/>
+      </p:ext>
+    </p:extLst>
+  </p:cSld>
+  <p:clrMapOvr>
+    <a:masterClrMapping/>
+  </p:clrMapOvr>
+</p:sld>
+</file>
+
+<file path=ppt/slides/slide32.xml><?xml version="1.0" encoding="utf-8"?>
+<p:sld xmlns:a="http://schemas.openxmlformats.org/drawingml/2006/main" xmlns:r="http://schemas.openxmlformats.org/officeDocument/2006/relationships" xmlns:p="http://schemas.openxmlformats.org/presentationml/2006/main">
+  <p:cSld>
+    <p:spTree>
+      <p:nvGrpSpPr>
+        <p:cNvPr id="1" name=""/>
+        <p:cNvGrpSpPr/>
+        <p:nvPr/>
+      </p:nvGrpSpPr>
+      <p:grpSpPr>
+        <a:xfrm>
+          <a:off x="0" y="0"/>
+          <a:ext cx="0" cy="0"/>
+          <a:chOff x="0" y="0"/>
+          <a:chExt cx="0" cy="0"/>
+        </a:xfrm>
+      </p:grpSpPr>
+      <p:sp>
+        <p:nvSpPr>
+          <p:cNvPr id="2" name="Title 1">
+            <a:extLst>
+              <a:ext uri="{FF2B5EF4-FFF2-40B4-BE49-F238E27FC236}">
+                <a16:creationId xmlns:a16="http://schemas.microsoft.com/office/drawing/2014/main" id="{7CA9C9D1-003D-8F31-31BD-F995D634F366}"/>
+              </a:ext>
+            </a:extLst>
+          </p:cNvPr>
+          <p:cNvSpPr>
+            <a:spLocks noGrp="1"/>
+          </p:cNvSpPr>
+          <p:nvPr>
+            <p:ph type="title"/>
+          </p:nvPr>
+        </p:nvSpPr>
+        <p:spPr>
+          <a:xfrm>
+            <a:off x="2661395" y="486839"/>
+            <a:ext cx="6869207" cy="436526"/>
+          </a:xfrm>
+        </p:spPr>
+        <p:txBody>
+          <a:bodyPr>
+            <a:normAutofit/>
+          </a:bodyPr>
+          <a:lstStyle/>
+          <a:p>
+            <a:pPr algn="ctr"/>
+            <a:r>
+              <a:rPr lang="en-US" sz="2000" b="1" dirty="0"/>
+              <a:t>5.2 product diversity</a:t>
+            </a:r>
+          </a:p>
+        </p:txBody>
+      </p:sp>
+      <p:sp>
+        <p:nvSpPr>
+          <p:cNvPr id="3" name="TextBox 2">
+            <a:extLst>
+              <a:ext uri="{FF2B5EF4-FFF2-40B4-BE49-F238E27FC236}">
+                <a16:creationId xmlns:a16="http://schemas.microsoft.com/office/drawing/2014/main" id="{C93EC21E-CC04-C537-F773-EB38286E579C}"/>
+              </a:ext>
+            </a:extLst>
+          </p:cNvPr>
+          <p:cNvSpPr txBox="1"/>
+          <p:nvPr/>
+        </p:nvSpPr>
+        <p:spPr>
+          <a:xfrm>
+            <a:off x="1343023" y="1397675"/>
+            <a:ext cx="9505950" cy="4801314"/>
+          </a:xfrm>
+          <a:prstGeom prst="rect">
+            <a:avLst/>
+          </a:prstGeom>
+          <a:noFill/>
+        </p:spPr>
+        <p:txBody>
+          <a:bodyPr wrap="square">
+            <a:spAutoFit/>
+          </a:bodyPr>
+          <a:lstStyle/>
+          <a:p>
+            <a:pPr marL="285750" indent="-285750">
+              <a:buFont typeface="Arial" panose="020B0604020202020204" pitchFamily="34" charset="0"/>
+              <a:buChar char="•"/>
+            </a:pPr>
+            <a:r>
+              <a:rPr lang="en-US" dirty="0"/>
+              <a:t>In this step, we need to focus on the feature that:</a:t>
+            </a:r>
+          </a:p>
+          <a:p>
+            <a:pPr marL="285750" indent="-285750">
+              <a:buFont typeface="Arial" panose="020B0604020202020204" pitchFamily="34" charset="0"/>
+              <a:buChar char="•"/>
+            </a:pPr>
+            <a:endParaRPr lang="en-US" dirty="0"/>
+          </a:p>
+          <a:p>
+            <a:pPr marL="742950" lvl="1" indent="-285750">
+              <a:buFont typeface="Arial" panose="020B0604020202020204" pitchFamily="34" charset="0"/>
+              <a:buChar char="•"/>
+            </a:pPr>
+            <a:r>
+              <a:rPr lang="en-US" dirty="0"/>
+              <a:t>understand the diversity in the product purchase behavior of customers.</a:t>
+            </a:r>
+          </a:p>
+          <a:p>
+            <a:pPr marL="742950" lvl="1" indent="-285750">
+              <a:buFont typeface="Arial" panose="020B0604020202020204" pitchFamily="34" charset="0"/>
+              <a:buChar char="•"/>
+            </a:pPr>
+            <a:endParaRPr lang="en-US" dirty="0"/>
+          </a:p>
+          <a:p>
+            <a:pPr marL="742950" lvl="1" indent="-285750">
+              <a:buFont typeface="Arial" panose="020B0604020202020204" pitchFamily="34" charset="0"/>
+              <a:buChar char="•"/>
+            </a:pPr>
+            <a:r>
+              <a:rPr lang="en-US" dirty="0"/>
+              <a:t>understanding product diversity can help in crafting personalized marketing strategies and product recommendations</a:t>
+            </a:r>
+          </a:p>
+          <a:p>
+            <a:pPr marL="285750" indent="-285750">
+              <a:buFont typeface="Arial" panose="020B0604020202020204" pitchFamily="34" charset="0"/>
+              <a:buChar char="•"/>
+            </a:pPr>
+            <a:endParaRPr lang="en-US" dirty="0"/>
+          </a:p>
+          <a:p>
+            <a:endParaRPr lang="en-US" dirty="0"/>
+          </a:p>
+          <a:p>
+            <a:endParaRPr lang="en-US" dirty="0"/>
+          </a:p>
+          <a:p>
+            <a:r>
+              <a:rPr lang="en-US" b="1" dirty="0"/>
+              <a:t>Unique Products Purchased</a:t>
+            </a:r>
+            <a:r>
+              <a:rPr lang="en-US" dirty="0"/>
+              <a:t>: This feature represents the number of distinct products bought by a customer.</a:t>
+            </a:r>
+          </a:p>
+          <a:p>
+            <a:pPr marL="285750" indent="-285750">
+              <a:buFontTx/>
+              <a:buChar char="-"/>
+            </a:pPr>
+            <a:endParaRPr lang="en-US" dirty="0"/>
+          </a:p>
+          <a:p>
+            <a:r>
+              <a:rPr lang="en-US" dirty="0"/>
+              <a:t>	- A higher value indicates that the customer has a diverse taste or preference, buying a wide range of products</a:t>
+            </a:r>
+          </a:p>
+          <a:p>
+            <a:r>
+              <a:rPr lang="en-US" dirty="0"/>
+              <a:t>	- A lower value might indicate a focused or specific preference.</a:t>
+            </a:r>
+          </a:p>
+          <a:p>
+            <a:endParaRPr lang="en-US" dirty="0"/>
+          </a:p>
+          <a:p>
+            <a:endParaRPr lang="en-US" dirty="0"/>
+          </a:p>
+        </p:txBody>
+      </p:sp>
+    </p:spTree>
+    <p:extLst>
+      <p:ext uri="{BB962C8B-B14F-4D97-AF65-F5344CB8AC3E}">
+        <p14:creationId xmlns:p14="http://schemas.microsoft.com/office/powerpoint/2010/main" val="958844298"/>
+      </p:ext>
+    </p:extLst>
+  </p:cSld>
+  <p:clrMapOvr>
+    <a:masterClrMapping/>
+  </p:clrMapOvr>
+</p:sld>
+</file>
+
+<file path=ppt/slides/slide33.xml><?xml version="1.0" encoding="utf-8"?>
+<p:sld xmlns:a="http://schemas.openxmlformats.org/drawingml/2006/main" xmlns:r="http://schemas.openxmlformats.org/officeDocument/2006/relationships" xmlns:p="http://schemas.openxmlformats.org/presentationml/2006/main">
+  <p:cSld>
+    <p:spTree>
+      <p:nvGrpSpPr>
+        <p:cNvPr id="1" name=""/>
+        <p:cNvGrpSpPr/>
+        <p:nvPr/>
+      </p:nvGrpSpPr>
+      <p:grpSpPr>
+        <a:xfrm>
+          <a:off x="0" y="0"/>
+          <a:ext cx="0" cy="0"/>
+          <a:chOff x="0" y="0"/>
+          <a:chExt cx="0" cy="0"/>
+        </a:xfrm>
+      </p:grpSpPr>
+      <p:sp>
+        <p:nvSpPr>
+          <p:cNvPr id="2" name="Title 1">
+            <a:extLst>
+              <a:ext uri="{FF2B5EF4-FFF2-40B4-BE49-F238E27FC236}">
+                <a16:creationId xmlns:a16="http://schemas.microsoft.com/office/drawing/2014/main" id="{7CA9C9D1-003D-8F31-31BD-F995D634F366}"/>
+              </a:ext>
+            </a:extLst>
+          </p:cNvPr>
+          <p:cNvSpPr>
+            <a:spLocks noGrp="1"/>
+          </p:cNvSpPr>
+          <p:nvPr>
+            <p:ph type="title"/>
+          </p:nvPr>
+        </p:nvSpPr>
+        <p:spPr>
+          <a:xfrm>
+            <a:off x="2661395" y="486839"/>
+            <a:ext cx="6869207" cy="436526"/>
+          </a:xfrm>
+        </p:spPr>
+        <p:txBody>
+          <a:bodyPr>
+            <a:normAutofit/>
+          </a:bodyPr>
+          <a:lstStyle/>
+          <a:p>
+            <a:pPr algn="ctr"/>
+            <a:r>
+              <a:rPr lang="en-US" sz="2000" b="1" dirty="0"/>
+              <a:t>5.3 Behavioral Features</a:t>
+            </a:r>
+          </a:p>
+        </p:txBody>
+      </p:sp>
+      <p:sp>
+        <p:nvSpPr>
+          <p:cNvPr id="3" name="TextBox 2">
+            <a:extLst>
+              <a:ext uri="{FF2B5EF4-FFF2-40B4-BE49-F238E27FC236}">
+                <a16:creationId xmlns:a16="http://schemas.microsoft.com/office/drawing/2014/main" id="{C93EC21E-CC04-C537-F773-EB38286E579C}"/>
+              </a:ext>
+            </a:extLst>
+          </p:cNvPr>
+          <p:cNvSpPr txBox="1"/>
+          <p:nvPr/>
+        </p:nvSpPr>
+        <p:spPr>
+          <a:xfrm>
+            <a:off x="1343023" y="1397675"/>
+            <a:ext cx="9505950" cy="5047536"/>
+          </a:xfrm>
+          <a:prstGeom prst="rect">
+            <a:avLst/>
+          </a:prstGeom>
+          <a:noFill/>
+        </p:spPr>
+        <p:txBody>
+          <a:bodyPr wrap="square">
+            <a:spAutoFit/>
+          </a:bodyPr>
+          <a:lstStyle/>
+          <a:p>
+            <a:pPr marL="285750" indent="-285750">
+              <a:buFont typeface="Arial" panose="020B0604020202020204" pitchFamily="34" charset="0"/>
+              <a:buChar char="•"/>
+            </a:pPr>
+            <a:r>
+              <a:rPr lang="en-US" dirty="0"/>
+              <a:t>In this step, we need to focus on the feature that:</a:t>
+            </a:r>
+          </a:p>
+          <a:p>
+            <a:pPr marL="742950" lvl="1" indent="-285750">
+              <a:buFont typeface="Arial" panose="020B0604020202020204" pitchFamily="34" charset="0"/>
+              <a:buChar char="•"/>
+            </a:pPr>
+            <a:endParaRPr lang="en-US" dirty="0"/>
+          </a:p>
+          <a:p>
+            <a:pPr marL="742950" lvl="1" indent="-285750">
+              <a:buFont typeface="Arial" panose="020B0604020202020204" pitchFamily="34" charset="0"/>
+              <a:buChar char="•"/>
+            </a:pPr>
+            <a:r>
+              <a:rPr lang="en-US" dirty="0"/>
+              <a:t>Understand and capture the shopping patterns and behaviors of customers.</a:t>
+            </a:r>
+          </a:p>
+          <a:p>
+            <a:pPr marL="742950" lvl="1" indent="-285750">
+              <a:buFont typeface="Arial" panose="020B0604020202020204" pitchFamily="34" charset="0"/>
+              <a:buChar char="•"/>
+            </a:pPr>
+            <a:endParaRPr lang="en-US" dirty="0"/>
+          </a:p>
+          <a:p>
+            <a:pPr marL="742950" lvl="1" indent="-285750">
+              <a:buFont typeface="Arial" panose="020B0604020202020204" pitchFamily="34" charset="0"/>
+              <a:buChar char="•"/>
+            </a:pPr>
+            <a:r>
+              <a:rPr lang="en-US" dirty="0"/>
+              <a:t>These features will give us insights into the customer's preferences regarding when they like to shop</a:t>
+            </a:r>
+          </a:p>
+          <a:p>
+            <a:endParaRPr lang="en-US" dirty="0"/>
+          </a:p>
+          <a:p>
+            <a:endParaRPr lang="en-US" dirty="0"/>
+          </a:p>
+          <a:p>
+            <a:r>
+              <a:rPr lang="en-US" sz="1600" b="1" dirty="0"/>
+              <a:t>Average Days Between Purchases </a:t>
+            </a:r>
+            <a:r>
+              <a:rPr lang="en-US" sz="1600" dirty="0"/>
+              <a:t>: This feature represents the average number of days a customer waits before making another purchase.</a:t>
+            </a:r>
+          </a:p>
+          <a:p>
+            <a:pPr marL="742950" lvl="1" indent="-285750">
+              <a:buFont typeface="Arial" panose="020B0604020202020204" pitchFamily="34" charset="0"/>
+              <a:buChar char="•"/>
+            </a:pPr>
+            <a:r>
+              <a:rPr lang="en-US" sz="1600" dirty="0"/>
+              <a:t>this feature can help in predicting when the customer is likely to make their next purchase</a:t>
+            </a:r>
+          </a:p>
+          <a:p>
+            <a:endParaRPr lang="en-US" sz="1600" dirty="0"/>
+          </a:p>
+          <a:p>
+            <a:r>
+              <a:rPr lang="en-US" sz="1600" b="1" dirty="0"/>
+              <a:t>Favorite Shopping Day </a:t>
+            </a:r>
+            <a:r>
+              <a:rPr lang="en-US" sz="1600" dirty="0"/>
+              <a:t>: represent the day of the week when the customer shops the most</a:t>
+            </a:r>
+          </a:p>
+          <a:p>
+            <a:pPr marL="742950" lvl="1" indent="-285750">
+              <a:buFont typeface="Arial" panose="020B0604020202020204" pitchFamily="34" charset="0"/>
+              <a:buChar char="•"/>
+            </a:pPr>
+            <a:r>
+              <a:rPr lang="en-US" sz="1600" dirty="0"/>
+              <a:t>this feature can help in identifying the preferred shopping days of different customer segments</a:t>
+            </a:r>
+          </a:p>
+          <a:p>
+            <a:pPr marL="742950" lvl="1" indent="-285750">
+              <a:buFont typeface="Arial" panose="020B0604020202020204" pitchFamily="34" charset="0"/>
+              <a:buChar char="•"/>
+            </a:pPr>
+            <a:endParaRPr lang="en-US" sz="1600" dirty="0"/>
+          </a:p>
+          <a:p>
+            <a:r>
+              <a:rPr lang="en-US" sz="1600" b="1" dirty="0"/>
+              <a:t>Favorite Shopping Hour </a:t>
+            </a:r>
+            <a:r>
+              <a:rPr lang="en-US" sz="1600" dirty="0"/>
+              <a:t>: refers to the hour of the day when the customer shops the most.</a:t>
+            </a:r>
+          </a:p>
+          <a:p>
+            <a:pPr marL="742950" lvl="1" indent="-285750">
+              <a:buFont typeface="Arial" panose="020B0604020202020204" pitchFamily="34" charset="0"/>
+              <a:buChar char="•"/>
+            </a:pPr>
+            <a:r>
+              <a:rPr lang="en-US" sz="1600" dirty="0"/>
+              <a:t>identifying the favorite shopping hour can aid in optimizing the timing of marketing campaigns and promotions</a:t>
+            </a:r>
+          </a:p>
+          <a:p>
+            <a:endParaRPr lang="en-US" dirty="0"/>
+          </a:p>
+        </p:txBody>
+      </p:sp>
+    </p:spTree>
+    <p:extLst>
+      <p:ext uri="{BB962C8B-B14F-4D97-AF65-F5344CB8AC3E}">
+        <p14:creationId xmlns:p14="http://schemas.microsoft.com/office/powerpoint/2010/main" val="2068372443"/>
+      </p:ext>
+    </p:extLst>
+  </p:cSld>
+  <p:clrMapOvr>
+    <a:masterClrMapping/>
+  </p:clrMapOvr>
+</p:sld>
+</file>
+
+<file path=ppt/slides/slide34.xml><?xml version="1.0" encoding="utf-8"?>
+<p:sld xmlns:a="http://schemas.openxmlformats.org/drawingml/2006/main" xmlns:r="http://schemas.openxmlformats.org/officeDocument/2006/relationships" xmlns:p="http://schemas.openxmlformats.org/presentationml/2006/main">
+  <p:cSld>
+    <p:spTree>
+      <p:nvGrpSpPr>
+        <p:cNvPr id="1" name=""/>
+        <p:cNvGrpSpPr/>
+        <p:nvPr/>
+      </p:nvGrpSpPr>
+      <p:grpSpPr>
+        <a:xfrm>
+          <a:off x="0" y="0"/>
+          <a:ext cx="0" cy="0"/>
+          <a:chOff x="0" y="0"/>
+          <a:chExt cx="0" cy="0"/>
+        </a:xfrm>
+      </p:grpSpPr>
+      <p:sp>
+        <p:nvSpPr>
+          <p:cNvPr id="2" name="Title 1">
+            <a:extLst>
+              <a:ext uri="{FF2B5EF4-FFF2-40B4-BE49-F238E27FC236}">
+                <a16:creationId xmlns:a16="http://schemas.microsoft.com/office/drawing/2014/main" id="{7CA9C9D1-003D-8F31-31BD-F995D634F366}"/>
+              </a:ext>
+            </a:extLst>
+          </p:cNvPr>
+          <p:cNvSpPr>
+            <a:spLocks noGrp="1"/>
+          </p:cNvSpPr>
+          <p:nvPr>
+            <p:ph type="title"/>
+          </p:nvPr>
+        </p:nvSpPr>
+        <p:spPr>
+          <a:xfrm>
+            <a:off x="2661395" y="486839"/>
+            <a:ext cx="6869207" cy="436526"/>
+          </a:xfrm>
+        </p:spPr>
+        <p:txBody>
+          <a:bodyPr>
+            <a:normAutofit/>
+          </a:bodyPr>
+          <a:lstStyle/>
+          <a:p>
+            <a:pPr algn="ctr"/>
+            <a:r>
+              <a:rPr lang="en-US" sz="2000" b="1" dirty="0"/>
+              <a:t>5.4 Geographic Features</a:t>
+            </a:r>
+          </a:p>
+        </p:txBody>
+      </p:sp>
+      <p:sp>
+        <p:nvSpPr>
+          <p:cNvPr id="3" name="TextBox 2">
+            <a:extLst>
+              <a:ext uri="{FF2B5EF4-FFF2-40B4-BE49-F238E27FC236}">
+                <a16:creationId xmlns:a16="http://schemas.microsoft.com/office/drawing/2014/main" id="{C93EC21E-CC04-C537-F773-EB38286E579C}"/>
+              </a:ext>
+            </a:extLst>
+          </p:cNvPr>
+          <p:cNvSpPr txBox="1"/>
+          <p:nvPr/>
+        </p:nvSpPr>
+        <p:spPr>
+          <a:xfrm>
+            <a:off x="1343023" y="1397675"/>
+            <a:ext cx="9505950" cy="2308324"/>
+          </a:xfrm>
+          <a:prstGeom prst="rect">
+            <a:avLst/>
+          </a:prstGeom>
+          <a:noFill/>
+        </p:spPr>
+        <p:txBody>
+          <a:bodyPr wrap="square">
+            <a:spAutoFit/>
+          </a:bodyPr>
+          <a:lstStyle/>
+          <a:p>
+            <a:pPr marL="285750" indent="-285750">
+              <a:buFont typeface="Arial" panose="020B0604020202020204" pitchFamily="34" charset="0"/>
+              <a:buChar char="•"/>
+            </a:pPr>
+            <a:r>
+              <a:rPr lang="en-US" dirty="0"/>
+              <a:t>We will focus on a feature that reflects the geographical location of customers.</a:t>
+            </a:r>
+          </a:p>
+          <a:p>
+            <a:pPr marL="742950" lvl="1" indent="-285750">
+              <a:buFont typeface="Arial" panose="020B0604020202020204" pitchFamily="34" charset="0"/>
+              <a:buChar char="•"/>
+            </a:pPr>
+            <a:r>
+              <a:rPr lang="en-US" dirty="0"/>
+              <a:t>help us understand region-specific buying patterns and preferences.</a:t>
+            </a:r>
+          </a:p>
+          <a:p>
+            <a:pPr marL="742950" lvl="1" indent="-285750">
+              <a:buFont typeface="Arial" panose="020B0604020202020204" pitchFamily="34" charset="0"/>
+              <a:buChar char="•"/>
+            </a:pPr>
+            <a:endParaRPr lang="en-US" dirty="0"/>
+          </a:p>
+          <a:p>
+            <a:pPr marL="285750" indent="-285750">
+              <a:buFont typeface="Arial" panose="020B0604020202020204" pitchFamily="34" charset="0"/>
+              <a:buChar char="•"/>
+            </a:pPr>
+            <a:r>
+              <a:rPr lang="en-US" dirty="0"/>
+              <a:t>After we analyze the ‘Country’ column, we observed that 89% of transaction comes from </a:t>
+            </a:r>
+            <a:r>
+              <a:rPr lang="en-US" b="1" dirty="0"/>
+              <a:t>United Kingdom</a:t>
+            </a:r>
+            <a:r>
+              <a:rPr lang="en-US" dirty="0"/>
+              <a:t>. Hence, we might consider creating a binary feature indicating whether the transaction is from the UK or not</a:t>
+            </a:r>
+          </a:p>
+          <a:p>
+            <a:pPr marL="285750" indent="-285750">
+              <a:buFont typeface="Arial" panose="020B0604020202020204" pitchFamily="34" charset="0"/>
+              <a:buChar char="•"/>
+            </a:pPr>
+            <a:endParaRPr lang="en-US" b="1" dirty="0"/>
+          </a:p>
+          <a:p>
+            <a:r>
+              <a:rPr lang="en-US" b="1" dirty="0" err="1"/>
+              <a:t>Is_UK</a:t>
+            </a:r>
+            <a:r>
+              <a:rPr lang="en-US" b="1" dirty="0"/>
+              <a:t> </a:t>
+            </a:r>
+            <a:r>
+              <a:rPr lang="en-US" dirty="0"/>
+              <a:t>: indicate that whether that transaction is in UK or not</a:t>
+            </a:r>
+          </a:p>
+        </p:txBody>
+      </p:sp>
+    </p:spTree>
+    <p:extLst>
+      <p:ext uri="{BB962C8B-B14F-4D97-AF65-F5344CB8AC3E}">
+        <p14:creationId xmlns:p14="http://schemas.microsoft.com/office/powerpoint/2010/main" val="3327788095"/>
+      </p:ext>
+    </p:extLst>
+  </p:cSld>
+  <p:clrMapOvr>
+    <a:masterClrMapping/>
+  </p:clrMapOvr>
+</p:sld>
+</file>
+
+<file path=ppt/slides/slide35.xml><?xml version="1.0" encoding="utf-8"?>
+<p:sld xmlns:a="http://schemas.openxmlformats.org/drawingml/2006/main" xmlns:r="http://schemas.openxmlformats.org/officeDocument/2006/relationships" xmlns:p="http://schemas.openxmlformats.org/presentationml/2006/main">
+  <p:cSld>
+    <p:spTree>
+      <p:nvGrpSpPr>
+        <p:cNvPr id="1" name=""/>
+        <p:cNvGrpSpPr/>
+        <p:nvPr/>
+      </p:nvGrpSpPr>
+      <p:grpSpPr>
+        <a:xfrm>
+          <a:off x="0" y="0"/>
+          <a:ext cx="0" cy="0"/>
+          <a:chOff x="0" y="0"/>
+          <a:chExt cx="0" cy="0"/>
+        </a:xfrm>
+      </p:grpSpPr>
+      <p:sp>
+        <p:nvSpPr>
+          <p:cNvPr id="2" name="Title 1">
+            <a:extLst>
+              <a:ext uri="{FF2B5EF4-FFF2-40B4-BE49-F238E27FC236}">
+                <a16:creationId xmlns:a16="http://schemas.microsoft.com/office/drawing/2014/main" id="{7CA9C9D1-003D-8F31-31BD-F995D634F366}"/>
+              </a:ext>
+            </a:extLst>
+          </p:cNvPr>
+          <p:cNvSpPr>
+            <a:spLocks noGrp="1"/>
+          </p:cNvSpPr>
+          <p:nvPr>
+            <p:ph type="title"/>
+          </p:nvPr>
+        </p:nvSpPr>
+        <p:spPr>
+          <a:xfrm>
+            <a:off x="2661395" y="486839"/>
+            <a:ext cx="6869207" cy="436526"/>
+          </a:xfrm>
+        </p:spPr>
+        <p:txBody>
+          <a:bodyPr>
+            <a:normAutofit/>
+          </a:bodyPr>
+          <a:lstStyle/>
+          <a:p>
+            <a:pPr algn="ctr"/>
+            <a:r>
+              <a:rPr lang="en-US" sz="2000" b="1" dirty="0"/>
+              <a:t>5.5 Cancellation Insights</a:t>
+            </a:r>
+          </a:p>
+        </p:txBody>
+      </p:sp>
+      <p:sp>
+        <p:nvSpPr>
+          <p:cNvPr id="3" name="TextBox 2">
+            <a:extLst>
+              <a:ext uri="{FF2B5EF4-FFF2-40B4-BE49-F238E27FC236}">
+                <a16:creationId xmlns:a16="http://schemas.microsoft.com/office/drawing/2014/main" id="{C93EC21E-CC04-C537-F773-EB38286E579C}"/>
+              </a:ext>
+            </a:extLst>
+          </p:cNvPr>
+          <p:cNvSpPr txBox="1"/>
+          <p:nvPr/>
+        </p:nvSpPr>
+        <p:spPr>
+          <a:xfrm>
+            <a:off x="1343023" y="1397675"/>
+            <a:ext cx="9505950" cy="2308324"/>
+          </a:xfrm>
+          <a:prstGeom prst="rect">
+            <a:avLst/>
+          </a:prstGeom>
+          <a:noFill/>
+        </p:spPr>
+        <p:txBody>
+          <a:bodyPr wrap="square">
+            <a:spAutoFit/>
+          </a:bodyPr>
+          <a:lstStyle/>
+          <a:p>
+            <a:pPr marL="285750" indent="-285750">
+              <a:buFont typeface="Arial" panose="020B0604020202020204" pitchFamily="34" charset="0"/>
+              <a:buChar char="•"/>
+            </a:pPr>
+            <a:r>
+              <a:rPr lang="en-US" dirty="0"/>
+              <a:t>In this step, we will going to dive deeper into the cancellation patterns of customers to gain insights that can enhance our customer segmentation model.</a:t>
+            </a:r>
+          </a:p>
+          <a:p>
+            <a:pPr marL="285750" indent="-285750">
+              <a:buFont typeface="Arial" panose="020B0604020202020204" pitchFamily="34" charset="0"/>
+              <a:buChar char="•"/>
+            </a:pPr>
+            <a:endParaRPr lang="en-US" dirty="0"/>
+          </a:p>
+          <a:p>
+            <a:r>
+              <a:rPr lang="en-US" b="1" dirty="0"/>
+              <a:t>Cancellation Frequency</a:t>
+            </a:r>
+            <a:r>
+              <a:rPr lang="en-US" dirty="0"/>
+              <a:t>: the total number of transactions a customer has canceled.</a:t>
+            </a:r>
+          </a:p>
+          <a:p>
+            <a:pPr marL="285750" indent="-285750">
+              <a:buFont typeface="Arial" panose="020B0604020202020204" pitchFamily="34" charset="0"/>
+              <a:buChar char="•"/>
+            </a:pPr>
+            <a:endParaRPr lang="en-US" dirty="0"/>
+          </a:p>
+          <a:p>
+            <a:r>
+              <a:rPr lang="en-US" b="1" dirty="0"/>
+              <a:t>Cancellation Rate</a:t>
+            </a:r>
+            <a:r>
+              <a:rPr lang="en-US" dirty="0"/>
+              <a:t>: the proportion of transactions that a customer has canceled out of all their transactions</a:t>
+            </a:r>
+          </a:p>
+          <a:p>
+            <a:pPr marL="742950" lvl="1" indent="-285750">
+              <a:buFont typeface="Arial" panose="020B0604020202020204" pitchFamily="34" charset="0"/>
+              <a:buChar char="•"/>
+            </a:pPr>
+            <a:r>
+              <a:rPr lang="en-US" dirty="0"/>
+              <a:t>gives a normalized view of cancellation behavior</a:t>
+            </a:r>
+          </a:p>
+        </p:txBody>
+      </p:sp>
+    </p:spTree>
+    <p:extLst>
+      <p:ext uri="{BB962C8B-B14F-4D97-AF65-F5344CB8AC3E}">
+        <p14:creationId xmlns:p14="http://schemas.microsoft.com/office/powerpoint/2010/main" val="3652582823"/>
+      </p:ext>
+    </p:extLst>
+  </p:cSld>
+  <p:clrMapOvr>
+    <a:masterClrMapping/>
+  </p:clrMapOvr>
+</p:sld>
+</file>
+
+<file path=ppt/slides/slide36.xml><?xml version="1.0" encoding="utf-8"?>
+<p:sld xmlns:a="http://schemas.openxmlformats.org/drawingml/2006/main" xmlns:r="http://schemas.openxmlformats.org/officeDocument/2006/relationships" xmlns:p="http://schemas.openxmlformats.org/presentationml/2006/main">
+  <p:cSld>
+    <p:spTree>
+      <p:nvGrpSpPr>
+        <p:cNvPr id="1" name=""/>
+        <p:cNvGrpSpPr/>
+        <p:nvPr/>
+      </p:nvGrpSpPr>
+      <p:grpSpPr>
+        <a:xfrm>
+          <a:off x="0" y="0"/>
+          <a:ext cx="0" cy="0"/>
+          <a:chOff x="0" y="0"/>
+          <a:chExt cx="0" cy="0"/>
+        </a:xfrm>
+      </p:grpSpPr>
+      <p:sp>
+        <p:nvSpPr>
+          <p:cNvPr id="2" name="Title 1">
+            <a:extLst>
+              <a:ext uri="{FF2B5EF4-FFF2-40B4-BE49-F238E27FC236}">
+                <a16:creationId xmlns:a16="http://schemas.microsoft.com/office/drawing/2014/main" id="{7CA9C9D1-003D-8F31-31BD-F995D634F366}"/>
+              </a:ext>
+            </a:extLst>
+          </p:cNvPr>
+          <p:cNvSpPr>
+            <a:spLocks noGrp="1"/>
+          </p:cNvSpPr>
+          <p:nvPr>
+            <p:ph type="title"/>
+          </p:nvPr>
+        </p:nvSpPr>
+        <p:spPr>
+          <a:xfrm>
+            <a:off x="2661395" y="486839"/>
+            <a:ext cx="6869207" cy="436526"/>
+          </a:xfrm>
+        </p:spPr>
+        <p:txBody>
+          <a:bodyPr>
+            <a:normAutofit/>
+          </a:bodyPr>
+          <a:lstStyle/>
+          <a:p>
+            <a:pPr algn="ctr"/>
+            <a:r>
+              <a:rPr lang="en-US" sz="2000" b="1" dirty="0"/>
+              <a:t>5.6 Seasonality &amp; Trends</a:t>
+            </a:r>
+          </a:p>
+        </p:txBody>
+      </p:sp>
+      <p:sp>
+        <p:nvSpPr>
+          <p:cNvPr id="3" name="TextBox 2">
+            <a:extLst>
+              <a:ext uri="{FF2B5EF4-FFF2-40B4-BE49-F238E27FC236}">
+                <a16:creationId xmlns:a16="http://schemas.microsoft.com/office/drawing/2014/main" id="{C93EC21E-CC04-C537-F773-EB38286E579C}"/>
+              </a:ext>
+            </a:extLst>
+          </p:cNvPr>
+          <p:cNvSpPr txBox="1"/>
+          <p:nvPr/>
+        </p:nvSpPr>
+        <p:spPr>
+          <a:xfrm>
+            <a:off x="1343023" y="1397675"/>
+            <a:ext cx="9505950" cy="4247317"/>
+          </a:xfrm>
+          <a:prstGeom prst="rect">
+            <a:avLst/>
+          </a:prstGeom>
+          <a:noFill/>
+        </p:spPr>
+        <p:txBody>
+          <a:bodyPr wrap="square">
+            <a:spAutoFit/>
+          </a:bodyPr>
+          <a:lstStyle/>
+          <a:p>
+            <a:pPr marL="285750" indent="-285750">
+              <a:buFont typeface="Arial" panose="020B0604020202020204" pitchFamily="34" charset="0"/>
+              <a:buChar char="•"/>
+            </a:pPr>
+            <a:r>
+              <a:rPr lang="en-US" dirty="0"/>
+              <a:t>In this step, we will focus on the seasonality and trends in customers' purchasing behaviors, which can offer insights for tailoring marketing strategies and enhancing customer satisfaction.</a:t>
+            </a:r>
+          </a:p>
+          <a:p>
+            <a:endParaRPr lang="en-US" dirty="0"/>
+          </a:p>
+          <a:p>
+            <a:r>
+              <a:rPr lang="en-US" b="1" dirty="0" err="1"/>
+              <a:t>Monthly_Spending_Mean</a:t>
+            </a:r>
+            <a:r>
+              <a:rPr lang="en-US" b="1" dirty="0"/>
+              <a:t> </a:t>
+            </a:r>
+            <a:r>
+              <a:rPr lang="en-US" dirty="0"/>
+              <a:t>: This is the average amount a customer spends monthly.</a:t>
+            </a:r>
+          </a:p>
+          <a:p>
+            <a:pPr marL="742950" lvl="1" indent="-285750">
+              <a:buFont typeface="Arial" panose="020B0604020202020204" pitchFamily="34" charset="0"/>
+              <a:buChar char="•"/>
+            </a:pPr>
+            <a:r>
+              <a:rPr lang="en-US" dirty="0"/>
+              <a:t>indicate general spending habit of each customer</a:t>
+            </a:r>
+          </a:p>
+          <a:p>
+            <a:pPr marL="742950" lvl="1" indent="-285750">
+              <a:buFont typeface="Arial" panose="020B0604020202020204" pitchFamily="34" charset="0"/>
+              <a:buChar char="•"/>
+            </a:pPr>
+            <a:endParaRPr lang="en-US" dirty="0"/>
+          </a:p>
+          <a:p>
+            <a:r>
+              <a:rPr lang="en-US" b="1" dirty="0" err="1"/>
+              <a:t>Monthly_Spending_Std</a:t>
+            </a:r>
+            <a:r>
+              <a:rPr lang="en-US" b="1" dirty="0"/>
+              <a:t> </a:t>
+            </a:r>
+            <a:r>
+              <a:rPr lang="en-US" dirty="0"/>
+              <a:t>: indicates the variability in a customer's monthly spending</a:t>
+            </a:r>
+          </a:p>
+          <a:p>
+            <a:pPr marL="742950" lvl="1" indent="-285750">
+              <a:buFont typeface="Arial" panose="020B0604020202020204" pitchFamily="34" charset="0"/>
+              <a:buChar char="•"/>
+            </a:pPr>
+            <a:r>
+              <a:rPr lang="en-US" dirty="0"/>
+              <a:t>example : a customer might generally spend a moderate amount each month, but occasionally, they make large purchases.</a:t>
+            </a:r>
+          </a:p>
+          <a:p>
+            <a:pPr marL="742950" lvl="1" indent="-285750">
+              <a:buFont typeface="Arial" panose="020B0604020202020204" pitchFamily="34" charset="0"/>
+              <a:buChar char="•"/>
+            </a:pPr>
+            <a:endParaRPr lang="en-US" dirty="0"/>
+          </a:p>
+          <a:p>
+            <a:r>
+              <a:rPr lang="en-US" b="1" dirty="0" err="1"/>
+              <a:t>Spending_Trend</a:t>
+            </a:r>
+            <a:r>
+              <a:rPr lang="en-US" b="1" dirty="0"/>
+              <a:t> </a:t>
+            </a:r>
+            <a:r>
+              <a:rPr lang="en-US" dirty="0"/>
+              <a:t>: reflects the trend in a customer's spending over time, calculated as the slope of the linear trend line fitted to their spending data.</a:t>
+            </a:r>
+          </a:p>
+          <a:p>
+            <a:pPr marL="742950" lvl="1" indent="-285750">
+              <a:buFont typeface="Arial" panose="020B0604020202020204" pitchFamily="34" charset="0"/>
+              <a:buChar char="•"/>
+            </a:pPr>
+            <a:r>
+              <a:rPr lang="en-US" dirty="0"/>
+              <a:t>A positive value indicates an increasing trend in spending, possibly pointing to growing loyalty or satisfaction(vice versa).</a:t>
+            </a:r>
+          </a:p>
+        </p:txBody>
+      </p:sp>
+    </p:spTree>
+    <p:extLst>
+      <p:ext uri="{BB962C8B-B14F-4D97-AF65-F5344CB8AC3E}">
+        <p14:creationId xmlns:p14="http://schemas.microsoft.com/office/powerpoint/2010/main" val="2189009668"/>
+      </p:ext>
+    </p:extLst>
+  </p:cSld>
+  <p:clrMapOvr>
+    <a:masterClrMapping/>
+  </p:clrMapOvr>
+</p:sld>
+</file>
+
+<file path=ppt/slides/slide37.xml><?xml version="1.0" encoding="utf-8"?>
+<p:sld xmlns:a="http://schemas.openxmlformats.org/drawingml/2006/main" xmlns:r="http://schemas.openxmlformats.org/officeDocument/2006/relationships" xmlns:p="http://schemas.openxmlformats.org/presentationml/2006/main">
+  <p:cSld>
+    <p:spTree>
+      <p:nvGrpSpPr>
+        <p:cNvPr id="1" name=""/>
+        <p:cNvGrpSpPr/>
+        <p:nvPr/>
+      </p:nvGrpSpPr>
+      <p:grpSpPr>
+        <a:xfrm>
+          <a:off x="0" y="0"/>
+          <a:ext cx="0" cy="0"/>
+          <a:chOff x="0" y="0"/>
+          <a:chExt cx="0" cy="0"/>
+        </a:xfrm>
+      </p:grpSpPr>
+      <p:sp>
+        <p:nvSpPr>
+          <p:cNvPr id="2" name="Title 1">
+            <a:extLst>
+              <a:ext uri="{FF2B5EF4-FFF2-40B4-BE49-F238E27FC236}">
+                <a16:creationId xmlns:a16="http://schemas.microsoft.com/office/drawing/2014/main" id="{7CA9C9D1-003D-8F31-31BD-F995D634F366}"/>
+              </a:ext>
+            </a:extLst>
+          </p:cNvPr>
+          <p:cNvSpPr>
+            <a:spLocks noGrp="1"/>
+          </p:cNvSpPr>
+          <p:nvPr>
+            <p:ph type="title"/>
+          </p:nvPr>
+        </p:nvSpPr>
+        <p:spPr>
+          <a:xfrm>
+            <a:off x="2661395" y="486839"/>
+            <a:ext cx="6869207" cy="436526"/>
+          </a:xfrm>
+        </p:spPr>
+        <p:txBody>
+          <a:bodyPr>
+            <a:normAutofit/>
+          </a:bodyPr>
+          <a:lstStyle/>
+          <a:p>
+            <a:pPr algn="ctr"/>
+            <a:r>
+              <a:rPr lang="en-US" sz="2000" b="1" dirty="0"/>
+              <a:t>summary</a:t>
+            </a:r>
+          </a:p>
+        </p:txBody>
+      </p:sp>
+      <p:sp>
+        <p:nvSpPr>
+          <p:cNvPr id="3" name="TextBox 2">
+            <a:extLst>
+              <a:ext uri="{FF2B5EF4-FFF2-40B4-BE49-F238E27FC236}">
+                <a16:creationId xmlns:a16="http://schemas.microsoft.com/office/drawing/2014/main" id="{C93EC21E-CC04-C537-F773-EB38286E579C}"/>
+              </a:ext>
+            </a:extLst>
+          </p:cNvPr>
+          <p:cNvSpPr txBox="1"/>
+          <p:nvPr/>
+        </p:nvSpPr>
+        <p:spPr>
+          <a:xfrm>
+            <a:off x="1343023" y="1237658"/>
+            <a:ext cx="9505950" cy="369332"/>
+          </a:xfrm>
+          <a:prstGeom prst="rect">
+            <a:avLst/>
+          </a:prstGeom>
+          <a:noFill/>
+        </p:spPr>
+        <p:txBody>
+          <a:bodyPr wrap="square">
+            <a:spAutoFit/>
+          </a:bodyPr>
+          <a:lstStyle/>
+          <a:p>
+            <a:pPr marL="285750" indent="-285750">
+              <a:buFont typeface="Arial" panose="020B0604020202020204" pitchFamily="34" charset="0"/>
+              <a:buChar char="•"/>
+            </a:pPr>
+            <a:r>
+              <a:rPr lang="en-US" dirty="0"/>
+              <a:t>We have total 16 features</a:t>
+            </a:r>
+          </a:p>
+        </p:txBody>
+      </p:sp>
+      <p:pic>
+        <p:nvPicPr>
+          <p:cNvPr id="5" name="Picture 4">
+            <a:extLst>
+              <a:ext uri="{FF2B5EF4-FFF2-40B4-BE49-F238E27FC236}">
+                <a16:creationId xmlns:a16="http://schemas.microsoft.com/office/drawing/2014/main" id="{6B8690CD-5291-F3C8-6E8D-C04A0A044F2A}"/>
+              </a:ext>
+            </a:extLst>
+          </p:cNvPr>
+          <p:cNvPicPr>
+            <a:picLocks noChangeAspect="1"/>
+          </p:cNvPicPr>
+          <p:nvPr/>
+        </p:nvPicPr>
+        <p:blipFill>
+          <a:blip r:embed="rId2"/>
+          <a:stretch>
+            <a:fillRect/>
+          </a:stretch>
+        </p:blipFill>
+        <p:spPr>
+          <a:xfrm>
+            <a:off x="1447853" y="1676576"/>
+            <a:ext cx="9296293" cy="4694585"/>
+          </a:xfrm>
+          <a:prstGeom prst="rect">
+            <a:avLst/>
+          </a:prstGeom>
+        </p:spPr>
+      </p:pic>
+    </p:spTree>
+    <p:extLst>
+      <p:ext uri="{BB962C8B-B14F-4D97-AF65-F5344CB8AC3E}">
+        <p14:creationId xmlns:p14="http://schemas.microsoft.com/office/powerpoint/2010/main" val="2915482706"/>
+      </p:ext>
+    </p:extLst>
+  </p:cSld>
+  <p:clrMapOvr>
+    <a:masterClrMapping/>
+  </p:clrMapOvr>
+</p:sld>
+</file>
+
+<file path=ppt/slides/slide38.xml><?xml version="1.0" encoding="utf-8"?>
+<p:sld xmlns:a="http://schemas.openxmlformats.org/drawingml/2006/main" xmlns:r="http://schemas.openxmlformats.org/officeDocument/2006/relationships" xmlns:p="http://schemas.openxmlformats.org/presentationml/2006/main">
+  <p:cSld>
+    <p:spTree>
+      <p:nvGrpSpPr>
+        <p:cNvPr id="1" name=""/>
+        <p:cNvGrpSpPr/>
+        <p:nvPr/>
+      </p:nvGrpSpPr>
+      <p:grpSpPr>
+        <a:xfrm>
+          <a:off x="0" y="0"/>
+          <a:ext cx="0" cy="0"/>
+          <a:chOff x="0" y="0"/>
+          <a:chExt cx="0" cy="0"/>
+        </a:xfrm>
+      </p:grpSpPr>
+      <p:sp>
+        <p:nvSpPr>
+          <p:cNvPr id="2" name="Title 1">
+            <a:extLst>
+              <a:ext uri="{FF2B5EF4-FFF2-40B4-BE49-F238E27FC236}">
+                <a16:creationId xmlns:a16="http://schemas.microsoft.com/office/drawing/2014/main" id="{1CF50F63-F3AC-DA2D-7146-5BAF73CA085E}"/>
+              </a:ext>
+            </a:extLst>
+          </p:cNvPr>
+          <p:cNvSpPr>
+            <a:spLocks noGrp="1"/>
+          </p:cNvSpPr>
+          <p:nvPr>
+            <p:ph type="title"/>
+          </p:nvPr>
+        </p:nvSpPr>
+        <p:spPr>
+          <a:xfrm>
+            <a:off x="1333499" y="1963270"/>
+            <a:ext cx="4762501" cy="497541"/>
+          </a:xfrm>
+        </p:spPr>
+        <p:txBody>
+          <a:bodyPr/>
+          <a:lstStyle/>
+          <a:p>
+            <a:r>
+              <a:rPr lang="en-US" sz="2800" dirty="0">
+                <a:solidFill>
+                  <a:schemeClr val="tx1"/>
+                </a:solidFill>
+              </a:rPr>
+              <a:t>CORRELATION ANALYSIS</a:t>
+            </a:r>
+            <a:endParaRPr lang="en-US" dirty="0"/>
+          </a:p>
+        </p:txBody>
+      </p:sp>
+      <p:sp>
+        <p:nvSpPr>
+          <p:cNvPr id="7" name="Content Placeholder 2">
+            <a:extLst>
+              <a:ext uri="{FF2B5EF4-FFF2-40B4-BE49-F238E27FC236}">
+                <a16:creationId xmlns:a16="http://schemas.microsoft.com/office/drawing/2014/main" id="{D2FC17DA-C447-E41A-528B-BA2A3111768B}"/>
+              </a:ext>
+            </a:extLst>
+          </p:cNvPr>
+          <p:cNvSpPr txBox="1">
+            <a:spLocks/>
+          </p:cNvSpPr>
+          <p:nvPr/>
+        </p:nvSpPr>
+        <p:spPr>
+          <a:xfrm>
+            <a:off x="6720167" y="1192379"/>
+            <a:ext cx="4138334" cy="4985833"/>
+          </a:xfrm>
+          <a:prstGeom prst="rect">
+            <a:avLst/>
+          </a:prstGeom>
+        </p:spPr>
+        <p:txBody>
+          <a:bodyPr vert="horz" lIns="91440" tIns="45720" rIns="91440" bIns="45720" rtlCol="0">
+            <a:normAutofit/>
+          </a:bodyPr>
+          <a:lstStyle>
+            <a:lvl1pPr marL="0" indent="0" algn="l" defTabSz="914400" rtl="0" eaLnBrk="1" latinLnBrk="0" hangingPunct="1">
+              <a:lnSpc>
+                <a:spcPct val="120000"/>
+              </a:lnSpc>
+              <a:spcBef>
+                <a:spcPts val="1000"/>
+              </a:spcBef>
+              <a:buFont typeface="Arial" panose="020B0604020202020204" pitchFamily="34" charset="0"/>
+              <a:buNone/>
+              <a:defRPr sz="1400" kern="1200">
+                <a:solidFill>
+                  <a:schemeClr val="tx1">
+                    <a:lumMod val="75000"/>
+                    <a:lumOff val="25000"/>
+                  </a:schemeClr>
+                </a:solidFill>
+                <a:latin typeface="+mn-lt"/>
+                <a:ea typeface="+mn-ea"/>
+                <a:cs typeface="+mn-cs"/>
+              </a:defRPr>
+            </a:lvl1pPr>
+            <a:lvl2pPr marL="457200" indent="0" algn="l" defTabSz="914400" rtl="0" eaLnBrk="1" latinLnBrk="0" hangingPunct="1">
+              <a:lnSpc>
+                <a:spcPct val="120000"/>
+              </a:lnSpc>
+              <a:spcBef>
+                <a:spcPts val="1000"/>
+              </a:spcBef>
+              <a:buFont typeface="Arial" panose="020B0604020202020204" pitchFamily="34" charset="0"/>
+              <a:buNone/>
+              <a:defRPr sz="1400" kern="1200">
+                <a:solidFill>
+                  <a:schemeClr val="tx1">
+                    <a:lumMod val="75000"/>
+                    <a:lumOff val="25000"/>
+                  </a:schemeClr>
+                </a:solidFill>
+                <a:latin typeface="+mn-lt"/>
+                <a:ea typeface="+mn-ea"/>
+                <a:cs typeface="+mn-cs"/>
+              </a:defRPr>
+            </a:lvl2pPr>
+            <a:lvl3pPr marL="914400" indent="0" algn="l" defTabSz="914400" rtl="0" eaLnBrk="1" latinLnBrk="0" hangingPunct="1">
+              <a:lnSpc>
+                <a:spcPct val="120000"/>
+              </a:lnSpc>
+              <a:spcBef>
+                <a:spcPts val="1000"/>
+              </a:spcBef>
+              <a:buFont typeface="Arial" panose="020B0604020202020204" pitchFamily="34" charset="0"/>
+              <a:buNone/>
+              <a:defRPr sz="1400" kern="1200">
+                <a:solidFill>
+                  <a:schemeClr val="tx1">
+                    <a:lumMod val="75000"/>
+                    <a:lumOff val="25000"/>
+                  </a:schemeClr>
+                </a:solidFill>
+                <a:latin typeface="+mn-lt"/>
+                <a:ea typeface="+mn-ea"/>
+                <a:cs typeface="+mn-cs"/>
+              </a:defRPr>
+            </a:lvl3pPr>
+            <a:lvl4pPr marL="1371600" indent="0" algn="l" defTabSz="914400" rtl="0" eaLnBrk="1" latinLnBrk="0" hangingPunct="1">
+              <a:lnSpc>
+                <a:spcPct val="120000"/>
+              </a:lnSpc>
+              <a:spcBef>
+                <a:spcPts val="1000"/>
+              </a:spcBef>
+              <a:buFont typeface="Arial" panose="020B0604020202020204" pitchFamily="34" charset="0"/>
+              <a:buNone/>
+              <a:defRPr sz="1400" kern="1200">
+                <a:solidFill>
+                  <a:schemeClr val="tx1">
+                    <a:lumMod val="75000"/>
+                    <a:lumOff val="25000"/>
+                  </a:schemeClr>
+                </a:solidFill>
+                <a:latin typeface="+mn-lt"/>
+                <a:ea typeface="+mn-ea"/>
+                <a:cs typeface="+mn-cs"/>
+              </a:defRPr>
+            </a:lvl4pPr>
+            <a:lvl5pPr marL="1828800" indent="0" algn="l" defTabSz="914400" rtl="0" eaLnBrk="1" latinLnBrk="0" hangingPunct="1">
+              <a:lnSpc>
+                <a:spcPct val="120000"/>
+              </a:lnSpc>
+              <a:spcBef>
+                <a:spcPts val="1000"/>
+              </a:spcBef>
+              <a:buFont typeface="Arial" panose="020B0604020202020204" pitchFamily="34" charset="0"/>
+              <a:buNone/>
+              <a:defRPr sz="1400" kern="1200">
+                <a:solidFill>
+                  <a:schemeClr val="tx1">
+                    <a:lumMod val="75000"/>
+                    <a:lumOff val="25000"/>
+                  </a:schemeClr>
+                </a:solidFill>
+                <a:latin typeface="+mn-lt"/>
+                <a:ea typeface="+mn-ea"/>
+                <a:cs typeface="+mn-cs"/>
+              </a:defRPr>
+            </a:lvl5pPr>
+            <a:lvl6pPr marL="2514600" indent="-228600" algn="l" defTabSz="914400" rtl="0" eaLnBrk="1" latinLnBrk="0" hangingPunct="1">
+              <a:lnSpc>
+                <a:spcPct val="90000"/>
+              </a:lnSpc>
+              <a:spcBef>
+                <a:spcPts val="500"/>
+              </a:spcBef>
+              <a:buFont typeface="Arial" panose="020B0604020202020204" pitchFamily="34" charset="0"/>
+              <a:buChar char="•"/>
+              <a:defRPr sz="1800" kern="1200">
+                <a:solidFill>
+                  <a:schemeClr val="tx1"/>
+                </a:solidFill>
+                <a:latin typeface="+mn-lt"/>
+                <a:ea typeface="+mn-ea"/>
+                <a:cs typeface="+mn-cs"/>
+              </a:defRPr>
+            </a:lvl6pPr>
+            <a:lvl7pPr marL="2971800" indent="-228600" algn="l" defTabSz="914400" rtl="0" eaLnBrk="1" latinLnBrk="0" hangingPunct="1">
+              <a:lnSpc>
+                <a:spcPct val="90000"/>
+              </a:lnSpc>
+              <a:spcBef>
+                <a:spcPts val="500"/>
+              </a:spcBef>
+              <a:buFont typeface="Arial" panose="020B0604020202020204" pitchFamily="34" charset="0"/>
+              <a:buChar char="•"/>
+              <a:defRPr sz="1800" kern="1200">
+                <a:solidFill>
+                  <a:schemeClr val="tx1"/>
+                </a:solidFill>
+                <a:latin typeface="+mn-lt"/>
+                <a:ea typeface="+mn-ea"/>
+                <a:cs typeface="+mn-cs"/>
+              </a:defRPr>
+            </a:lvl7pPr>
+            <a:lvl8pPr marL="3429000" indent="-228600" algn="l" defTabSz="914400" rtl="0" eaLnBrk="1" latinLnBrk="0" hangingPunct="1">
+              <a:lnSpc>
+                <a:spcPct val="90000"/>
+              </a:lnSpc>
+              <a:spcBef>
+                <a:spcPts val="500"/>
+              </a:spcBef>
+              <a:buFont typeface="Arial" panose="020B0604020202020204" pitchFamily="34" charset="0"/>
+              <a:buChar char="•"/>
+              <a:defRPr sz="1800" kern="1200">
+                <a:solidFill>
+                  <a:schemeClr val="tx1"/>
+                </a:solidFill>
+                <a:latin typeface="+mn-lt"/>
+                <a:ea typeface="+mn-ea"/>
+                <a:cs typeface="+mn-cs"/>
+              </a:defRPr>
+            </a:lvl8pPr>
+            <a:lvl9pPr marL="3886200" indent="-228600" algn="l" defTabSz="914400" rtl="0" eaLnBrk="1" latinLnBrk="0" hangingPunct="1">
+              <a:lnSpc>
+                <a:spcPct val="90000"/>
+              </a:lnSpc>
+              <a:spcBef>
+                <a:spcPts val="500"/>
+              </a:spcBef>
+              <a:buFont typeface="Arial" panose="020B0604020202020204" pitchFamily="34" charset="0"/>
+              <a:buChar char="•"/>
+              <a:defRPr sz="1800" kern="1200">
+                <a:solidFill>
+                  <a:schemeClr val="tx1"/>
+                </a:solidFill>
+                <a:latin typeface="+mn-lt"/>
+                <a:ea typeface="+mn-ea"/>
+                <a:cs typeface="+mn-cs"/>
+              </a:defRPr>
+            </a:lvl9pPr>
+          </a:lstStyle>
+          <a:p>
+            <a:pPr marL="342900" indent="-342900">
+              <a:buFont typeface="Arial" panose="020B0604020202020204" pitchFamily="34" charset="0"/>
+              <a:buAutoNum type="arabicPeriod"/>
+            </a:pPr>
+            <a:r>
+              <a:rPr lang="en-US" sz="1800" dirty="0">
+                <a:solidFill>
+                  <a:schemeClr val="tx1"/>
+                </a:solidFill>
+              </a:rPr>
+              <a:t>INTRODUCTION</a:t>
+            </a:r>
+          </a:p>
+          <a:p>
+            <a:pPr marL="342900" indent="-342900">
+              <a:buFont typeface="Arial" panose="020B0604020202020204" pitchFamily="34" charset="0"/>
+              <a:buAutoNum type="arabicPeriod"/>
+            </a:pPr>
+            <a:r>
+              <a:rPr lang="en-US" sz="1800" dirty="0">
+                <a:solidFill>
+                  <a:schemeClr val="tx1"/>
+                </a:solidFill>
+              </a:rPr>
+              <a:t>DATASET OVERVIEW</a:t>
+            </a:r>
+          </a:p>
+          <a:p>
+            <a:pPr marL="342900" indent="-342900">
+              <a:buFont typeface="Arial" panose="020B0604020202020204" pitchFamily="34" charset="0"/>
+              <a:buAutoNum type="arabicPeriod"/>
+            </a:pPr>
+            <a:r>
+              <a:rPr lang="en-US" sz="1800" dirty="0">
+                <a:solidFill>
+                  <a:schemeClr val="tx1"/>
+                </a:solidFill>
+              </a:rPr>
+              <a:t>EXPLORE DATA</a:t>
+            </a:r>
+          </a:p>
+          <a:p>
+            <a:pPr marL="342900" indent="-342900">
+              <a:buFont typeface="Arial" panose="020B0604020202020204" pitchFamily="34" charset="0"/>
+              <a:buAutoNum type="arabicPeriod"/>
+            </a:pPr>
+            <a:r>
+              <a:rPr lang="en-US" sz="1800" dirty="0">
+                <a:solidFill>
+                  <a:schemeClr val="tx1"/>
+                </a:solidFill>
+              </a:rPr>
+              <a:t>DATA PREPROCESSING</a:t>
+            </a:r>
+          </a:p>
+          <a:p>
+            <a:pPr marL="342900" indent="-342900">
+              <a:buFont typeface="Arial" panose="020B0604020202020204" pitchFamily="34" charset="0"/>
+              <a:buAutoNum type="arabicPeriod"/>
+            </a:pPr>
+            <a:r>
+              <a:rPr lang="en-US" sz="1800" dirty="0">
+                <a:solidFill>
+                  <a:schemeClr val="tx1"/>
+                </a:solidFill>
+              </a:rPr>
+              <a:t>FEATURE ENGINEERING</a:t>
+            </a:r>
+          </a:p>
+          <a:p>
+            <a:pPr marL="342900" indent="-342900">
+              <a:buFont typeface="Arial" panose="020B0604020202020204" pitchFamily="34" charset="0"/>
+              <a:buAutoNum type="arabicPeriod"/>
+            </a:pPr>
+            <a:r>
+              <a:rPr lang="en-US" sz="1800" dirty="0">
+                <a:solidFill>
+                  <a:srgbClr val="00B0F0"/>
+                </a:solidFill>
+              </a:rPr>
+              <a:t>CORRELATION ANALYSIS</a:t>
+            </a:r>
+            <a:r>
+              <a:rPr lang="en-US" sz="1800" dirty="0">
+                <a:solidFill>
+                  <a:schemeClr val="tx1"/>
+                </a:solidFill>
+              </a:rPr>
+              <a:t>	</a:t>
+            </a:r>
+          </a:p>
+          <a:p>
+            <a:pPr marL="342900" indent="-342900">
+              <a:buFont typeface="Arial" panose="020B0604020202020204" pitchFamily="34" charset="0"/>
+              <a:buAutoNum type="arabicPeriod"/>
+            </a:pPr>
+            <a:r>
+              <a:rPr lang="en-US" sz="1800" dirty="0">
+                <a:solidFill>
+                  <a:schemeClr val="tx1"/>
+                </a:solidFill>
+              </a:rPr>
+              <a:t>DIMENSIONALITY REDUCTION</a:t>
+            </a:r>
+          </a:p>
+          <a:p>
+            <a:pPr marL="342900" indent="-342900">
+              <a:buFont typeface="Arial" panose="020B0604020202020204" pitchFamily="34" charset="0"/>
+              <a:buAutoNum type="arabicPeriod"/>
+            </a:pPr>
+            <a:r>
+              <a:rPr lang="en-US" sz="1800" dirty="0">
+                <a:solidFill>
+                  <a:schemeClr val="tx1"/>
+                </a:solidFill>
+              </a:rPr>
+              <a:t>MODELING</a:t>
+            </a:r>
+          </a:p>
+          <a:p>
+            <a:pPr marL="342900" indent="-342900">
+              <a:buFont typeface="Arial" panose="020B0604020202020204" pitchFamily="34" charset="0"/>
+              <a:buAutoNum type="arabicPeriod"/>
+            </a:pPr>
+            <a:r>
+              <a:rPr lang="en-US" sz="1800" dirty="0">
+                <a:solidFill>
+                  <a:schemeClr val="tx1"/>
+                </a:solidFill>
+              </a:rPr>
+              <a:t>MODEL EVALUATION &amp; ANALYSIS</a:t>
+            </a:r>
+          </a:p>
+          <a:p>
+            <a:pPr marL="342900" indent="-342900">
+              <a:buFont typeface="Arial" panose="020B0604020202020204" pitchFamily="34" charset="0"/>
+              <a:buAutoNum type="arabicPeriod"/>
+            </a:pPr>
+            <a:r>
+              <a:rPr lang="en-US" sz="1800" dirty="0">
+                <a:solidFill>
+                  <a:schemeClr val="tx1"/>
+                </a:solidFill>
+              </a:rPr>
+              <a:t>RECOMMENDATION SYSTEM</a:t>
+            </a:r>
+          </a:p>
+          <a:p>
+            <a:pPr marL="342900" indent="-342900">
+              <a:buFont typeface="Arial" panose="020B0604020202020204" pitchFamily="34" charset="0"/>
+              <a:buAutoNum type="arabicPeriod"/>
+            </a:pPr>
+            <a:endParaRPr lang="en-US" sz="1800" dirty="0">
+              <a:solidFill>
+                <a:schemeClr val="tx1"/>
+              </a:solidFill>
+            </a:endParaRPr>
+          </a:p>
+        </p:txBody>
+      </p:sp>
+    </p:spTree>
+    <p:extLst>
+      <p:ext uri="{BB962C8B-B14F-4D97-AF65-F5344CB8AC3E}">
+        <p14:creationId xmlns:p14="http://schemas.microsoft.com/office/powerpoint/2010/main" val="3848075625"/>
+      </p:ext>
+    </p:extLst>
+  </p:cSld>
+  <p:clrMapOvr>
+    <a:masterClrMapping/>
+  </p:clrMapOvr>
+</p:sld>
+</file>
+
+<file path=ppt/slides/slide39.xml><?xml version="1.0" encoding="utf-8"?>
+<p:sld xmlns:a="http://schemas.openxmlformats.org/drawingml/2006/main" xmlns:r="http://schemas.openxmlformats.org/officeDocument/2006/relationships" xmlns:p="http://schemas.openxmlformats.org/presentationml/2006/main">
+  <p:cSld>
+    <p:spTree>
+      <p:nvGrpSpPr>
+        <p:cNvPr id="1" name=""/>
+        <p:cNvGrpSpPr/>
+        <p:nvPr/>
+      </p:nvGrpSpPr>
+      <p:grpSpPr>
+        <a:xfrm>
+          <a:off x="0" y="0"/>
+          <a:ext cx="0" cy="0"/>
+          <a:chOff x="0" y="0"/>
+          <a:chExt cx="0" cy="0"/>
+        </a:xfrm>
+      </p:grpSpPr>
+      <p:pic>
+        <p:nvPicPr>
+          <p:cNvPr id="1026" name="Picture 2">
+            <a:extLst>
+              <a:ext uri="{FF2B5EF4-FFF2-40B4-BE49-F238E27FC236}">
+                <a16:creationId xmlns:a16="http://schemas.microsoft.com/office/drawing/2014/main" id="{A3BC602C-FBE8-A97E-6B24-FFDD2E0FA5F7}"/>
+              </a:ext>
+            </a:extLst>
+          </p:cNvPr>
+          <p:cNvPicPr>
+            <a:picLocks noChangeAspect="1" noChangeArrowheads="1"/>
+          </p:cNvPicPr>
+          <p:nvPr/>
+        </p:nvPicPr>
+        <p:blipFill>
+          <a:blip r:embed="rId2">
+            <a:extLst>
+              <a:ext uri="{28A0092B-C50C-407E-A947-70E740481C1C}">
+                <a14:useLocalDpi xmlns:a14="http://schemas.microsoft.com/office/drawing/2010/main" val="0"/>
+              </a:ext>
+            </a:extLst>
+          </a:blip>
+          <a:srcRect/>
+          <a:stretch>
+            <a:fillRect/>
+          </a:stretch>
+        </p:blipFill>
+        <p:spPr bwMode="auto">
+          <a:xfrm>
+            <a:off x="4849816" y="0"/>
+            <a:ext cx="7342183" cy="6858000"/>
+          </a:xfrm>
+          <a:prstGeom prst="rect">
+            <a:avLst/>
+          </a:prstGeom>
+          <a:noFill/>
+          <a:extLst>
+            <a:ext uri="{909E8E84-426E-40DD-AFC4-6F175D3DCCD1}">
+              <a14:hiddenFill xmlns:a14="http://schemas.microsoft.com/office/drawing/2010/main">
+                <a:solidFill>
+                  <a:srgbClr val="FFFFFF"/>
+                </a:solidFill>
+              </a14:hiddenFill>
+            </a:ext>
+          </a:extLst>
+        </p:spPr>
+      </p:pic>
+      <p:sp>
+        <p:nvSpPr>
+          <p:cNvPr id="5" name="TextBox 4">
+            <a:extLst>
+              <a:ext uri="{FF2B5EF4-FFF2-40B4-BE49-F238E27FC236}">
+                <a16:creationId xmlns:a16="http://schemas.microsoft.com/office/drawing/2014/main" id="{DB893C69-1DD9-41F1-B852-80F6741F1ACD}"/>
+              </a:ext>
+            </a:extLst>
+          </p:cNvPr>
+          <p:cNvSpPr txBox="1"/>
+          <p:nvPr/>
+        </p:nvSpPr>
+        <p:spPr>
+          <a:xfrm>
+            <a:off x="427347" y="1690062"/>
+            <a:ext cx="4374777" cy="3724096"/>
+          </a:xfrm>
+          <a:prstGeom prst="rect">
+            <a:avLst/>
+          </a:prstGeom>
+          <a:noFill/>
+        </p:spPr>
+        <p:txBody>
+          <a:bodyPr wrap="square" rtlCol="0">
+            <a:spAutoFit/>
+          </a:bodyPr>
+          <a:lstStyle/>
+          <a:p>
+            <a:pPr marL="285750" indent="-285750">
+              <a:buFont typeface="Arial" panose="020B0604020202020204" pitchFamily="34" charset="0"/>
+              <a:buChar char="•"/>
+            </a:pPr>
+            <a:r>
+              <a:rPr lang="en-US" sz="1600" dirty="0"/>
+              <a:t>Features that highly correlated, can potentially affect the clustering process and  not provide unique information (multicollinearity). </a:t>
+            </a:r>
+          </a:p>
+          <a:p>
+            <a:pPr marL="285750" indent="-285750">
+              <a:buFont typeface="Arial" panose="020B0604020202020204" pitchFamily="34" charset="0"/>
+              <a:buChar char="•"/>
+            </a:pPr>
+            <a:endParaRPr lang="en-US" sz="1600" dirty="0"/>
+          </a:p>
+          <a:p>
+            <a:pPr marL="285750" indent="-285750">
+              <a:buFont typeface="Arial" panose="020B0604020202020204" pitchFamily="34" charset="0"/>
+              <a:buChar char="•"/>
+            </a:pPr>
+            <a:r>
+              <a:rPr lang="en-US" sz="1600" dirty="0"/>
+              <a:t>Which lead to clusters that are not well-separated and meaningful </a:t>
+            </a:r>
+          </a:p>
+          <a:p>
+            <a:pPr marL="285750" indent="-285750">
+              <a:buFont typeface="Arial" panose="020B0604020202020204" pitchFamily="34" charset="0"/>
+              <a:buChar char="•"/>
+            </a:pPr>
+            <a:endParaRPr lang="en-US" sz="1600" dirty="0"/>
+          </a:p>
+          <a:p>
+            <a:r>
+              <a:rPr lang="en-US" sz="1600" dirty="0"/>
+              <a:t>We observe from above heatmap that there are some pairs of variables that have high correlations</a:t>
+            </a:r>
+          </a:p>
+          <a:p>
+            <a:pPr marL="285750" indent="-285750">
+              <a:buFont typeface="Arial" panose="020B0604020202020204" pitchFamily="34" charset="0"/>
+              <a:buChar char="•"/>
+            </a:pPr>
+            <a:r>
+              <a:rPr lang="en-US" sz="1200" b="1" dirty="0" err="1"/>
+              <a:t>Monthly_Spending_Mean</a:t>
+            </a:r>
+            <a:r>
+              <a:rPr lang="en-US" sz="1200" dirty="0"/>
+              <a:t> and </a:t>
+            </a:r>
+            <a:r>
+              <a:rPr lang="en-US" sz="1200" b="1" dirty="0" err="1"/>
+              <a:t>Average_Transaction_Value</a:t>
+            </a:r>
+            <a:endParaRPr lang="en-US" sz="1200" b="1" dirty="0"/>
+          </a:p>
+          <a:p>
+            <a:pPr marL="285750" indent="-285750">
+              <a:buFont typeface="Arial" panose="020B0604020202020204" pitchFamily="34" charset="0"/>
+              <a:buChar char="•"/>
+            </a:pPr>
+            <a:r>
+              <a:rPr lang="en-US" sz="1200" b="1" dirty="0" err="1"/>
+              <a:t>Total_Spend</a:t>
+            </a:r>
+            <a:r>
+              <a:rPr lang="en-US" sz="1200" b="1" dirty="0"/>
+              <a:t> </a:t>
+            </a:r>
+            <a:r>
+              <a:rPr lang="en-US" sz="1200" dirty="0"/>
+              <a:t>and </a:t>
+            </a:r>
+            <a:r>
+              <a:rPr lang="en-US" sz="1200" b="1" dirty="0" err="1"/>
+              <a:t>Total_Products_Purchased</a:t>
+            </a:r>
+            <a:endParaRPr lang="en-US" sz="1200" b="1" dirty="0"/>
+          </a:p>
+          <a:p>
+            <a:pPr marL="285750" indent="-285750">
+              <a:buFont typeface="Arial" panose="020B0604020202020204" pitchFamily="34" charset="0"/>
+              <a:buChar char="•"/>
+            </a:pPr>
+            <a:r>
+              <a:rPr lang="en-US" sz="1200" b="1" dirty="0" err="1"/>
+              <a:t>Total_Transactions</a:t>
+            </a:r>
+            <a:r>
+              <a:rPr lang="en-US" sz="1200" b="1" dirty="0"/>
+              <a:t> </a:t>
+            </a:r>
+            <a:r>
+              <a:rPr lang="en-US" sz="1200" dirty="0"/>
+              <a:t>and </a:t>
+            </a:r>
+            <a:r>
+              <a:rPr lang="en-US" sz="1200" b="1" dirty="0" err="1"/>
+              <a:t>Total_Spend</a:t>
+            </a:r>
+            <a:endParaRPr lang="en-US" sz="1200" b="1" dirty="0"/>
+          </a:p>
+          <a:p>
+            <a:pPr marL="285750" indent="-285750">
+              <a:buFont typeface="Arial" panose="020B0604020202020204" pitchFamily="34" charset="0"/>
+              <a:buChar char="•"/>
+            </a:pPr>
+            <a:r>
+              <a:rPr lang="en-US" sz="1200" b="1" dirty="0" err="1"/>
+              <a:t>Cancellation_Rate</a:t>
+            </a:r>
+            <a:r>
+              <a:rPr lang="en-US" sz="1200" b="1" dirty="0"/>
+              <a:t> </a:t>
+            </a:r>
+            <a:r>
+              <a:rPr lang="en-US" sz="1200" dirty="0"/>
+              <a:t>and </a:t>
+            </a:r>
+            <a:r>
+              <a:rPr lang="en-US" sz="1200" b="1" dirty="0" err="1"/>
+              <a:t>Cancellation_Frequency</a:t>
+            </a:r>
+            <a:endParaRPr lang="en-US" sz="1200" b="1" dirty="0"/>
+          </a:p>
+          <a:p>
+            <a:pPr marL="285750" indent="-285750">
+              <a:buFont typeface="Arial" panose="020B0604020202020204" pitchFamily="34" charset="0"/>
+              <a:buChar char="•"/>
+            </a:pPr>
+            <a:r>
+              <a:rPr lang="en-US" sz="1200" b="1" dirty="0" err="1"/>
+              <a:t>Total_Transactions</a:t>
+            </a:r>
+            <a:r>
+              <a:rPr lang="en-US" sz="1200" b="1" dirty="0"/>
+              <a:t> </a:t>
+            </a:r>
+            <a:r>
+              <a:rPr lang="en-US" sz="1200" dirty="0"/>
+              <a:t>and </a:t>
+            </a:r>
+            <a:r>
+              <a:rPr lang="en-US" sz="1200" b="1" dirty="0" err="1"/>
+              <a:t>Total_Products_Purchased</a:t>
+            </a:r>
+            <a:endParaRPr lang="en-US" sz="1200" b="1" dirty="0"/>
+          </a:p>
+        </p:txBody>
+      </p:sp>
+    </p:spTree>
+    <p:extLst>
+      <p:ext uri="{BB962C8B-B14F-4D97-AF65-F5344CB8AC3E}">
+        <p14:creationId xmlns:p14="http://schemas.microsoft.com/office/powerpoint/2010/main" val="4244611569"/>
       </p:ext>
     </p:extLst>
   </p:cSld>
@@ -20961,6 +23978,2439 @@
     <p:extLst>
       <p:ext uri="{BB962C8B-B14F-4D97-AF65-F5344CB8AC3E}">
         <p14:creationId xmlns:p14="http://schemas.microsoft.com/office/powerpoint/2010/main" val="503708056"/>
+      </p:ext>
+    </p:extLst>
+  </p:cSld>
+  <p:clrMapOvr>
+    <a:masterClrMapping/>
+  </p:clrMapOvr>
+</p:sld>
+</file>
+
+<file path=ppt/slides/slide40.xml><?xml version="1.0" encoding="utf-8"?>
+<p:sld xmlns:a="http://schemas.openxmlformats.org/drawingml/2006/main" xmlns:r="http://schemas.openxmlformats.org/officeDocument/2006/relationships" xmlns:p="http://schemas.openxmlformats.org/presentationml/2006/main">
+  <p:cSld>
+    <p:spTree>
+      <p:nvGrpSpPr>
+        <p:cNvPr id="1" name=""/>
+        <p:cNvGrpSpPr/>
+        <p:nvPr/>
+      </p:nvGrpSpPr>
+      <p:grpSpPr>
+        <a:xfrm>
+          <a:off x="0" y="0"/>
+          <a:ext cx="0" cy="0"/>
+          <a:chOff x="0" y="0"/>
+          <a:chExt cx="0" cy="0"/>
+        </a:xfrm>
+      </p:grpSpPr>
+      <p:sp>
+        <p:nvSpPr>
+          <p:cNvPr id="2" name="Title 1">
+            <a:extLst>
+              <a:ext uri="{FF2B5EF4-FFF2-40B4-BE49-F238E27FC236}">
+                <a16:creationId xmlns:a16="http://schemas.microsoft.com/office/drawing/2014/main" id="{1CF50F63-F3AC-DA2D-7146-5BAF73CA085E}"/>
+              </a:ext>
+            </a:extLst>
+          </p:cNvPr>
+          <p:cNvSpPr>
+            <a:spLocks noGrp="1"/>
+          </p:cNvSpPr>
+          <p:nvPr>
+            <p:ph type="title"/>
+          </p:nvPr>
+        </p:nvSpPr>
+        <p:spPr>
+          <a:xfrm>
+            <a:off x="1333499" y="1963270"/>
+            <a:ext cx="4886326" cy="497541"/>
+          </a:xfrm>
+        </p:spPr>
+        <p:txBody>
+          <a:bodyPr>
+            <a:normAutofit fontScale="90000"/>
+          </a:bodyPr>
+          <a:lstStyle/>
+          <a:p>
+            <a:r>
+              <a:rPr lang="en-US" dirty="0"/>
+              <a:t>Dimensionality reduction</a:t>
+            </a:r>
+          </a:p>
+        </p:txBody>
+      </p:sp>
+      <p:sp>
+        <p:nvSpPr>
+          <p:cNvPr id="7" name="Content Placeholder 2">
+            <a:extLst>
+              <a:ext uri="{FF2B5EF4-FFF2-40B4-BE49-F238E27FC236}">
+                <a16:creationId xmlns:a16="http://schemas.microsoft.com/office/drawing/2014/main" id="{D2FC17DA-C447-E41A-528B-BA2A3111768B}"/>
+              </a:ext>
+            </a:extLst>
+          </p:cNvPr>
+          <p:cNvSpPr txBox="1">
+            <a:spLocks/>
+          </p:cNvSpPr>
+          <p:nvPr/>
+        </p:nvSpPr>
+        <p:spPr>
+          <a:xfrm>
+            <a:off x="6720167" y="1192379"/>
+            <a:ext cx="4138334" cy="4985833"/>
+          </a:xfrm>
+          <a:prstGeom prst="rect">
+            <a:avLst/>
+          </a:prstGeom>
+        </p:spPr>
+        <p:txBody>
+          <a:bodyPr vert="horz" lIns="91440" tIns="45720" rIns="91440" bIns="45720" rtlCol="0">
+            <a:normAutofit/>
+          </a:bodyPr>
+          <a:lstStyle>
+            <a:lvl1pPr marL="0" indent="0" algn="l" defTabSz="914400" rtl="0" eaLnBrk="1" latinLnBrk="0" hangingPunct="1">
+              <a:lnSpc>
+                <a:spcPct val="120000"/>
+              </a:lnSpc>
+              <a:spcBef>
+                <a:spcPts val="1000"/>
+              </a:spcBef>
+              <a:buFont typeface="Arial" panose="020B0604020202020204" pitchFamily="34" charset="0"/>
+              <a:buNone/>
+              <a:defRPr sz="1400" kern="1200">
+                <a:solidFill>
+                  <a:schemeClr val="tx1">
+                    <a:lumMod val="75000"/>
+                    <a:lumOff val="25000"/>
+                  </a:schemeClr>
+                </a:solidFill>
+                <a:latin typeface="+mn-lt"/>
+                <a:ea typeface="+mn-ea"/>
+                <a:cs typeface="+mn-cs"/>
+              </a:defRPr>
+            </a:lvl1pPr>
+            <a:lvl2pPr marL="457200" indent="0" algn="l" defTabSz="914400" rtl="0" eaLnBrk="1" latinLnBrk="0" hangingPunct="1">
+              <a:lnSpc>
+                <a:spcPct val="120000"/>
+              </a:lnSpc>
+              <a:spcBef>
+                <a:spcPts val="1000"/>
+              </a:spcBef>
+              <a:buFont typeface="Arial" panose="020B0604020202020204" pitchFamily="34" charset="0"/>
+              <a:buNone/>
+              <a:defRPr sz="1400" kern="1200">
+                <a:solidFill>
+                  <a:schemeClr val="tx1">
+                    <a:lumMod val="75000"/>
+                    <a:lumOff val="25000"/>
+                  </a:schemeClr>
+                </a:solidFill>
+                <a:latin typeface="+mn-lt"/>
+                <a:ea typeface="+mn-ea"/>
+                <a:cs typeface="+mn-cs"/>
+              </a:defRPr>
+            </a:lvl2pPr>
+            <a:lvl3pPr marL="914400" indent="0" algn="l" defTabSz="914400" rtl="0" eaLnBrk="1" latinLnBrk="0" hangingPunct="1">
+              <a:lnSpc>
+                <a:spcPct val="120000"/>
+              </a:lnSpc>
+              <a:spcBef>
+                <a:spcPts val="1000"/>
+              </a:spcBef>
+              <a:buFont typeface="Arial" panose="020B0604020202020204" pitchFamily="34" charset="0"/>
+              <a:buNone/>
+              <a:defRPr sz="1400" kern="1200">
+                <a:solidFill>
+                  <a:schemeClr val="tx1">
+                    <a:lumMod val="75000"/>
+                    <a:lumOff val="25000"/>
+                  </a:schemeClr>
+                </a:solidFill>
+                <a:latin typeface="+mn-lt"/>
+                <a:ea typeface="+mn-ea"/>
+                <a:cs typeface="+mn-cs"/>
+              </a:defRPr>
+            </a:lvl3pPr>
+            <a:lvl4pPr marL="1371600" indent="0" algn="l" defTabSz="914400" rtl="0" eaLnBrk="1" latinLnBrk="0" hangingPunct="1">
+              <a:lnSpc>
+                <a:spcPct val="120000"/>
+              </a:lnSpc>
+              <a:spcBef>
+                <a:spcPts val="1000"/>
+              </a:spcBef>
+              <a:buFont typeface="Arial" panose="020B0604020202020204" pitchFamily="34" charset="0"/>
+              <a:buNone/>
+              <a:defRPr sz="1400" kern="1200">
+                <a:solidFill>
+                  <a:schemeClr val="tx1">
+                    <a:lumMod val="75000"/>
+                    <a:lumOff val="25000"/>
+                  </a:schemeClr>
+                </a:solidFill>
+                <a:latin typeface="+mn-lt"/>
+                <a:ea typeface="+mn-ea"/>
+                <a:cs typeface="+mn-cs"/>
+              </a:defRPr>
+            </a:lvl4pPr>
+            <a:lvl5pPr marL="1828800" indent="0" algn="l" defTabSz="914400" rtl="0" eaLnBrk="1" latinLnBrk="0" hangingPunct="1">
+              <a:lnSpc>
+                <a:spcPct val="120000"/>
+              </a:lnSpc>
+              <a:spcBef>
+                <a:spcPts val="1000"/>
+              </a:spcBef>
+              <a:buFont typeface="Arial" panose="020B0604020202020204" pitchFamily="34" charset="0"/>
+              <a:buNone/>
+              <a:defRPr sz="1400" kern="1200">
+                <a:solidFill>
+                  <a:schemeClr val="tx1">
+                    <a:lumMod val="75000"/>
+                    <a:lumOff val="25000"/>
+                  </a:schemeClr>
+                </a:solidFill>
+                <a:latin typeface="+mn-lt"/>
+                <a:ea typeface="+mn-ea"/>
+                <a:cs typeface="+mn-cs"/>
+              </a:defRPr>
+            </a:lvl5pPr>
+            <a:lvl6pPr marL="2514600" indent="-228600" algn="l" defTabSz="914400" rtl="0" eaLnBrk="1" latinLnBrk="0" hangingPunct="1">
+              <a:lnSpc>
+                <a:spcPct val="90000"/>
+              </a:lnSpc>
+              <a:spcBef>
+                <a:spcPts val="500"/>
+              </a:spcBef>
+              <a:buFont typeface="Arial" panose="020B0604020202020204" pitchFamily="34" charset="0"/>
+              <a:buChar char="•"/>
+              <a:defRPr sz="1800" kern="1200">
+                <a:solidFill>
+                  <a:schemeClr val="tx1"/>
+                </a:solidFill>
+                <a:latin typeface="+mn-lt"/>
+                <a:ea typeface="+mn-ea"/>
+                <a:cs typeface="+mn-cs"/>
+              </a:defRPr>
+            </a:lvl6pPr>
+            <a:lvl7pPr marL="2971800" indent="-228600" algn="l" defTabSz="914400" rtl="0" eaLnBrk="1" latinLnBrk="0" hangingPunct="1">
+              <a:lnSpc>
+                <a:spcPct val="90000"/>
+              </a:lnSpc>
+              <a:spcBef>
+                <a:spcPts val="500"/>
+              </a:spcBef>
+              <a:buFont typeface="Arial" panose="020B0604020202020204" pitchFamily="34" charset="0"/>
+              <a:buChar char="•"/>
+              <a:defRPr sz="1800" kern="1200">
+                <a:solidFill>
+                  <a:schemeClr val="tx1"/>
+                </a:solidFill>
+                <a:latin typeface="+mn-lt"/>
+                <a:ea typeface="+mn-ea"/>
+                <a:cs typeface="+mn-cs"/>
+              </a:defRPr>
+            </a:lvl7pPr>
+            <a:lvl8pPr marL="3429000" indent="-228600" algn="l" defTabSz="914400" rtl="0" eaLnBrk="1" latinLnBrk="0" hangingPunct="1">
+              <a:lnSpc>
+                <a:spcPct val="90000"/>
+              </a:lnSpc>
+              <a:spcBef>
+                <a:spcPts val="500"/>
+              </a:spcBef>
+              <a:buFont typeface="Arial" panose="020B0604020202020204" pitchFamily="34" charset="0"/>
+              <a:buChar char="•"/>
+              <a:defRPr sz="1800" kern="1200">
+                <a:solidFill>
+                  <a:schemeClr val="tx1"/>
+                </a:solidFill>
+                <a:latin typeface="+mn-lt"/>
+                <a:ea typeface="+mn-ea"/>
+                <a:cs typeface="+mn-cs"/>
+              </a:defRPr>
+            </a:lvl8pPr>
+            <a:lvl9pPr marL="3886200" indent="-228600" algn="l" defTabSz="914400" rtl="0" eaLnBrk="1" latinLnBrk="0" hangingPunct="1">
+              <a:lnSpc>
+                <a:spcPct val="90000"/>
+              </a:lnSpc>
+              <a:spcBef>
+                <a:spcPts val="500"/>
+              </a:spcBef>
+              <a:buFont typeface="Arial" panose="020B0604020202020204" pitchFamily="34" charset="0"/>
+              <a:buChar char="•"/>
+              <a:defRPr sz="1800" kern="1200">
+                <a:solidFill>
+                  <a:schemeClr val="tx1"/>
+                </a:solidFill>
+                <a:latin typeface="+mn-lt"/>
+                <a:ea typeface="+mn-ea"/>
+                <a:cs typeface="+mn-cs"/>
+              </a:defRPr>
+            </a:lvl9pPr>
+          </a:lstStyle>
+          <a:p>
+            <a:pPr marL="342900" indent="-342900">
+              <a:buFont typeface="Arial" panose="020B0604020202020204" pitchFamily="34" charset="0"/>
+              <a:buAutoNum type="arabicPeriod"/>
+            </a:pPr>
+            <a:r>
+              <a:rPr lang="en-US" sz="1800" dirty="0">
+                <a:solidFill>
+                  <a:schemeClr val="tx1"/>
+                </a:solidFill>
+              </a:rPr>
+              <a:t>INTRODUCTION</a:t>
+            </a:r>
+          </a:p>
+          <a:p>
+            <a:pPr marL="342900" indent="-342900">
+              <a:buFont typeface="Arial" panose="020B0604020202020204" pitchFamily="34" charset="0"/>
+              <a:buAutoNum type="arabicPeriod"/>
+            </a:pPr>
+            <a:r>
+              <a:rPr lang="en-US" sz="1800" dirty="0">
+                <a:solidFill>
+                  <a:schemeClr val="tx1"/>
+                </a:solidFill>
+              </a:rPr>
+              <a:t>DATASET OVERVIEW</a:t>
+            </a:r>
+          </a:p>
+          <a:p>
+            <a:pPr marL="342900" indent="-342900">
+              <a:buFont typeface="Arial" panose="020B0604020202020204" pitchFamily="34" charset="0"/>
+              <a:buAutoNum type="arabicPeriod"/>
+            </a:pPr>
+            <a:r>
+              <a:rPr lang="en-US" sz="1800" dirty="0">
+                <a:solidFill>
+                  <a:schemeClr val="tx1"/>
+                </a:solidFill>
+              </a:rPr>
+              <a:t>EXPLORE DATA</a:t>
+            </a:r>
+          </a:p>
+          <a:p>
+            <a:pPr marL="342900" indent="-342900">
+              <a:buFont typeface="Arial" panose="020B0604020202020204" pitchFamily="34" charset="0"/>
+              <a:buAutoNum type="arabicPeriod"/>
+            </a:pPr>
+            <a:r>
+              <a:rPr lang="en-US" sz="1800" dirty="0">
+                <a:solidFill>
+                  <a:schemeClr val="tx1"/>
+                </a:solidFill>
+              </a:rPr>
+              <a:t>DATA PREPROCESSING</a:t>
+            </a:r>
+          </a:p>
+          <a:p>
+            <a:pPr marL="342900" indent="-342900">
+              <a:buFont typeface="Arial" panose="020B0604020202020204" pitchFamily="34" charset="0"/>
+              <a:buAutoNum type="arabicPeriod"/>
+            </a:pPr>
+            <a:r>
+              <a:rPr lang="en-US" sz="1800" dirty="0">
+                <a:solidFill>
+                  <a:schemeClr val="tx1"/>
+                </a:solidFill>
+              </a:rPr>
+              <a:t>FEATURE ENGINEERING</a:t>
+            </a:r>
+          </a:p>
+          <a:p>
+            <a:pPr marL="342900" indent="-342900">
+              <a:buFont typeface="Arial" panose="020B0604020202020204" pitchFamily="34" charset="0"/>
+              <a:buAutoNum type="arabicPeriod"/>
+            </a:pPr>
+            <a:r>
+              <a:rPr lang="en-US" sz="1800" dirty="0">
+                <a:solidFill>
+                  <a:schemeClr val="tx1"/>
+                </a:solidFill>
+              </a:rPr>
+              <a:t>CORRELATION ANALYSIS	</a:t>
+            </a:r>
+          </a:p>
+          <a:p>
+            <a:pPr marL="342900" indent="-342900">
+              <a:buFont typeface="Arial" panose="020B0604020202020204" pitchFamily="34" charset="0"/>
+              <a:buAutoNum type="arabicPeriod"/>
+            </a:pPr>
+            <a:r>
+              <a:rPr lang="en-US" sz="1800" dirty="0">
+                <a:solidFill>
+                  <a:srgbClr val="00B0F0"/>
+                </a:solidFill>
+              </a:rPr>
+              <a:t>DIMENSIONALITY REDUCTION</a:t>
+            </a:r>
+          </a:p>
+          <a:p>
+            <a:pPr marL="342900" indent="-342900">
+              <a:buFont typeface="Arial" panose="020B0604020202020204" pitchFamily="34" charset="0"/>
+              <a:buAutoNum type="arabicPeriod"/>
+            </a:pPr>
+            <a:r>
+              <a:rPr lang="en-US" sz="1800" dirty="0">
+                <a:solidFill>
+                  <a:schemeClr val="tx1"/>
+                </a:solidFill>
+              </a:rPr>
+              <a:t>MODELING</a:t>
+            </a:r>
+          </a:p>
+          <a:p>
+            <a:pPr marL="342900" indent="-342900">
+              <a:buFont typeface="Arial" panose="020B0604020202020204" pitchFamily="34" charset="0"/>
+              <a:buAutoNum type="arabicPeriod"/>
+            </a:pPr>
+            <a:r>
+              <a:rPr lang="en-US" sz="1800" dirty="0">
+                <a:solidFill>
+                  <a:schemeClr val="tx1"/>
+                </a:solidFill>
+              </a:rPr>
+              <a:t>MODEL EVALUATION &amp; ANALYSIS</a:t>
+            </a:r>
+          </a:p>
+          <a:p>
+            <a:pPr marL="342900" indent="-342900">
+              <a:buFont typeface="Arial" panose="020B0604020202020204" pitchFamily="34" charset="0"/>
+              <a:buAutoNum type="arabicPeriod"/>
+            </a:pPr>
+            <a:r>
+              <a:rPr lang="en-US" sz="1800" dirty="0">
+                <a:solidFill>
+                  <a:schemeClr val="tx1"/>
+                </a:solidFill>
+              </a:rPr>
+              <a:t>RECOMMENDATION SYSTEM</a:t>
+            </a:r>
+          </a:p>
+          <a:p>
+            <a:pPr marL="342900" indent="-342900">
+              <a:buFont typeface="Arial" panose="020B0604020202020204" pitchFamily="34" charset="0"/>
+              <a:buAutoNum type="arabicPeriod"/>
+            </a:pPr>
+            <a:endParaRPr lang="en-US" sz="1800" dirty="0">
+              <a:solidFill>
+                <a:schemeClr val="tx1"/>
+              </a:solidFill>
+            </a:endParaRPr>
+          </a:p>
+        </p:txBody>
+      </p:sp>
+    </p:spTree>
+    <p:extLst>
+      <p:ext uri="{BB962C8B-B14F-4D97-AF65-F5344CB8AC3E}">
+        <p14:creationId xmlns:p14="http://schemas.microsoft.com/office/powerpoint/2010/main" val="4211771385"/>
+      </p:ext>
+    </p:extLst>
+  </p:cSld>
+  <p:clrMapOvr>
+    <a:masterClrMapping/>
+  </p:clrMapOvr>
+</p:sld>
+</file>
+
+<file path=ppt/slides/slide41.xml><?xml version="1.0" encoding="utf-8"?>
+<p:sld xmlns:a="http://schemas.openxmlformats.org/drawingml/2006/main" xmlns:r="http://schemas.openxmlformats.org/officeDocument/2006/relationships" xmlns:p="http://schemas.openxmlformats.org/presentationml/2006/main">
+  <p:cSld>
+    <p:spTree>
+      <p:nvGrpSpPr>
+        <p:cNvPr id="1" name=""/>
+        <p:cNvGrpSpPr/>
+        <p:nvPr/>
+      </p:nvGrpSpPr>
+      <p:grpSpPr>
+        <a:xfrm>
+          <a:off x="0" y="0"/>
+          <a:ext cx="0" cy="0"/>
+          <a:chOff x="0" y="0"/>
+          <a:chExt cx="0" cy="0"/>
+        </a:xfrm>
+      </p:grpSpPr>
+      <p:sp>
+        <p:nvSpPr>
+          <p:cNvPr id="2" name="Title 1">
+            <a:extLst>
+              <a:ext uri="{FF2B5EF4-FFF2-40B4-BE49-F238E27FC236}">
+                <a16:creationId xmlns:a16="http://schemas.microsoft.com/office/drawing/2014/main" id="{7CA9C9D1-003D-8F31-31BD-F995D634F366}"/>
+              </a:ext>
+            </a:extLst>
+          </p:cNvPr>
+          <p:cNvSpPr>
+            <a:spLocks noGrp="1"/>
+          </p:cNvSpPr>
+          <p:nvPr>
+            <p:ph type="title"/>
+          </p:nvPr>
+        </p:nvSpPr>
+        <p:spPr>
+          <a:xfrm>
+            <a:off x="2661395" y="486839"/>
+            <a:ext cx="6869207" cy="436526"/>
+          </a:xfrm>
+        </p:spPr>
+        <p:txBody>
+          <a:bodyPr>
+            <a:normAutofit/>
+          </a:bodyPr>
+          <a:lstStyle/>
+          <a:p>
+            <a:pPr algn="ctr"/>
+            <a:r>
+              <a:rPr lang="en-US" sz="2000" b="1" dirty="0"/>
+              <a:t>Why We Need Dimensionality Reduction?</a:t>
+            </a:r>
+          </a:p>
+        </p:txBody>
+      </p:sp>
+      <p:sp>
+        <p:nvSpPr>
+          <p:cNvPr id="3" name="TextBox 2">
+            <a:extLst>
+              <a:ext uri="{FF2B5EF4-FFF2-40B4-BE49-F238E27FC236}">
+                <a16:creationId xmlns:a16="http://schemas.microsoft.com/office/drawing/2014/main" id="{C93EC21E-CC04-C537-F773-EB38286E579C}"/>
+              </a:ext>
+            </a:extLst>
+          </p:cNvPr>
+          <p:cNvSpPr txBox="1"/>
+          <p:nvPr/>
+        </p:nvSpPr>
+        <p:spPr>
+          <a:xfrm>
+            <a:off x="1343023" y="1397675"/>
+            <a:ext cx="9505950" cy="2585323"/>
+          </a:xfrm>
+          <a:prstGeom prst="rect">
+            <a:avLst/>
+          </a:prstGeom>
+          <a:noFill/>
+        </p:spPr>
+        <p:txBody>
+          <a:bodyPr wrap="square">
+            <a:spAutoFit/>
+          </a:bodyPr>
+          <a:lstStyle/>
+          <a:p>
+            <a:pPr marL="285750" indent="-285750">
+              <a:buFont typeface="Arial" panose="020B0604020202020204" pitchFamily="34" charset="0"/>
+              <a:buChar char="•"/>
+            </a:pPr>
+            <a:r>
+              <a:rPr lang="en-US" b="1" dirty="0"/>
+              <a:t>Remove Multicollinear Features </a:t>
+            </a:r>
+            <a:r>
+              <a:rPr lang="en-US" dirty="0"/>
+              <a:t>: </a:t>
+            </a:r>
+          </a:p>
+          <a:p>
+            <a:pPr marL="742950" lvl="1" indent="-285750">
+              <a:buFontTx/>
+              <a:buChar char="-"/>
+            </a:pPr>
+            <a:r>
+              <a:rPr lang="en-US" dirty="0"/>
+              <a:t>help us remove redundant information</a:t>
+            </a:r>
+          </a:p>
+          <a:p>
+            <a:pPr marL="742950" lvl="1" indent="-285750">
+              <a:buFontTx/>
+              <a:buChar char="-"/>
+            </a:pPr>
+            <a:endParaRPr lang="en-US" dirty="0"/>
+          </a:p>
+          <a:p>
+            <a:pPr marL="285750" indent="-285750">
+              <a:buFont typeface="Arial" panose="020B0604020202020204" pitchFamily="34" charset="0"/>
+              <a:buChar char="•"/>
+            </a:pPr>
+            <a:r>
+              <a:rPr lang="en-US" b="1" dirty="0"/>
+              <a:t>Noise Reduction </a:t>
+            </a:r>
+            <a:r>
+              <a:rPr lang="en-US" dirty="0"/>
+              <a:t>:</a:t>
+            </a:r>
+          </a:p>
+          <a:p>
+            <a:pPr marL="742950" lvl="1" indent="-285750">
+              <a:buFontTx/>
+              <a:buChar char="-"/>
+            </a:pPr>
+            <a:r>
+              <a:rPr lang="en-US" dirty="0"/>
+              <a:t>focusing only on the most important features</a:t>
+            </a:r>
+          </a:p>
+          <a:p>
+            <a:pPr marL="742950" lvl="1" indent="-285750">
+              <a:buFontTx/>
+              <a:buChar char="-"/>
+            </a:pPr>
+            <a:endParaRPr lang="en-US" dirty="0"/>
+          </a:p>
+          <a:p>
+            <a:pPr marL="285750" indent="-285750">
+              <a:buFont typeface="Arial" panose="020B0604020202020204" pitchFamily="34" charset="0"/>
+              <a:buChar char="•"/>
+            </a:pPr>
+            <a:r>
+              <a:rPr lang="en-US" b="1" dirty="0"/>
+              <a:t>Improved Computational Efficiency </a:t>
+            </a:r>
+            <a:r>
+              <a:rPr lang="en-US" dirty="0"/>
+              <a:t>:</a:t>
+            </a:r>
+          </a:p>
+          <a:p>
+            <a:pPr lvl="1"/>
+            <a:r>
+              <a:rPr lang="en-US" dirty="0"/>
+              <a:t>- Reducing the number of features can speed up the computation time during the modeling process</a:t>
+            </a:r>
+          </a:p>
+        </p:txBody>
+      </p:sp>
+    </p:spTree>
+    <p:extLst>
+      <p:ext uri="{BB962C8B-B14F-4D97-AF65-F5344CB8AC3E}">
+        <p14:creationId xmlns:p14="http://schemas.microsoft.com/office/powerpoint/2010/main" val="3943069483"/>
+      </p:ext>
+    </p:extLst>
+  </p:cSld>
+  <p:clrMapOvr>
+    <a:masterClrMapping/>
+  </p:clrMapOvr>
+</p:sld>
+</file>
+
+<file path=ppt/slides/slide42.xml><?xml version="1.0" encoding="utf-8"?>
+<p:sld xmlns:a="http://schemas.openxmlformats.org/drawingml/2006/main" xmlns:r="http://schemas.openxmlformats.org/officeDocument/2006/relationships" xmlns:p="http://schemas.openxmlformats.org/presentationml/2006/main">
+  <p:cSld>
+    <p:spTree>
+      <p:nvGrpSpPr>
+        <p:cNvPr id="1" name=""/>
+        <p:cNvGrpSpPr/>
+        <p:nvPr/>
+      </p:nvGrpSpPr>
+      <p:grpSpPr>
+        <a:xfrm>
+          <a:off x="0" y="0"/>
+          <a:ext cx="0" cy="0"/>
+          <a:chOff x="0" y="0"/>
+          <a:chExt cx="0" cy="0"/>
+        </a:xfrm>
+      </p:grpSpPr>
+      <p:sp>
+        <p:nvSpPr>
+          <p:cNvPr id="2" name="Title 1">
+            <a:extLst>
+              <a:ext uri="{FF2B5EF4-FFF2-40B4-BE49-F238E27FC236}">
+                <a16:creationId xmlns:a16="http://schemas.microsoft.com/office/drawing/2014/main" id="{7CA9C9D1-003D-8F31-31BD-F995D634F366}"/>
+              </a:ext>
+            </a:extLst>
+          </p:cNvPr>
+          <p:cNvSpPr>
+            <a:spLocks noGrp="1"/>
+          </p:cNvSpPr>
+          <p:nvPr>
+            <p:ph type="title"/>
+          </p:nvPr>
+        </p:nvSpPr>
+        <p:spPr>
+          <a:xfrm>
+            <a:off x="2661395" y="486839"/>
+            <a:ext cx="6869207" cy="436526"/>
+          </a:xfrm>
+        </p:spPr>
+        <p:txBody>
+          <a:bodyPr>
+            <a:normAutofit/>
+          </a:bodyPr>
+          <a:lstStyle/>
+          <a:p>
+            <a:pPr algn="ctr"/>
+            <a:r>
+              <a:rPr lang="en-US" sz="2000" b="1" dirty="0"/>
+              <a:t> PCA (Principal Component Analysis)</a:t>
+            </a:r>
+          </a:p>
+        </p:txBody>
+      </p:sp>
+      <p:sp>
+        <p:nvSpPr>
+          <p:cNvPr id="3" name="TextBox 2">
+            <a:extLst>
+              <a:ext uri="{FF2B5EF4-FFF2-40B4-BE49-F238E27FC236}">
+                <a16:creationId xmlns:a16="http://schemas.microsoft.com/office/drawing/2014/main" id="{C93EC21E-CC04-C537-F773-EB38286E579C}"/>
+              </a:ext>
+            </a:extLst>
+          </p:cNvPr>
+          <p:cNvSpPr txBox="1"/>
+          <p:nvPr/>
+        </p:nvSpPr>
+        <p:spPr>
+          <a:xfrm>
+            <a:off x="1343023" y="1197650"/>
+            <a:ext cx="9505950" cy="861774"/>
+          </a:xfrm>
+          <a:prstGeom prst="rect">
+            <a:avLst/>
+          </a:prstGeom>
+          <a:noFill/>
+        </p:spPr>
+        <p:txBody>
+          <a:bodyPr wrap="square">
+            <a:spAutoFit/>
+          </a:bodyPr>
+          <a:lstStyle/>
+          <a:p>
+            <a:pPr marL="285750" indent="-285750">
+              <a:buFont typeface="Arial" panose="020B0604020202020204" pitchFamily="34" charset="0"/>
+              <a:buChar char="•"/>
+            </a:pPr>
+            <a:r>
+              <a:rPr lang="en-US" sz="1600" dirty="0"/>
+              <a:t>Technique reduce the number of features in our dataset while still retaining a significant amount of the information.</a:t>
+            </a:r>
+          </a:p>
+          <a:p>
+            <a:pPr marL="742950" lvl="1" indent="-285750">
+              <a:buFont typeface="Arial" panose="020B0604020202020204" pitchFamily="34" charset="0"/>
+              <a:buChar char="•"/>
+            </a:pPr>
+            <a:r>
+              <a:rPr lang="en-US" sz="1600" dirty="0"/>
+              <a:t>Making our clustering analysis potentially more fast and accurate.</a:t>
+            </a:r>
+          </a:p>
+        </p:txBody>
+      </p:sp>
+      <p:sp>
+        <p:nvSpPr>
+          <p:cNvPr id="4" name="TextBox 3">
+            <a:extLst>
+              <a:ext uri="{FF2B5EF4-FFF2-40B4-BE49-F238E27FC236}">
+                <a16:creationId xmlns:a16="http://schemas.microsoft.com/office/drawing/2014/main" id="{04165ECC-2BC8-1F4A-73A6-0E88B05778D7}"/>
+              </a:ext>
+            </a:extLst>
+          </p:cNvPr>
+          <p:cNvSpPr txBox="1"/>
+          <p:nvPr/>
+        </p:nvSpPr>
+        <p:spPr>
+          <a:xfrm>
+            <a:off x="1343023" y="2120980"/>
+            <a:ext cx="9505950" cy="1107996"/>
+          </a:xfrm>
+          <a:prstGeom prst="rect">
+            <a:avLst/>
+          </a:prstGeom>
+          <a:noFill/>
+        </p:spPr>
+        <p:txBody>
+          <a:bodyPr wrap="square">
+            <a:spAutoFit/>
+          </a:bodyPr>
+          <a:lstStyle/>
+          <a:p>
+            <a:pPr marL="285750" indent="-285750">
+              <a:buFont typeface="Arial" panose="020B0604020202020204" pitchFamily="34" charset="0"/>
+              <a:buChar char="•"/>
+            </a:pPr>
+            <a:r>
+              <a:rPr lang="en-US" sz="1600" dirty="0"/>
+              <a:t>Strategy</a:t>
+            </a:r>
+          </a:p>
+          <a:p>
+            <a:pPr marL="800100" lvl="1" indent="-342900">
+              <a:buAutoNum type="arabicPeriod"/>
+            </a:pPr>
+            <a:r>
+              <a:rPr lang="en-US" sz="1600" dirty="0"/>
+              <a:t>Plot the cumulative variance in each feature.</a:t>
+            </a:r>
+          </a:p>
+          <a:p>
+            <a:pPr marL="800100" lvl="1" indent="-342900">
+              <a:buAutoNum type="arabicPeriod"/>
+            </a:pPr>
+            <a:r>
+              <a:rPr lang="en-US" sz="1600" dirty="0"/>
+              <a:t>Choose the n component that has cumulative variance higher than 80 percent of datasets</a:t>
+            </a:r>
+          </a:p>
+          <a:p>
+            <a:pPr lvl="2"/>
+            <a:r>
+              <a:rPr lang="en-US" sz="1600" dirty="0"/>
+              <a:t>- That n component will be optimal number of PCs</a:t>
+            </a:r>
+          </a:p>
+        </p:txBody>
+      </p:sp>
+      <p:pic>
+        <p:nvPicPr>
+          <p:cNvPr id="1026" name="Picture 2">
+            <a:extLst>
+              <a:ext uri="{FF2B5EF4-FFF2-40B4-BE49-F238E27FC236}">
+                <a16:creationId xmlns:a16="http://schemas.microsoft.com/office/drawing/2014/main" id="{39F8A9BD-0765-F0CA-D5D4-106FFD407D50}"/>
+              </a:ext>
+            </a:extLst>
+          </p:cNvPr>
+          <p:cNvPicPr>
+            <a:picLocks noChangeAspect="1" noChangeArrowheads="1"/>
+          </p:cNvPicPr>
+          <p:nvPr/>
+        </p:nvPicPr>
+        <p:blipFill>
+          <a:blip r:embed="rId2">
+            <a:extLst>
+              <a:ext uri="{28A0092B-C50C-407E-A947-70E740481C1C}">
+                <a14:useLocalDpi xmlns:a14="http://schemas.microsoft.com/office/drawing/2010/main" val="0"/>
+              </a:ext>
+            </a:extLst>
+          </a:blip>
+          <a:srcRect/>
+          <a:stretch>
+            <a:fillRect/>
+          </a:stretch>
+        </p:blipFill>
+        <p:spPr bwMode="auto">
+          <a:xfrm>
+            <a:off x="2985946" y="3290532"/>
+            <a:ext cx="6220103" cy="3319818"/>
+          </a:xfrm>
+          <a:prstGeom prst="rect">
+            <a:avLst/>
+          </a:prstGeom>
+          <a:noFill/>
+          <a:extLst>
+            <a:ext uri="{909E8E84-426E-40DD-AFC4-6F175D3DCCD1}">
+              <a14:hiddenFill xmlns:a14="http://schemas.microsoft.com/office/drawing/2010/main">
+                <a:solidFill>
+                  <a:srgbClr val="FFFFFF"/>
+                </a:solidFill>
+              </a14:hiddenFill>
+            </a:ext>
+          </a:extLst>
+        </p:spPr>
+      </p:pic>
+    </p:spTree>
+    <p:extLst>
+      <p:ext uri="{BB962C8B-B14F-4D97-AF65-F5344CB8AC3E}">
+        <p14:creationId xmlns:p14="http://schemas.microsoft.com/office/powerpoint/2010/main" val="262161390"/>
+      </p:ext>
+    </p:extLst>
+  </p:cSld>
+  <p:clrMapOvr>
+    <a:masterClrMapping/>
+  </p:clrMapOvr>
+</p:sld>
+</file>
+
+<file path=ppt/slides/slide43.xml><?xml version="1.0" encoding="utf-8"?>
+<p:sld xmlns:a="http://schemas.openxmlformats.org/drawingml/2006/main" xmlns:r="http://schemas.openxmlformats.org/officeDocument/2006/relationships" xmlns:p="http://schemas.openxmlformats.org/presentationml/2006/main">
+  <p:cSld>
+    <p:spTree>
+      <p:nvGrpSpPr>
+        <p:cNvPr id="1" name=""/>
+        <p:cNvGrpSpPr/>
+        <p:nvPr/>
+      </p:nvGrpSpPr>
+      <p:grpSpPr>
+        <a:xfrm>
+          <a:off x="0" y="0"/>
+          <a:ext cx="0" cy="0"/>
+          <a:chOff x="0" y="0"/>
+          <a:chExt cx="0" cy="0"/>
+        </a:xfrm>
+      </p:grpSpPr>
+      <p:sp>
+        <p:nvSpPr>
+          <p:cNvPr id="2" name="Title 1">
+            <a:extLst>
+              <a:ext uri="{FF2B5EF4-FFF2-40B4-BE49-F238E27FC236}">
+                <a16:creationId xmlns:a16="http://schemas.microsoft.com/office/drawing/2014/main" id="{7CA9C9D1-003D-8F31-31BD-F995D634F366}"/>
+              </a:ext>
+            </a:extLst>
+          </p:cNvPr>
+          <p:cNvSpPr>
+            <a:spLocks noGrp="1"/>
+          </p:cNvSpPr>
+          <p:nvPr>
+            <p:ph type="title"/>
+          </p:nvPr>
+        </p:nvSpPr>
+        <p:spPr>
+          <a:xfrm>
+            <a:off x="2661397" y="410639"/>
+            <a:ext cx="6869207" cy="436526"/>
+          </a:xfrm>
+        </p:spPr>
+        <p:txBody>
+          <a:bodyPr>
+            <a:normAutofit/>
+          </a:bodyPr>
+          <a:lstStyle/>
+          <a:p>
+            <a:pPr algn="ctr"/>
+            <a:r>
+              <a:rPr lang="en-US" sz="2000" b="1" dirty="0" err="1"/>
+              <a:t>pca</a:t>
+            </a:r>
+            <a:r>
+              <a:rPr lang="en-US" sz="2000" b="1" dirty="0"/>
+              <a:t> result</a:t>
+            </a:r>
+          </a:p>
+        </p:txBody>
+      </p:sp>
+      <p:sp>
+        <p:nvSpPr>
+          <p:cNvPr id="3" name="TextBox 2">
+            <a:extLst>
+              <a:ext uri="{FF2B5EF4-FFF2-40B4-BE49-F238E27FC236}">
+                <a16:creationId xmlns:a16="http://schemas.microsoft.com/office/drawing/2014/main" id="{C93EC21E-CC04-C537-F773-EB38286E579C}"/>
+              </a:ext>
+            </a:extLst>
+          </p:cNvPr>
+          <p:cNvSpPr txBox="1"/>
+          <p:nvPr/>
+        </p:nvSpPr>
+        <p:spPr>
+          <a:xfrm>
+            <a:off x="1343025" y="5810081"/>
+            <a:ext cx="9505950" cy="584775"/>
+          </a:xfrm>
+          <a:prstGeom prst="rect">
+            <a:avLst/>
+          </a:prstGeom>
+          <a:noFill/>
+        </p:spPr>
+        <p:txBody>
+          <a:bodyPr wrap="square">
+            <a:spAutoFit/>
+          </a:bodyPr>
+          <a:lstStyle/>
+          <a:p>
+            <a:r>
+              <a:rPr lang="en-US" sz="1600" dirty="0"/>
+              <a:t>highlight the top 3 highest absolute values in each component, it helpful because it provides insights into which features are most influential in shaping the principal components.</a:t>
+            </a:r>
+          </a:p>
+        </p:txBody>
+      </p:sp>
+      <p:pic>
+        <p:nvPicPr>
+          <p:cNvPr id="6" name="Picture 5">
+            <a:extLst>
+              <a:ext uri="{FF2B5EF4-FFF2-40B4-BE49-F238E27FC236}">
+                <a16:creationId xmlns:a16="http://schemas.microsoft.com/office/drawing/2014/main" id="{9B645356-A8FD-4F91-0D9B-E8DBBAB973E4}"/>
+              </a:ext>
+            </a:extLst>
+          </p:cNvPr>
+          <p:cNvPicPr>
+            <a:picLocks noChangeAspect="1"/>
+          </p:cNvPicPr>
+          <p:nvPr/>
+        </p:nvPicPr>
+        <p:blipFill>
+          <a:blip r:embed="rId2"/>
+          <a:stretch>
+            <a:fillRect/>
+          </a:stretch>
+        </p:blipFill>
+        <p:spPr>
+          <a:xfrm>
+            <a:off x="2997724" y="944746"/>
+            <a:ext cx="6196552" cy="4767754"/>
+          </a:xfrm>
+          <a:prstGeom prst="rect">
+            <a:avLst/>
+          </a:prstGeom>
+        </p:spPr>
+      </p:pic>
+    </p:spTree>
+    <p:extLst>
+      <p:ext uri="{BB962C8B-B14F-4D97-AF65-F5344CB8AC3E}">
+        <p14:creationId xmlns:p14="http://schemas.microsoft.com/office/powerpoint/2010/main" val="2896612312"/>
+      </p:ext>
+    </p:extLst>
+  </p:cSld>
+  <p:clrMapOvr>
+    <a:masterClrMapping/>
+  </p:clrMapOvr>
+</p:sld>
+</file>
+
+<file path=ppt/slides/slide44.xml><?xml version="1.0" encoding="utf-8"?>
+<p:sld xmlns:a="http://schemas.openxmlformats.org/drawingml/2006/main" xmlns:r="http://schemas.openxmlformats.org/officeDocument/2006/relationships" xmlns:p="http://schemas.openxmlformats.org/presentationml/2006/main">
+  <p:cSld>
+    <p:spTree>
+      <p:nvGrpSpPr>
+        <p:cNvPr id="1" name=""/>
+        <p:cNvGrpSpPr/>
+        <p:nvPr/>
+      </p:nvGrpSpPr>
+      <p:grpSpPr>
+        <a:xfrm>
+          <a:off x="0" y="0"/>
+          <a:ext cx="0" cy="0"/>
+          <a:chOff x="0" y="0"/>
+          <a:chExt cx="0" cy="0"/>
+        </a:xfrm>
+      </p:grpSpPr>
+      <p:sp>
+        <p:nvSpPr>
+          <p:cNvPr id="2" name="Title 1">
+            <a:extLst>
+              <a:ext uri="{FF2B5EF4-FFF2-40B4-BE49-F238E27FC236}">
+                <a16:creationId xmlns:a16="http://schemas.microsoft.com/office/drawing/2014/main" id="{1CF50F63-F3AC-DA2D-7146-5BAF73CA085E}"/>
+              </a:ext>
+            </a:extLst>
+          </p:cNvPr>
+          <p:cNvSpPr>
+            <a:spLocks noGrp="1"/>
+          </p:cNvSpPr>
+          <p:nvPr>
+            <p:ph type="title"/>
+          </p:nvPr>
+        </p:nvSpPr>
+        <p:spPr>
+          <a:xfrm>
+            <a:off x="1333499" y="1963270"/>
+            <a:ext cx="4762501" cy="497541"/>
+          </a:xfrm>
+        </p:spPr>
+        <p:txBody>
+          <a:bodyPr/>
+          <a:lstStyle/>
+          <a:p>
+            <a:r>
+              <a:rPr lang="en-US" dirty="0"/>
+              <a:t>modeling</a:t>
+            </a:r>
+          </a:p>
+        </p:txBody>
+      </p:sp>
+      <p:sp>
+        <p:nvSpPr>
+          <p:cNvPr id="7" name="Content Placeholder 2">
+            <a:extLst>
+              <a:ext uri="{FF2B5EF4-FFF2-40B4-BE49-F238E27FC236}">
+                <a16:creationId xmlns:a16="http://schemas.microsoft.com/office/drawing/2014/main" id="{D2FC17DA-C447-E41A-528B-BA2A3111768B}"/>
+              </a:ext>
+            </a:extLst>
+          </p:cNvPr>
+          <p:cNvSpPr txBox="1">
+            <a:spLocks/>
+          </p:cNvSpPr>
+          <p:nvPr/>
+        </p:nvSpPr>
+        <p:spPr>
+          <a:xfrm>
+            <a:off x="6720167" y="1192379"/>
+            <a:ext cx="4138334" cy="4985833"/>
+          </a:xfrm>
+          <a:prstGeom prst="rect">
+            <a:avLst/>
+          </a:prstGeom>
+        </p:spPr>
+        <p:txBody>
+          <a:bodyPr vert="horz" lIns="91440" tIns="45720" rIns="91440" bIns="45720" rtlCol="0">
+            <a:normAutofit/>
+          </a:bodyPr>
+          <a:lstStyle>
+            <a:lvl1pPr marL="0" indent="0" algn="l" defTabSz="914400" rtl="0" eaLnBrk="1" latinLnBrk="0" hangingPunct="1">
+              <a:lnSpc>
+                <a:spcPct val="120000"/>
+              </a:lnSpc>
+              <a:spcBef>
+                <a:spcPts val="1000"/>
+              </a:spcBef>
+              <a:buFont typeface="Arial" panose="020B0604020202020204" pitchFamily="34" charset="0"/>
+              <a:buNone/>
+              <a:defRPr sz="1400" kern="1200">
+                <a:solidFill>
+                  <a:schemeClr val="tx1">
+                    <a:lumMod val="75000"/>
+                    <a:lumOff val="25000"/>
+                  </a:schemeClr>
+                </a:solidFill>
+                <a:latin typeface="+mn-lt"/>
+                <a:ea typeface="+mn-ea"/>
+                <a:cs typeface="+mn-cs"/>
+              </a:defRPr>
+            </a:lvl1pPr>
+            <a:lvl2pPr marL="457200" indent="0" algn="l" defTabSz="914400" rtl="0" eaLnBrk="1" latinLnBrk="0" hangingPunct="1">
+              <a:lnSpc>
+                <a:spcPct val="120000"/>
+              </a:lnSpc>
+              <a:spcBef>
+                <a:spcPts val="1000"/>
+              </a:spcBef>
+              <a:buFont typeface="Arial" panose="020B0604020202020204" pitchFamily="34" charset="0"/>
+              <a:buNone/>
+              <a:defRPr sz="1400" kern="1200">
+                <a:solidFill>
+                  <a:schemeClr val="tx1">
+                    <a:lumMod val="75000"/>
+                    <a:lumOff val="25000"/>
+                  </a:schemeClr>
+                </a:solidFill>
+                <a:latin typeface="+mn-lt"/>
+                <a:ea typeface="+mn-ea"/>
+                <a:cs typeface="+mn-cs"/>
+              </a:defRPr>
+            </a:lvl2pPr>
+            <a:lvl3pPr marL="914400" indent="0" algn="l" defTabSz="914400" rtl="0" eaLnBrk="1" latinLnBrk="0" hangingPunct="1">
+              <a:lnSpc>
+                <a:spcPct val="120000"/>
+              </a:lnSpc>
+              <a:spcBef>
+                <a:spcPts val="1000"/>
+              </a:spcBef>
+              <a:buFont typeface="Arial" panose="020B0604020202020204" pitchFamily="34" charset="0"/>
+              <a:buNone/>
+              <a:defRPr sz="1400" kern="1200">
+                <a:solidFill>
+                  <a:schemeClr val="tx1">
+                    <a:lumMod val="75000"/>
+                    <a:lumOff val="25000"/>
+                  </a:schemeClr>
+                </a:solidFill>
+                <a:latin typeface="+mn-lt"/>
+                <a:ea typeface="+mn-ea"/>
+                <a:cs typeface="+mn-cs"/>
+              </a:defRPr>
+            </a:lvl3pPr>
+            <a:lvl4pPr marL="1371600" indent="0" algn="l" defTabSz="914400" rtl="0" eaLnBrk="1" latinLnBrk="0" hangingPunct="1">
+              <a:lnSpc>
+                <a:spcPct val="120000"/>
+              </a:lnSpc>
+              <a:spcBef>
+                <a:spcPts val="1000"/>
+              </a:spcBef>
+              <a:buFont typeface="Arial" panose="020B0604020202020204" pitchFamily="34" charset="0"/>
+              <a:buNone/>
+              <a:defRPr sz="1400" kern="1200">
+                <a:solidFill>
+                  <a:schemeClr val="tx1">
+                    <a:lumMod val="75000"/>
+                    <a:lumOff val="25000"/>
+                  </a:schemeClr>
+                </a:solidFill>
+                <a:latin typeface="+mn-lt"/>
+                <a:ea typeface="+mn-ea"/>
+                <a:cs typeface="+mn-cs"/>
+              </a:defRPr>
+            </a:lvl4pPr>
+            <a:lvl5pPr marL="1828800" indent="0" algn="l" defTabSz="914400" rtl="0" eaLnBrk="1" latinLnBrk="0" hangingPunct="1">
+              <a:lnSpc>
+                <a:spcPct val="120000"/>
+              </a:lnSpc>
+              <a:spcBef>
+                <a:spcPts val="1000"/>
+              </a:spcBef>
+              <a:buFont typeface="Arial" panose="020B0604020202020204" pitchFamily="34" charset="0"/>
+              <a:buNone/>
+              <a:defRPr sz="1400" kern="1200">
+                <a:solidFill>
+                  <a:schemeClr val="tx1">
+                    <a:lumMod val="75000"/>
+                    <a:lumOff val="25000"/>
+                  </a:schemeClr>
+                </a:solidFill>
+                <a:latin typeface="+mn-lt"/>
+                <a:ea typeface="+mn-ea"/>
+                <a:cs typeface="+mn-cs"/>
+              </a:defRPr>
+            </a:lvl5pPr>
+            <a:lvl6pPr marL="2514600" indent="-228600" algn="l" defTabSz="914400" rtl="0" eaLnBrk="1" latinLnBrk="0" hangingPunct="1">
+              <a:lnSpc>
+                <a:spcPct val="90000"/>
+              </a:lnSpc>
+              <a:spcBef>
+                <a:spcPts val="500"/>
+              </a:spcBef>
+              <a:buFont typeface="Arial" panose="020B0604020202020204" pitchFamily="34" charset="0"/>
+              <a:buChar char="•"/>
+              <a:defRPr sz="1800" kern="1200">
+                <a:solidFill>
+                  <a:schemeClr val="tx1"/>
+                </a:solidFill>
+                <a:latin typeface="+mn-lt"/>
+                <a:ea typeface="+mn-ea"/>
+                <a:cs typeface="+mn-cs"/>
+              </a:defRPr>
+            </a:lvl6pPr>
+            <a:lvl7pPr marL="2971800" indent="-228600" algn="l" defTabSz="914400" rtl="0" eaLnBrk="1" latinLnBrk="0" hangingPunct="1">
+              <a:lnSpc>
+                <a:spcPct val="90000"/>
+              </a:lnSpc>
+              <a:spcBef>
+                <a:spcPts val="500"/>
+              </a:spcBef>
+              <a:buFont typeface="Arial" panose="020B0604020202020204" pitchFamily="34" charset="0"/>
+              <a:buChar char="•"/>
+              <a:defRPr sz="1800" kern="1200">
+                <a:solidFill>
+                  <a:schemeClr val="tx1"/>
+                </a:solidFill>
+                <a:latin typeface="+mn-lt"/>
+                <a:ea typeface="+mn-ea"/>
+                <a:cs typeface="+mn-cs"/>
+              </a:defRPr>
+            </a:lvl7pPr>
+            <a:lvl8pPr marL="3429000" indent="-228600" algn="l" defTabSz="914400" rtl="0" eaLnBrk="1" latinLnBrk="0" hangingPunct="1">
+              <a:lnSpc>
+                <a:spcPct val="90000"/>
+              </a:lnSpc>
+              <a:spcBef>
+                <a:spcPts val="500"/>
+              </a:spcBef>
+              <a:buFont typeface="Arial" panose="020B0604020202020204" pitchFamily="34" charset="0"/>
+              <a:buChar char="•"/>
+              <a:defRPr sz="1800" kern="1200">
+                <a:solidFill>
+                  <a:schemeClr val="tx1"/>
+                </a:solidFill>
+                <a:latin typeface="+mn-lt"/>
+                <a:ea typeface="+mn-ea"/>
+                <a:cs typeface="+mn-cs"/>
+              </a:defRPr>
+            </a:lvl8pPr>
+            <a:lvl9pPr marL="3886200" indent="-228600" algn="l" defTabSz="914400" rtl="0" eaLnBrk="1" latinLnBrk="0" hangingPunct="1">
+              <a:lnSpc>
+                <a:spcPct val="90000"/>
+              </a:lnSpc>
+              <a:spcBef>
+                <a:spcPts val="500"/>
+              </a:spcBef>
+              <a:buFont typeface="Arial" panose="020B0604020202020204" pitchFamily="34" charset="0"/>
+              <a:buChar char="•"/>
+              <a:defRPr sz="1800" kern="1200">
+                <a:solidFill>
+                  <a:schemeClr val="tx1"/>
+                </a:solidFill>
+                <a:latin typeface="+mn-lt"/>
+                <a:ea typeface="+mn-ea"/>
+                <a:cs typeface="+mn-cs"/>
+              </a:defRPr>
+            </a:lvl9pPr>
+          </a:lstStyle>
+          <a:p>
+            <a:pPr marL="342900" indent="-342900">
+              <a:buFont typeface="Arial" panose="020B0604020202020204" pitchFamily="34" charset="0"/>
+              <a:buAutoNum type="arabicPeriod"/>
+            </a:pPr>
+            <a:r>
+              <a:rPr lang="en-US" sz="1800" dirty="0">
+                <a:solidFill>
+                  <a:schemeClr val="tx1"/>
+                </a:solidFill>
+              </a:rPr>
+              <a:t>INTRODUCTION</a:t>
+            </a:r>
+          </a:p>
+          <a:p>
+            <a:pPr marL="342900" indent="-342900">
+              <a:buFont typeface="Arial" panose="020B0604020202020204" pitchFamily="34" charset="0"/>
+              <a:buAutoNum type="arabicPeriod"/>
+            </a:pPr>
+            <a:r>
+              <a:rPr lang="en-US" sz="1800" dirty="0">
+                <a:solidFill>
+                  <a:schemeClr val="tx1"/>
+                </a:solidFill>
+              </a:rPr>
+              <a:t>DATASET OVERVIEW</a:t>
+            </a:r>
+          </a:p>
+          <a:p>
+            <a:pPr marL="342900" indent="-342900">
+              <a:buFont typeface="Arial" panose="020B0604020202020204" pitchFamily="34" charset="0"/>
+              <a:buAutoNum type="arabicPeriod"/>
+            </a:pPr>
+            <a:r>
+              <a:rPr lang="en-US" sz="1800" dirty="0">
+                <a:solidFill>
+                  <a:schemeClr val="tx1"/>
+                </a:solidFill>
+              </a:rPr>
+              <a:t>EXPLORE DATA</a:t>
+            </a:r>
+          </a:p>
+          <a:p>
+            <a:pPr marL="342900" indent="-342900">
+              <a:buFont typeface="Arial" panose="020B0604020202020204" pitchFamily="34" charset="0"/>
+              <a:buAutoNum type="arabicPeriod"/>
+            </a:pPr>
+            <a:r>
+              <a:rPr lang="en-US" sz="1800" dirty="0">
+                <a:solidFill>
+                  <a:schemeClr val="tx1"/>
+                </a:solidFill>
+              </a:rPr>
+              <a:t>DATA PREPROCESSING</a:t>
+            </a:r>
+          </a:p>
+          <a:p>
+            <a:pPr marL="342900" indent="-342900">
+              <a:buFont typeface="Arial" panose="020B0604020202020204" pitchFamily="34" charset="0"/>
+              <a:buAutoNum type="arabicPeriod"/>
+            </a:pPr>
+            <a:r>
+              <a:rPr lang="en-US" sz="1800" dirty="0">
+                <a:solidFill>
+                  <a:schemeClr val="tx1"/>
+                </a:solidFill>
+              </a:rPr>
+              <a:t>FEATURE ENGINEERING</a:t>
+            </a:r>
+          </a:p>
+          <a:p>
+            <a:pPr marL="342900" indent="-342900">
+              <a:buFont typeface="Arial" panose="020B0604020202020204" pitchFamily="34" charset="0"/>
+              <a:buAutoNum type="arabicPeriod"/>
+            </a:pPr>
+            <a:r>
+              <a:rPr lang="en-US" sz="1800" dirty="0">
+                <a:solidFill>
+                  <a:schemeClr val="tx1"/>
+                </a:solidFill>
+              </a:rPr>
+              <a:t>CORRELATION ANALYSIS	</a:t>
+            </a:r>
+          </a:p>
+          <a:p>
+            <a:pPr marL="342900" indent="-342900">
+              <a:buFont typeface="Arial" panose="020B0604020202020204" pitchFamily="34" charset="0"/>
+              <a:buAutoNum type="arabicPeriod"/>
+            </a:pPr>
+            <a:r>
+              <a:rPr lang="en-US" sz="1800" dirty="0">
+                <a:solidFill>
+                  <a:schemeClr val="tx1"/>
+                </a:solidFill>
+              </a:rPr>
+              <a:t>DIMENSIONALITY REDUCTION</a:t>
+            </a:r>
+          </a:p>
+          <a:p>
+            <a:pPr marL="342900" indent="-342900">
+              <a:buFont typeface="Arial" panose="020B0604020202020204" pitchFamily="34" charset="0"/>
+              <a:buAutoNum type="arabicPeriod"/>
+            </a:pPr>
+            <a:r>
+              <a:rPr lang="en-US" sz="1800" dirty="0">
+                <a:solidFill>
+                  <a:srgbClr val="00B0F0"/>
+                </a:solidFill>
+              </a:rPr>
+              <a:t>MODELING</a:t>
+            </a:r>
+          </a:p>
+          <a:p>
+            <a:pPr marL="342900" indent="-342900">
+              <a:buFont typeface="Arial" panose="020B0604020202020204" pitchFamily="34" charset="0"/>
+              <a:buAutoNum type="arabicPeriod"/>
+            </a:pPr>
+            <a:r>
+              <a:rPr lang="en-US" sz="1800" dirty="0">
+                <a:solidFill>
+                  <a:schemeClr val="tx1"/>
+                </a:solidFill>
+              </a:rPr>
+              <a:t>MODEL EVALUATION &amp; ANALYSIS</a:t>
+            </a:r>
+          </a:p>
+          <a:p>
+            <a:pPr marL="342900" indent="-342900">
+              <a:buFont typeface="Arial" panose="020B0604020202020204" pitchFamily="34" charset="0"/>
+              <a:buAutoNum type="arabicPeriod"/>
+            </a:pPr>
+            <a:r>
+              <a:rPr lang="en-US" sz="1800" dirty="0">
+                <a:solidFill>
+                  <a:schemeClr val="tx1"/>
+                </a:solidFill>
+              </a:rPr>
+              <a:t>RECOMMENDATION SYSTEM</a:t>
+            </a:r>
+          </a:p>
+          <a:p>
+            <a:pPr marL="342900" indent="-342900">
+              <a:buFont typeface="Arial" panose="020B0604020202020204" pitchFamily="34" charset="0"/>
+              <a:buAutoNum type="arabicPeriod"/>
+            </a:pPr>
+            <a:endParaRPr lang="en-US" sz="1800" dirty="0">
+              <a:solidFill>
+                <a:schemeClr val="tx1"/>
+              </a:solidFill>
+            </a:endParaRPr>
+          </a:p>
+        </p:txBody>
+      </p:sp>
+      <p:sp>
+        <p:nvSpPr>
+          <p:cNvPr id="4" name="Content Placeholder 2">
+            <a:extLst>
+              <a:ext uri="{FF2B5EF4-FFF2-40B4-BE49-F238E27FC236}">
+                <a16:creationId xmlns:a16="http://schemas.microsoft.com/office/drawing/2014/main" id="{CBDA4755-0BE4-480A-2621-9FF4CABF0B39}"/>
+              </a:ext>
+            </a:extLst>
+          </p:cNvPr>
+          <p:cNvSpPr>
+            <a:spLocks noGrp="1"/>
+          </p:cNvSpPr>
+          <p:nvPr>
+            <p:ph idx="1"/>
+          </p:nvPr>
+        </p:nvSpPr>
+        <p:spPr>
+          <a:xfrm>
+            <a:off x="1333499" y="2574551"/>
+            <a:ext cx="4138334" cy="2519363"/>
+          </a:xfrm>
+        </p:spPr>
+        <p:txBody>
+          <a:bodyPr>
+            <a:normAutofit/>
+          </a:bodyPr>
+          <a:lstStyle/>
+          <a:p>
+            <a:r>
+              <a:rPr lang="en-US" dirty="0"/>
+              <a:t>K-Means clustering</a:t>
+            </a:r>
+          </a:p>
+          <a:p>
+            <a:pPr marL="285750" indent="-285750">
+              <a:buFontTx/>
+              <a:buChar char="-"/>
+            </a:pPr>
+            <a:r>
+              <a:rPr lang="en-US" dirty="0"/>
+              <a:t>8.1 Determining the Optimal Number of Clusters</a:t>
+            </a:r>
+          </a:p>
+          <a:p>
+            <a:pPr marL="285750" indent="-285750">
+              <a:buFontTx/>
+              <a:buChar char="-"/>
+            </a:pPr>
+            <a:r>
+              <a:rPr lang="en-US" dirty="0"/>
+              <a:t>8.2 Clustering Model : K-means</a:t>
+            </a:r>
+          </a:p>
+        </p:txBody>
+      </p:sp>
+    </p:spTree>
+    <p:extLst>
+      <p:ext uri="{BB962C8B-B14F-4D97-AF65-F5344CB8AC3E}">
+        <p14:creationId xmlns:p14="http://schemas.microsoft.com/office/powerpoint/2010/main" val="745627589"/>
+      </p:ext>
+    </p:extLst>
+  </p:cSld>
+  <p:clrMapOvr>
+    <a:masterClrMapping/>
+  </p:clrMapOvr>
+</p:sld>
+</file>
+
+<file path=ppt/slides/slide45.xml><?xml version="1.0" encoding="utf-8"?>
+<p:sld xmlns:a="http://schemas.openxmlformats.org/drawingml/2006/main" xmlns:r="http://schemas.openxmlformats.org/officeDocument/2006/relationships" xmlns:p="http://schemas.openxmlformats.org/presentationml/2006/main">
+  <p:cSld>
+    <p:spTree>
+      <p:nvGrpSpPr>
+        <p:cNvPr id="1" name=""/>
+        <p:cNvGrpSpPr/>
+        <p:nvPr/>
+      </p:nvGrpSpPr>
+      <p:grpSpPr>
+        <a:xfrm>
+          <a:off x="0" y="0"/>
+          <a:ext cx="0" cy="0"/>
+          <a:chOff x="0" y="0"/>
+          <a:chExt cx="0" cy="0"/>
+        </a:xfrm>
+      </p:grpSpPr>
+      <p:sp>
+        <p:nvSpPr>
+          <p:cNvPr id="2" name="Title 1">
+            <a:extLst>
+              <a:ext uri="{FF2B5EF4-FFF2-40B4-BE49-F238E27FC236}">
+                <a16:creationId xmlns:a16="http://schemas.microsoft.com/office/drawing/2014/main" id="{7CA9C9D1-003D-8F31-31BD-F995D634F366}"/>
+              </a:ext>
+            </a:extLst>
+          </p:cNvPr>
+          <p:cNvSpPr>
+            <a:spLocks noGrp="1"/>
+          </p:cNvSpPr>
+          <p:nvPr>
+            <p:ph type="title"/>
+          </p:nvPr>
+        </p:nvSpPr>
+        <p:spPr>
+          <a:xfrm>
+            <a:off x="2661395" y="486839"/>
+            <a:ext cx="6869207" cy="436526"/>
+          </a:xfrm>
+        </p:spPr>
+        <p:txBody>
+          <a:bodyPr>
+            <a:normAutofit/>
+          </a:bodyPr>
+          <a:lstStyle/>
+          <a:p>
+            <a:pPr algn="ctr"/>
+            <a:r>
+              <a:rPr lang="en-US" sz="2000" b="1" dirty="0"/>
+              <a:t>K-means clustering</a:t>
+            </a:r>
+          </a:p>
+        </p:txBody>
+      </p:sp>
+      <p:sp>
+        <p:nvSpPr>
+          <p:cNvPr id="3" name="TextBox 2">
+            <a:extLst>
+              <a:ext uri="{FF2B5EF4-FFF2-40B4-BE49-F238E27FC236}">
+                <a16:creationId xmlns:a16="http://schemas.microsoft.com/office/drawing/2014/main" id="{C93EC21E-CC04-C537-F773-EB38286E579C}"/>
+              </a:ext>
+            </a:extLst>
+          </p:cNvPr>
+          <p:cNvSpPr txBox="1"/>
+          <p:nvPr/>
+        </p:nvSpPr>
+        <p:spPr>
+          <a:xfrm>
+            <a:off x="1343023" y="1397675"/>
+            <a:ext cx="9505950" cy="1200329"/>
+          </a:xfrm>
+          <a:prstGeom prst="rect">
+            <a:avLst/>
+          </a:prstGeom>
+          <a:noFill/>
+        </p:spPr>
+        <p:txBody>
+          <a:bodyPr wrap="square">
+            <a:spAutoFit/>
+          </a:bodyPr>
+          <a:lstStyle/>
+          <a:p>
+            <a:pPr marL="285750" indent="-285750">
+              <a:buFont typeface="Arial" panose="020B0604020202020204" pitchFamily="34" charset="0"/>
+              <a:buChar char="•"/>
+            </a:pPr>
+            <a:r>
+              <a:rPr lang="en-US" b="1" dirty="0"/>
+              <a:t>K-means clustering</a:t>
+            </a:r>
+            <a:r>
+              <a:rPr lang="en-US" dirty="0"/>
+              <a:t> is unsupervised machine learning algorithm that is used to divide a given dataset into a predetermined number of clusters(k).</a:t>
+            </a:r>
+          </a:p>
+          <a:p>
+            <a:pPr marL="742950" lvl="1" indent="-285750">
+              <a:buFontTx/>
+              <a:buChar char="-"/>
+            </a:pPr>
+            <a:r>
+              <a:rPr lang="en-US" dirty="0"/>
+              <a:t>goal of k-means is to partition the data points into groups based on their feature similarities. </a:t>
+            </a:r>
+          </a:p>
+        </p:txBody>
+      </p:sp>
+      <p:sp>
+        <p:nvSpPr>
+          <p:cNvPr id="4" name="TextBox 3">
+            <a:extLst>
+              <a:ext uri="{FF2B5EF4-FFF2-40B4-BE49-F238E27FC236}">
+                <a16:creationId xmlns:a16="http://schemas.microsoft.com/office/drawing/2014/main" id="{40F091EF-D0A4-8147-FED8-82A4627F3806}"/>
+              </a:ext>
+            </a:extLst>
+          </p:cNvPr>
+          <p:cNvSpPr txBox="1"/>
+          <p:nvPr/>
+        </p:nvSpPr>
+        <p:spPr>
+          <a:xfrm>
+            <a:off x="1343023" y="2988350"/>
+            <a:ext cx="9505950" cy="923330"/>
+          </a:xfrm>
+          <a:prstGeom prst="rect">
+            <a:avLst/>
+          </a:prstGeom>
+          <a:noFill/>
+        </p:spPr>
+        <p:txBody>
+          <a:bodyPr wrap="square">
+            <a:spAutoFit/>
+          </a:bodyPr>
+          <a:lstStyle/>
+          <a:p>
+            <a:r>
+              <a:rPr lang="en-US" dirty="0"/>
+              <a:t>Before clustering the model, we use 2 method to determine optimal of clusters(k)</a:t>
+            </a:r>
+          </a:p>
+          <a:p>
+            <a:pPr marL="285750" indent="-285750">
+              <a:buFont typeface="Arial" panose="020B0604020202020204" pitchFamily="34" charset="0"/>
+              <a:buChar char="•"/>
+            </a:pPr>
+            <a:r>
+              <a:rPr lang="en-US" dirty="0"/>
+              <a:t>Elbow Method</a:t>
+            </a:r>
+          </a:p>
+          <a:p>
+            <a:pPr marL="285750" indent="-285750">
+              <a:buFont typeface="Arial" panose="020B0604020202020204" pitchFamily="34" charset="0"/>
+              <a:buChar char="•"/>
+            </a:pPr>
+            <a:r>
+              <a:rPr lang="en-US" dirty="0"/>
+              <a:t>Silhouette Method</a:t>
+            </a:r>
+          </a:p>
+        </p:txBody>
+      </p:sp>
+    </p:spTree>
+    <p:extLst>
+      <p:ext uri="{BB962C8B-B14F-4D97-AF65-F5344CB8AC3E}">
+        <p14:creationId xmlns:p14="http://schemas.microsoft.com/office/powerpoint/2010/main" val="169952875"/>
+      </p:ext>
+    </p:extLst>
+  </p:cSld>
+  <p:clrMapOvr>
+    <a:masterClrMapping/>
+  </p:clrMapOvr>
+</p:sld>
+</file>
+
+<file path=ppt/slides/slide46.xml><?xml version="1.0" encoding="utf-8"?>
+<p:sld xmlns:a="http://schemas.openxmlformats.org/drawingml/2006/main" xmlns:r="http://schemas.openxmlformats.org/officeDocument/2006/relationships" xmlns:p="http://schemas.openxmlformats.org/presentationml/2006/main">
+  <p:cSld>
+    <p:spTree>
+      <p:nvGrpSpPr>
+        <p:cNvPr id="1" name=""/>
+        <p:cNvGrpSpPr/>
+        <p:nvPr/>
+      </p:nvGrpSpPr>
+      <p:grpSpPr>
+        <a:xfrm>
+          <a:off x="0" y="0"/>
+          <a:ext cx="0" cy="0"/>
+          <a:chOff x="0" y="0"/>
+          <a:chExt cx="0" cy="0"/>
+        </a:xfrm>
+      </p:grpSpPr>
+      <p:sp>
+        <p:nvSpPr>
+          <p:cNvPr id="2" name="Title 1">
+            <a:extLst>
+              <a:ext uri="{FF2B5EF4-FFF2-40B4-BE49-F238E27FC236}">
+                <a16:creationId xmlns:a16="http://schemas.microsoft.com/office/drawing/2014/main" id="{7CA9C9D1-003D-8F31-31BD-F995D634F366}"/>
+              </a:ext>
+            </a:extLst>
+          </p:cNvPr>
+          <p:cNvSpPr>
+            <a:spLocks noGrp="1"/>
+          </p:cNvSpPr>
+          <p:nvPr>
+            <p:ph type="title"/>
+          </p:nvPr>
+        </p:nvSpPr>
+        <p:spPr>
+          <a:xfrm>
+            <a:off x="2661395" y="486839"/>
+            <a:ext cx="6869207" cy="436526"/>
+          </a:xfrm>
+        </p:spPr>
+        <p:txBody>
+          <a:bodyPr>
+            <a:normAutofit/>
+          </a:bodyPr>
+          <a:lstStyle/>
+          <a:p>
+            <a:pPr algn="ctr"/>
+            <a:r>
+              <a:rPr lang="en-US" sz="2000" b="1" dirty="0"/>
+              <a:t>ELBOW Method</a:t>
+            </a:r>
+          </a:p>
+        </p:txBody>
+      </p:sp>
+      <p:sp>
+        <p:nvSpPr>
+          <p:cNvPr id="3" name="TextBox 2">
+            <a:extLst>
+              <a:ext uri="{FF2B5EF4-FFF2-40B4-BE49-F238E27FC236}">
+                <a16:creationId xmlns:a16="http://schemas.microsoft.com/office/drawing/2014/main" id="{C93EC21E-CC04-C537-F773-EB38286E579C}"/>
+              </a:ext>
+            </a:extLst>
+          </p:cNvPr>
+          <p:cNvSpPr txBox="1"/>
+          <p:nvPr/>
+        </p:nvSpPr>
+        <p:spPr>
+          <a:xfrm>
+            <a:off x="2619373" y="3674150"/>
+            <a:ext cx="9505950" cy="369332"/>
+          </a:xfrm>
+          <a:prstGeom prst="rect">
+            <a:avLst/>
+          </a:prstGeom>
+          <a:noFill/>
+        </p:spPr>
+        <p:txBody>
+          <a:bodyPr wrap="square">
+            <a:spAutoFit/>
+          </a:bodyPr>
+          <a:lstStyle/>
+          <a:p>
+            <a:pPr marL="285750" indent="-285750">
+              <a:buFont typeface="Arial" panose="020B0604020202020204" pitchFamily="34" charset="0"/>
+              <a:buChar char="•"/>
+            </a:pPr>
+            <a:endParaRPr lang="en-US" dirty="0"/>
+          </a:p>
+        </p:txBody>
+      </p:sp>
+      <p:sp>
+        <p:nvSpPr>
+          <p:cNvPr id="4" name="TextBox 3">
+            <a:extLst>
+              <a:ext uri="{FF2B5EF4-FFF2-40B4-BE49-F238E27FC236}">
+                <a16:creationId xmlns:a16="http://schemas.microsoft.com/office/drawing/2014/main" id="{40F091EF-D0A4-8147-FED8-82A4627F3806}"/>
+              </a:ext>
+            </a:extLst>
+          </p:cNvPr>
+          <p:cNvSpPr txBox="1"/>
+          <p:nvPr/>
+        </p:nvSpPr>
+        <p:spPr>
+          <a:xfrm>
+            <a:off x="1343021" y="6025837"/>
+            <a:ext cx="9505950" cy="523220"/>
+          </a:xfrm>
+          <a:prstGeom prst="rect">
+            <a:avLst/>
+          </a:prstGeom>
+          <a:noFill/>
+        </p:spPr>
+        <p:txBody>
+          <a:bodyPr wrap="square">
+            <a:spAutoFit/>
+          </a:bodyPr>
+          <a:lstStyle/>
+          <a:p>
+            <a:r>
+              <a:rPr lang="en-US" sz="1400" dirty="0"/>
+              <a:t>We observe that the suggested optimal k value is approximately 5. However, we don't have a very distinct elbow point in this case, but from our visualization indicating that the optimum value of k could be between 3 and 7.</a:t>
+            </a:r>
+          </a:p>
+        </p:txBody>
+      </p:sp>
+      <p:pic>
+        <p:nvPicPr>
+          <p:cNvPr id="1026" name="Picture 2">
+            <a:extLst>
+              <a:ext uri="{FF2B5EF4-FFF2-40B4-BE49-F238E27FC236}">
+                <a16:creationId xmlns:a16="http://schemas.microsoft.com/office/drawing/2014/main" id="{0751B4ED-EAC7-8E60-A8E0-2024F5C06A6E}"/>
+              </a:ext>
+            </a:extLst>
+          </p:cNvPr>
+          <p:cNvPicPr>
+            <a:picLocks noChangeAspect="1" noChangeArrowheads="1"/>
+          </p:cNvPicPr>
+          <p:nvPr/>
+        </p:nvPicPr>
+        <p:blipFill>
+          <a:blip r:embed="rId2">
+            <a:extLst>
+              <a:ext uri="{28A0092B-C50C-407E-A947-70E740481C1C}">
+                <a14:useLocalDpi xmlns:a14="http://schemas.microsoft.com/office/drawing/2010/main" val="0"/>
+              </a:ext>
+            </a:extLst>
+          </a:blip>
+          <a:srcRect/>
+          <a:stretch>
+            <a:fillRect/>
+          </a:stretch>
+        </p:blipFill>
+        <p:spPr bwMode="auto">
+          <a:xfrm>
+            <a:off x="1764500" y="2009436"/>
+            <a:ext cx="8662991" cy="4016401"/>
+          </a:xfrm>
+          <a:prstGeom prst="rect">
+            <a:avLst/>
+          </a:prstGeom>
+          <a:noFill/>
+          <a:extLst>
+            <a:ext uri="{909E8E84-426E-40DD-AFC4-6F175D3DCCD1}">
+              <a14:hiddenFill xmlns:a14="http://schemas.microsoft.com/office/drawing/2010/main">
+                <a:solidFill>
+                  <a:srgbClr val="FFFFFF"/>
+                </a:solidFill>
+              </a14:hiddenFill>
+            </a:ext>
+          </a:extLst>
+        </p:spPr>
+      </p:pic>
+      <p:sp>
+        <p:nvSpPr>
+          <p:cNvPr id="5" name="TextBox 4">
+            <a:extLst>
+              <a:ext uri="{FF2B5EF4-FFF2-40B4-BE49-F238E27FC236}">
+                <a16:creationId xmlns:a16="http://schemas.microsoft.com/office/drawing/2014/main" id="{85650819-C634-7D91-5949-638FC58ED1DA}"/>
+              </a:ext>
+            </a:extLst>
+          </p:cNvPr>
+          <p:cNvSpPr txBox="1"/>
+          <p:nvPr/>
+        </p:nvSpPr>
+        <p:spPr>
+          <a:xfrm>
+            <a:off x="1343020" y="1360544"/>
+            <a:ext cx="9505950" cy="369332"/>
+          </a:xfrm>
+          <a:prstGeom prst="rect">
+            <a:avLst/>
+          </a:prstGeom>
+          <a:noFill/>
+        </p:spPr>
+        <p:txBody>
+          <a:bodyPr wrap="square">
+            <a:spAutoFit/>
+          </a:bodyPr>
+          <a:lstStyle/>
+          <a:p>
+            <a:r>
+              <a:rPr lang="en-US" dirty="0"/>
+              <a:t>plotting the Within-Cluster Sum of Square (WCSS) or inertia against the number of clusters.</a:t>
+            </a:r>
+          </a:p>
+        </p:txBody>
+      </p:sp>
+    </p:spTree>
+    <p:extLst>
+      <p:ext uri="{BB962C8B-B14F-4D97-AF65-F5344CB8AC3E}">
+        <p14:creationId xmlns:p14="http://schemas.microsoft.com/office/powerpoint/2010/main" val="1792007173"/>
+      </p:ext>
+    </p:extLst>
+  </p:cSld>
+  <p:clrMapOvr>
+    <a:masterClrMapping/>
+  </p:clrMapOvr>
+</p:sld>
+</file>
+
+<file path=ppt/slides/slide47.xml><?xml version="1.0" encoding="utf-8"?>
+<p:sld xmlns:a="http://schemas.openxmlformats.org/drawingml/2006/main" xmlns:r="http://schemas.openxmlformats.org/officeDocument/2006/relationships" xmlns:p="http://schemas.openxmlformats.org/presentationml/2006/main">
+  <p:cSld>
+    <p:spTree>
+      <p:nvGrpSpPr>
+        <p:cNvPr id="1" name=""/>
+        <p:cNvGrpSpPr/>
+        <p:nvPr/>
+      </p:nvGrpSpPr>
+      <p:grpSpPr>
+        <a:xfrm>
+          <a:off x="0" y="0"/>
+          <a:ext cx="0" cy="0"/>
+          <a:chOff x="0" y="0"/>
+          <a:chExt cx="0" cy="0"/>
+        </a:xfrm>
+      </p:grpSpPr>
+      <p:sp>
+        <p:nvSpPr>
+          <p:cNvPr id="2" name="Title 1">
+            <a:extLst>
+              <a:ext uri="{FF2B5EF4-FFF2-40B4-BE49-F238E27FC236}">
+                <a16:creationId xmlns:a16="http://schemas.microsoft.com/office/drawing/2014/main" id="{7CA9C9D1-003D-8F31-31BD-F995D634F366}"/>
+              </a:ext>
+            </a:extLst>
+          </p:cNvPr>
+          <p:cNvSpPr>
+            <a:spLocks noGrp="1"/>
+          </p:cNvSpPr>
+          <p:nvPr>
+            <p:ph type="title"/>
+          </p:nvPr>
+        </p:nvSpPr>
+        <p:spPr>
+          <a:xfrm>
+            <a:off x="2661395" y="486839"/>
+            <a:ext cx="6869207" cy="436526"/>
+          </a:xfrm>
+        </p:spPr>
+        <p:txBody>
+          <a:bodyPr>
+            <a:normAutofit/>
+          </a:bodyPr>
+          <a:lstStyle/>
+          <a:p>
+            <a:pPr algn="ctr"/>
+            <a:r>
+              <a:rPr lang="en-US" sz="2000" b="1" dirty="0"/>
+              <a:t>Silhouette Method</a:t>
+            </a:r>
+          </a:p>
+        </p:txBody>
+      </p:sp>
+      <p:sp>
+        <p:nvSpPr>
+          <p:cNvPr id="3" name="TextBox 2">
+            <a:extLst>
+              <a:ext uri="{FF2B5EF4-FFF2-40B4-BE49-F238E27FC236}">
+                <a16:creationId xmlns:a16="http://schemas.microsoft.com/office/drawing/2014/main" id="{C93EC21E-CC04-C537-F773-EB38286E579C}"/>
+              </a:ext>
+            </a:extLst>
+          </p:cNvPr>
+          <p:cNvSpPr txBox="1"/>
+          <p:nvPr/>
+        </p:nvSpPr>
+        <p:spPr>
+          <a:xfrm>
+            <a:off x="1343023" y="1397675"/>
+            <a:ext cx="9505950" cy="1754326"/>
+          </a:xfrm>
+          <a:prstGeom prst="rect">
+            <a:avLst/>
+          </a:prstGeom>
+          <a:noFill/>
+        </p:spPr>
+        <p:txBody>
+          <a:bodyPr wrap="square">
+            <a:spAutoFit/>
+          </a:bodyPr>
+          <a:lstStyle/>
+          <a:p>
+            <a:pPr marL="285750" indent="-285750">
+              <a:buFont typeface="Arial" panose="020B0604020202020204" pitchFamily="34" charset="0"/>
+              <a:buChar char="•"/>
+            </a:pPr>
+            <a:r>
+              <a:rPr lang="en-US" dirty="0"/>
+              <a:t>Measures how similar an object is to its own cluster compared to other clusters.</a:t>
+            </a:r>
+          </a:p>
+          <a:p>
+            <a:pPr marL="285750" indent="-285750">
+              <a:buFont typeface="Arial" panose="020B0604020202020204" pitchFamily="34" charset="0"/>
+              <a:buChar char="•"/>
+            </a:pPr>
+            <a:endParaRPr lang="en-US" dirty="0"/>
+          </a:p>
+          <a:p>
+            <a:pPr marL="285750" indent="-285750">
+              <a:buFont typeface="Arial" panose="020B0604020202020204" pitchFamily="34" charset="0"/>
+              <a:buChar char="•"/>
+            </a:pPr>
+            <a:r>
+              <a:rPr lang="en-US" dirty="0"/>
+              <a:t>The score ranges from -1 to +1</a:t>
+            </a:r>
+          </a:p>
+          <a:p>
+            <a:pPr marL="742950" lvl="1" indent="-285750">
+              <a:buFont typeface="Arial" panose="020B0604020202020204" pitchFamily="34" charset="0"/>
+              <a:buChar char="•"/>
+            </a:pPr>
+            <a:r>
+              <a:rPr lang="en-US" dirty="0"/>
+              <a:t>high value indicates that the object is well matched to its own cluster, suggesting good clustering.</a:t>
+            </a:r>
+          </a:p>
+          <a:p>
+            <a:pPr marL="742950" lvl="1" indent="-285750">
+              <a:buFont typeface="Arial" panose="020B0604020202020204" pitchFamily="34" charset="0"/>
+              <a:buChar char="•"/>
+            </a:pPr>
+            <a:r>
+              <a:rPr lang="en-US" dirty="0"/>
+              <a:t>low value indicates that the object is differ to its own cluster, leading poor clustering.</a:t>
+            </a:r>
+          </a:p>
+        </p:txBody>
+      </p:sp>
+      <p:pic>
+        <p:nvPicPr>
+          <p:cNvPr id="6" name="Picture 5">
+            <a:extLst>
+              <a:ext uri="{FF2B5EF4-FFF2-40B4-BE49-F238E27FC236}">
+                <a16:creationId xmlns:a16="http://schemas.microsoft.com/office/drawing/2014/main" id="{9496A3F7-F20B-A9B0-31DD-E62059D449AC}"/>
+              </a:ext>
+            </a:extLst>
+          </p:cNvPr>
+          <p:cNvPicPr>
+            <a:picLocks noChangeAspect="1"/>
+          </p:cNvPicPr>
+          <p:nvPr/>
+        </p:nvPicPr>
+        <p:blipFill>
+          <a:blip r:embed="rId2"/>
+          <a:stretch>
+            <a:fillRect/>
+          </a:stretch>
+        </p:blipFill>
+        <p:spPr>
+          <a:xfrm>
+            <a:off x="671513" y="3418701"/>
+            <a:ext cx="10848973" cy="2728104"/>
+          </a:xfrm>
+          <a:prstGeom prst="rect">
+            <a:avLst/>
+          </a:prstGeom>
+        </p:spPr>
+      </p:pic>
+    </p:spTree>
+    <p:extLst>
+      <p:ext uri="{BB962C8B-B14F-4D97-AF65-F5344CB8AC3E}">
+        <p14:creationId xmlns:p14="http://schemas.microsoft.com/office/powerpoint/2010/main" val="2559875370"/>
+      </p:ext>
+    </p:extLst>
+  </p:cSld>
+  <p:clrMapOvr>
+    <a:masterClrMapping/>
+  </p:clrMapOvr>
+</p:sld>
+</file>
+
+<file path=ppt/slides/slide48.xml><?xml version="1.0" encoding="utf-8"?>
+<p:sld xmlns:a="http://schemas.openxmlformats.org/drawingml/2006/main" xmlns:r="http://schemas.openxmlformats.org/officeDocument/2006/relationships" xmlns:p="http://schemas.openxmlformats.org/presentationml/2006/main">
+  <p:cSld>
+    <p:spTree>
+      <p:nvGrpSpPr>
+        <p:cNvPr id="1" name=""/>
+        <p:cNvGrpSpPr/>
+        <p:nvPr/>
+      </p:nvGrpSpPr>
+      <p:grpSpPr>
+        <a:xfrm>
+          <a:off x="0" y="0"/>
+          <a:ext cx="0" cy="0"/>
+          <a:chOff x="0" y="0"/>
+          <a:chExt cx="0" cy="0"/>
+        </a:xfrm>
+      </p:grpSpPr>
+      <p:sp>
+        <p:nvSpPr>
+          <p:cNvPr id="2" name="Title 1">
+            <a:extLst>
+              <a:ext uri="{FF2B5EF4-FFF2-40B4-BE49-F238E27FC236}">
+                <a16:creationId xmlns:a16="http://schemas.microsoft.com/office/drawing/2014/main" id="{7CA9C9D1-003D-8F31-31BD-F995D634F366}"/>
+              </a:ext>
+            </a:extLst>
+          </p:cNvPr>
+          <p:cNvSpPr>
+            <a:spLocks noGrp="1"/>
+          </p:cNvSpPr>
+          <p:nvPr>
+            <p:ph type="title"/>
+          </p:nvPr>
+        </p:nvSpPr>
+        <p:spPr>
+          <a:xfrm>
+            <a:off x="2661396" y="254447"/>
+            <a:ext cx="6869207" cy="436526"/>
+          </a:xfrm>
+        </p:spPr>
+        <p:txBody>
+          <a:bodyPr>
+            <a:normAutofit/>
+          </a:bodyPr>
+          <a:lstStyle/>
+          <a:p>
+            <a:pPr algn="ctr"/>
+            <a:r>
+              <a:rPr lang="en-US" sz="2000" dirty="0"/>
+              <a:t>deeper analyze</a:t>
+            </a:r>
+          </a:p>
+        </p:txBody>
+      </p:sp>
+      <p:sp>
+        <p:nvSpPr>
+          <p:cNvPr id="7" name="TextBox 6">
+            <a:extLst>
+              <a:ext uri="{FF2B5EF4-FFF2-40B4-BE49-F238E27FC236}">
+                <a16:creationId xmlns:a16="http://schemas.microsoft.com/office/drawing/2014/main" id="{B8574EC0-BE90-F54C-B5BE-63AD3E67AD39}"/>
+              </a:ext>
+            </a:extLst>
+          </p:cNvPr>
+          <p:cNvSpPr txBox="1"/>
+          <p:nvPr/>
+        </p:nvSpPr>
+        <p:spPr>
+          <a:xfrm>
+            <a:off x="1343026" y="4691673"/>
+            <a:ext cx="9505950" cy="2246769"/>
+          </a:xfrm>
+          <a:prstGeom prst="rect">
+            <a:avLst/>
+          </a:prstGeom>
+          <a:noFill/>
+        </p:spPr>
+        <p:txBody>
+          <a:bodyPr wrap="square" rtlCol="0">
+            <a:spAutoFit/>
+          </a:bodyPr>
+          <a:lstStyle/>
+          <a:p>
+            <a:r>
+              <a:rPr lang="en-US" sz="1400" dirty="0"/>
+              <a:t>From this </a:t>
+            </a:r>
+            <a:r>
+              <a:rPr lang="en-US" sz="1400" dirty="0">
+                <a:solidFill>
+                  <a:srgbClr val="242424"/>
+                </a:solidFill>
+                <a:highlight>
+                  <a:srgbClr val="FFFFFF"/>
+                </a:highlight>
+                <a:latin typeface="source-serif-pro"/>
+              </a:rPr>
+              <a:t>s</a:t>
+            </a:r>
+            <a:r>
+              <a:rPr lang="en-US" sz="1400" b="0" i="0" dirty="0">
+                <a:solidFill>
+                  <a:srgbClr val="242424"/>
+                </a:solidFill>
+                <a:effectLst/>
+                <a:highlight>
+                  <a:srgbClr val="FFFFFF"/>
+                </a:highlight>
+                <a:latin typeface="source-serif-pro"/>
+              </a:rPr>
+              <a:t>ilhouette</a:t>
+            </a:r>
+            <a:r>
+              <a:rPr lang="en-US" sz="1400" dirty="0"/>
+              <a:t> plot, let analyst k=3 and k=4</a:t>
+            </a:r>
+          </a:p>
+          <a:p>
+            <a:endParaRPr lang="en-US" sz="1400" dirty="0"/>
+          </a:p>
+          <a:p>
+            <a:pPr marL="285750" indent="-285750">
+              <a:buFont typeface="Arial" panose="020B0604020202020204" pitchFamily="34" charset="0"/>
+              <a:buChar char="•"/>
+            </a:pPr>
+            <a:r>
+              <a:rPr lang="en-US" sz="1400" b="1" dirty="0"/>
+              <a:t>3 Clusters (k = 3)</a:t>
+            </a:r>
+            <a:r>
+              <a:rPr lang="en-US" sz="1400" dirty="0"/>
+              <a:t>: You have only one cluster with a silhouette score below the average. This indicates that most clusters (2 out of 3) are performing well.</a:t>
+            </a:r>
+          </a:p>
+          <a:p>
+            <a:endParaRPr lang="en-US" sz="1400" dirty="0"/>
+          </a:p>
+          <a:p>
+            <a:pPr marL="285750" indent="-285750">
+              <a:buFont typeface="Arial" panose="020B0604020202020204" pitchFamily="34" charset="0"/>
+              <a:buChar char="•"/>
+            </a:pPr>
+            <a:r>
+              <a:rPr lang="en-US" sz="1400" b="1" dirty="0"/>
+              <a:t>4 Clusters (k = 4) </a:t>
+            </a:r>
+            <a:r>
+              <a:rPr lang="en-US" sz="1400" dirty="0"/>
+              <a:t>: Here, two clusters have scores below the average. This suggests a less consistent clustering performance across the board, with a higher proportion of clusters (2 out of 4) not performing as well.</a:t>
+            </a:r>
+          </a:p>
+          <a:p>
+            <a:pPr marL="285750" indent="-285750">
+              <a:buFont typeface="Arial" panose="020B0604020202020204" pitchFamily="34" charset="0"/>
+              <a:buChar char="•"/>
+            </a:pPr>
+            <a:endParaRPr lang="en-US" sz="1400" dirty="0"/>
+          </a:p>
+          <a:p>
+            <a:r>
+              <a:rPr lang="en-US" sz="1400" dirty="0"/>
+              <a:t>Hence, we choose k = 3 as an optimal k</a:t>
+            </a:r>
+          </a:p>
+          <a:p>
+            <a:pPr marL="285750" indent="-285750">
+              <a:buFont typeface="Arial" panose="020B0604020202020204" pitchFamily="34" charset="0"/>
+              <a:buChar char="•"/>
+            </a:pPr>
+            <a:endParaRPr lang="en-US" sz="1400" dirty="0"/>
+          </a:p>
+        </p:txBody>
+      </p:sp>
+      <p:pic>
+        <p:nvPicPr>
+          <p:cNvPr id="9" name="Picture 8">
+            <a:extLst>
+              <a:ext uri="{FF2B5EF4-FFF2-40B4-BE49-F238E27FC236}">
+                <a16:creationId xmlns:a16="http://schemas.microsoft.com/office/drawing/2014/main" id="{1D0EC066-AC5B-2719-A24F-DB75F47C7EB3}"/>
+              </a:ext>
+            </a:extLst>
+          </p:cNvPr>
+          <p:cNvPicPr>
+            <a:picLocks noChangeAspect="1"/>
+          </p:cNvPicPr>
+          <p:nvPr/>
+        </p:nvPicPr>
+        <p:blipFill>
+          <a:blip r:embed="rId3"/>
+          <a:stretch>
+            <a:fillRect/>
+          </a:stretch>
+        </p:blipFill>
+        <p:spPr>
+          <a:xfrm>
+            <a:off x="2157206" y="712934"/>
+            <a:ext cx="7877585" cy="3956778"/>
+          </a:xfrm>
+          <a:prstGeom prst="rect">
+            <a:avLst/>
+          </a:prstGeom>
+        </p:spPr>
+      </p:pic>
+    </p:spTree>
+    <p:extLst>
+      <p:ext uri="{BB962C8B-B14F-4D97-AF65-F5344CB8AC3E}">
+        <p14:creationId xmlns:p14="http://schemas.microsoft.com/office/powerpoint/2010/main" val="2978264801"/>
+      </p:ext>
+    </p:extLst>
+  </p:cSld>
+  <p:clrMapOvr>
+    <a:masterClrMapping/>
+  </p:clrMapOvr>
+</p:sld>
+</file>
+
+<file path=ppt/slides/slide49.xml><?xml version="1.0" encoding="utf-8"?>
+<p:sld xmlns:a="http://schemas.openxmlformats.org/drawingml/2006/main" xmlns:r="http://schemas.openxmlformats.org/officeDocument/2006/relationships" xmlns:p="http://schemas.openxmlformats.org/presentationml/2006/main">
+  <p:cSld>
+    <p:spTree>
+      <p:nvGrpSpPr>
+        <p:cNvPr id="1" name=""/>
+        <p:cNvGrpSpPr/>
+        <p:nvPr/>
+      </p:nvGrpSpPr>
+      <p:grpSpPr>
+        <a:xfrm>
+          <a:off x="0" y="0"/>
+          <a:ext cx="0" cy="0"/>
+          <a:chOff x="0" y="0"/>
+          <a:chExt cx="0" cy="0"/>
+        </a:xfrm>
+      </p:grpSpPr>
+      <p:sp>
+        <p:nvSpPr>
+          <p:cNvPr id="2" name="Title 1">
+            <a:extLst>
+              <a:ext uri="{FF2B5EF4-FFF2-40B4-BE49-F238E27FC236}">
+                <a16:creationId xmlns:a16="http://schemas.microsoft.com/office/drawing/2014/main" id="{7CA9C9D1-003D-8F31-31BD-F995D634F366}"/>
+              </a:ext>
+            </a:extLst>
+          </p:cNvPr>
+          <p:cNvSpPr>
+            <a:spLocks noGrp="1"/>
+          </p:cNvSpPr>
+          <p:nvPr>
+            <p:ph type="title"/>
+          </p:nvPr>
+        </p:nvSpPr>
+        <p:spPr>
+          <a:xfrm>
+            <a:off x="2661396" y="254447"/>
+            <a:ext cx="6869207" cy="436526"/>
+          </a:xfrm>
+        </p:spPr>
+        <p:txBody>
+          <a:bodyPr>
+            <a:normAutofit/>
+          </a:bodyPr>
+          <a:lstStyle/>
+          <a:p>
+            <a:pPr algn="ctr"/>
+            <a:r>
+              <a:rPr lang="en-US" sz="2000" b="1" dirty="0"/>
+              <a:t>8.2 Clustering Model : K-means</a:t>
+            </a:r>
+          </a:p>
+        </p:txBody>
+      </p:sp>
+      <p:sp>
+        <p:nvSpPr>
+          <p:cNvPr id="7" name="TextBox 6">
+            <a:extLst>
+              <a:ext uri="{FF2B5EF4-FFF2-40B4-BE49-F238E27FC236}">
+                <a16:creationId xmlns:a16="http://schemas.microsoft.com/office/drawing/2014/main" id="{B8574EC0-BE90-F54C-B5BE-63AD3E67AD39}"/>
+              </a:ext>
+            </a:extLst>
+          </p:cNvPr>
+          <p:cNvSpPr txBox="1"/>
+          <p:nvPr/>
+        </p:nvSpPr>
+        <p:spPr>
+          <a:xfrm>
+            <a:off x="1343025" y="1338873"/>
+            <a:ext cx="9505950" cy="584775"/>
+          </a:xfrm>
+          <a:prstGeom prst="rect">
+            <a:avLst/>
+          </a:prstGeom>
+          <a:noFill/>
+        </p:spPr>
+        <p:txBody>
+          <a:bodyPr wrap="square" rtlCol="0">
+            <a:spAutoFit/>
+          </a:bodyPr>
+          <a:lstStyle/>
+          <a:p>
+            <a:pPr marL="285750" indent="-285750">
+              <a:buFont typeface="Arial" panose="020B0604020202020204" pitchFamily="34" charset="0"/>
+              <a:buChar char="•"/>
+            </a:pPr>
+            <a:r>
+              <a:rPr lang="en-US" sz="1600" dirty="0"/>
+              <a:t>After we get the optimal k from step 8.1, let’s build the clustering model.</a:t>
+            </a:r>
+          </a:p>
+          <a:p>
+            <a:pPr marL="285750" indent="-285750">
+              <a:buFont typeface="Arial" panose="020B0604020202020204" pitchFamily="34" charset="0"/>
+              <a:buChar char="•"/>
+            </a:pPr>
+            <a:r>
+              <a:rPr lang="en-US" sz="1600" dirty="0"/>
+              <a:t>Determine each customer is in what cluster.</a:t>
+            </a:r>
+          </a:p>
+        </p:txBody>
+      </p:sp>
+      <p:pic>
+        <p:nvPicPr>
+          <p:cNvPr id="4" name="Picture 3">
+            <a:extLst>
+              <a:ext uri="{FF2B5EF4-FFF2-40B4-BE49-F238E27FC236}">
+                <a16:creationId xmlns:a16="http://schemas.microsoft.com/office/drawing/2014/main" id="{E807CB96-CCDE-CDD0-D210-C82D03D9914E}"/>
+              </a:ext>
+            </a:extLst>
+          </p:cNvPr>
+          <p:cNvPicPr>
+            <a:picLocks noChangeAspect="1"/>
+          </p:cNvPicPr>
+          <p:nvPr/>
+        </p:nvPicPr>
+        <p:blipFill>
+          <a:blip r:embed="rId2"/>
+          <a:stretch>
+            <a:fillRect/>
+          </a:stretch>
+        </p:blipFill>
+        <p:spPr>
+          <a:xfrm>
+            <a:off x="518160" y="2423594"/>
+            <a:ext cx="10100842" cy="1819529"/>
+          </a:xfrm>
+          <a:prstGeom prst="rect">
+            <a:avLst/>
+          </a:prstGeom>
+        </p:spPr>
+      </p:pic>
+      <p:pic>
+        <p:nvPicPr>
+          <p:cNvPr id="6" name="Picture 5">
+            <a:extLst>
+              <a:ext uri="{FF2B5EF4-FFF2-40B4-BE49-F238E27FC236}">
+                <a16:creationId xmlns:a16="http://schemas.microsoft.com/office/drawing/2014/main" id="{B314DE38-CF8F-1D8B-562D-2E9C8BECB8A2}"/>
+              </a:ext>
+            </a:extLst>
+          </p:cNvPr>
+          <p:cNvPicPr>
+            <a:picLocks noChangeAspect="1"/>
+          </p:cNvPicPr>
+          <p:nvPr/>
+        </p:nvPicPr>
+        <p:blipFill>
+          <a:blip r:embed="rId3"/>
+          <a:stretch>
+            <a:fillRect/>
+          </a:stretch>
+        </p:blipFill>
+        <p:spPr>
+          <a:xfrm>
+            <a:off x="8792950" y="2423595"/>
+            <a:ext cx="3038899" cy="1819529"/>
+          </a:xfrm>
+          <a:prstGeom prst="rect">
+            <a:avLst/>
+          </a:prstGeom>
+        </p:spPr>
+      </p:pic>
+      <p:sp>
+        <p:nvSpPr>
+          <p:cNvPr id="8" name="TextBox 7">
+            <a:extLst>
+              <a:ext uri="{FF2B5EF4-FFF2-40B4-BE49-F238E27FC236}">
+                <a16:creationId xmlns:a16="http://schemas.microsoft.com/office/drawing/2014/main" id="{8A7EF287-8E9C-866B-01E8-BD4528B82C06}"/>
+              </a:ext>
+            </a:extLst>
+          </p:cNvPr>
+          <p:cNvSpPr txBox="1"/>
+          <p:nvPr/>
+        </p:nvSpPr>
+        <p:spPr>
+          <a:xfrm>
+            <a:off x="8792950" y="3274814"/>
+            <a:ext cx="367408" cy="369332"/>
+          </a:xfrm>
+          <a:prstGeom prst="rect">
+            <a:avLst/>
+          </a:prstGeom>
+          <a:noFill/>
+        </p:spPr>
+        <p:txBody>
+          <a:bodyPr wrap="none" rtlCol="0">
+            <a:spAutoFit/>
+          </a:bodyPr>
+          <a:lstStyle/>
+          <a:p>
+            <a:r>
+              <a:rPr lang="en-US" b="1" dirty="0">
+                <a:solidFill>
+                  <a:srgbClr val="FF0000"/>
+                </a:solidFill>
+              </a:rPr>
+              <a:t>…</a:t>
+            </a:r>
+          </a:p>
+        </p:txBody>
+      </p:sp>
+    </p:spTree>
+    <p:extLst>
+      <p:ext uri="{BB962C8B-B14F-4D97-AF65-F5344CB8AC3E}">
+        <p14:creationId xmlns:p14="http://schemas.microsoft.com/office/powerpoint/2010/main" val="2408567914"/>
       </p:ext>
     </p:extLst>
   </p:cSld>
@@ -22119,7 +27569,7 @@
                   <a:schemeClr val="tx1"/>
                 </a:solidFill>
               </a:rPr>
-              <a:t>CORRELATION ANALYSIS	</a:t>
+              <a:t>CORRELATION ANALYSIS</a:t>
             </a:r>
           </a:p>
           <a:p>
@@ -23097,35 +28547,6 @@
 </file>
 
 <file path=customXml/item1.xml><?xml version="1.0" encoding="utf-8"?>
-<p:properties xmlns:p="http://schemas.microsoft.com/office/2006/metadata/properties" xmlns:xsi="http://www.w3.org/2001/XMLSchema-instance" xmlns:pc="http://schemas.microsoft.com/office/infopath/2007/PartnerControls">
-  <documentManagement>
-    <_ip_UnifiedCompliancePolicyUIAction xmlns="http://schemas.microsoft.com/sharepoint/v3" xsi:nil="true"/>
-    <Image xmlns="71af3243-3dd4-4a8d-8c0d-dd76da1f02a5">
-      <Url xsi:nil="true"/>
-      <Description xsi:nil="true"/>
-    </Image>
-    <Status xmlns="71af3243-3dd4-4a8d-8c0d-dd76da1f02a5">Not started</Status>
-    <Background xmlns="71af3243-3dd4-4a8d-8c0d-dd76da1f02a5">false</Background>
-    <_ip_UnifiedCompliancePolicyProperties xmlns="http://schemas.microsoft.com/sharepoint/v3" xsi:nil="true"/>
-    <ImageTagsTaxHTField xmlns="71af3243-3dd4-4a8d-8c0d-dd76da1f02a5">
-      <Terms xmlns="http://schemas.microsoft.com/office/infopath/2007/PartnerControls"/>
-    </ImageTagsTaxHTField>
-    <TaxCatchAll xmlns="230e9df3-be65-4c73-a93b-d1236ebd677e" xsi:nil="true"/>
-    <MediaServiceKeyPoints xmlns="71af3243-3dd4-4a8d-8c0d-dd76da1f02a5" xsi:nil="true"/>
-  </documentManagement>
-</p:properties>
-</file>
-
-<file path=customXml/item2.xml><?xml version="1.0" encoding="utf-8"?>
-<?mso-contentType ?>
-<FormTemplates xmlns="http://schemas.microsoft.com/sharepoint/v3/contenttype/forms">
-  <Display>DocumentLibraryForm</Display>
-  <Edit>DocumentLibraryForm</Edit>
-  <New>DocumentLibraryForm</New>
-</FormTemplates>
-</file>
-
-<file path=customXml/item3.xml><?xml version="1.0" encoding="utf-8"?>
 <ct:contentTypeSchema xmlns:ct="http://schemas.microsoft.com/office/2006/metadata/contentType" xmlns:ma="http://schemas.microsoft.com/office/2006/metadata/properties/metaAttributes" ct:_="" ma:_="" ma:contentTypeName="Document" ma:contentTypeID="0x01010079F111ED35F8CC479449609E8A0923A6" ma:contentTypeVersion="27" ma:contentTypeDescription="Create a new document." ma:contentTypeScope="" ma:versionID="c6f9a84f66a9c8b9a21755b9ffafb945">
   <xsd:schema xmlns:xsd="http://www.w3.org/2001/XMLSchema" xmlns:xs="http://www.w3.org/2001/XMLSchema" xmlns:p="http://schemas.microsoft.com/office/2006/metadata/properties" xmlns:ns1="http://schemas.microsoft.com/sharepoint/v3" xmlns:ns2="71af3243-3dd4-4a8d-8c0d-dd76da1f02a5" xmlns:ns3="16c05727-aa75-4e4a-9b5f-8a80a1165891" xmlns:ns4="230e9df3-be65-4c73-a93b-d1236ebd677e" targetNamespace="http://schemas.microsoft.com/office/2006/metadata/properties" ma:root="true" ma:fieldsID="27df39e3e7036dff54f89ddd5805ce72" ns1:_="" ns2:_="" ns3:_="" ns4:_="">
     <xsd:import namespace="http://schemas.microsoft.com/sharepoint/v3"/>
@@ -23431,27 +28852,36 @@
 </ct:contentTypeSchema>
 </file>
 
-<file path=customXml/itemProps1.xml><?xml version="1.0" encoding="utf-8"?>
-<ds:datastoreItem xmlns:ds="http://schemas.openxmlformats.org/officeDocument/2006/customXml" ds:itemID="{BEFFFA3F-0FB5-4ED3-8906-A15B16577F44}">
-  <ds:schemaRefs>
-    <ds:schemaRef ds:uri="http://schemas.microsoft.com/office/2006/metadata/properties"/>
-    <ds:schemaRef ds:uri="http://schemas.microsoft.com/office/infopath/2007/PartnerControls"/>
-    <ds:schemaRef ds:uri="http://schemas.microsoft.com/sharepoint/v3"/>
-    <ds:schemaRef ds:uri="71af3243-3dd4-4a8d-8c0d-dd76da1f02a5"/>
-    <ds:schemaRef ds:uri="230e9df3-be65-4c73-a93b-d1236ebd677e"/>
-  </ds:schemaRefs>
-</ds:datastoreItem>
+<file path=customXml/item2.xml><?xml version="1.0" encoding="utf-8"?>
+<?mso-contentType ?>
+<FormTemplates xmlns="http://schemas.microsoft.com/sharepoint/v3/contenttype/forms">
+  <Display>DocumentLibraryForm</Display>
+  <Edit>DocumentLibraryForm</Edit>
+  <New>DocumentLibraryForm</New>
+</FormTemplates>
 </file>
 
-<file path=customXml/itemProps2.xml><?xml version="1.0" encoding="utf-8"?>
-<ds:datastoreItem xmlns:ds="http://schemas.openxmlformats.org/officeDocument/2006/customXml" ds:itemID="{6966C46A-DC57-4209-80CD-9FE6C93151FF}">
-  <ds:schemaRefs>
-    <ds:schemaRef ds:uri="http://schemas.microsoft.com/sharepoint/v3/contenttype/forms"/>
-  </ds:schemaRefs>
-</ds:datastoreItem>
+<file path=customXml/item3.xml><?xml version="1.0" encoding="utf-8"?>
+<p:properties xmlns:p="http://schemas.microsoft.com/office/2006/metadata/properties" xmlns:xsi="http://www.w3.org/2001/XMLSchema-instance" xmlns:pc="http://schemas.microsoft.com/office/infopath/2007/PartnerControls">
+  <documentManagement>
+    <_ip_UnifiedCompliancePolicyUIAction xmlns="http://schemas.microsoft.com/sharepoint/v3" xsi:nil="true"/>
+    <Image xmlns="71af3243-3dd4-4a8d-8c0d-dd76da1f02a5">
+      <Url xsi:nil="true"/>
+      <Description xsi:nil="true"/>
+    </Image>
+    <Status xmlns="71af3243-3dd4-4a8d-8c0d-dd76da1f02a5">Not started</Status>
+    <Background xmlns="71af3243-3dd4-4a8d-8c0d-dd76da1f02a5">false</Background>
+    <_ip_UnifiedCompliancePolicyProperties xmlns="http://schemas.microsoft.com/sharepoint/v3" xsi:nil="true"/>
+    <ImageTagsTaxHTField xmlns="71af3243-3dd4-4a8d-8c0d-dd76da1f02a5">
+      <Terms xmlns="http://schemas.microsoft.com/office/infopath/2007/PartnerControls"/>
+    </ImageTagsTaxHTField>
+    <TaxCatchAll xmlns="230e9df3-be65-4c73-a93b-d1236ebd677e" xsi:nil="true"/>
+    <MediaServiceKeyPoints xmlns="71af3243-3dd4-4a8d-8c0d-dd76da1f02a5" xsi:nil="true"/>
+  </documentManagement>
+</p:properties>
 </file>
 
-<file path=customXml/itemProps3.xml><?xml version="1.0" encoding="utf-8"?>
+<file path=customXml/itemProps1.xml><?xml version="1.0" encoding="utf-8"?>
 <ds:datastoreItem xmlns:ds="http://schemas.openxmlformats.org/officeDocument/2006/customXml" ds:itemID="{4E18436D-DA32-4E27-AC64-8FFEDA5218F9}">
   <ds:schemaRefs>
     <ds:schemaRef ds:uri="http://schemas.microsoft.com/office/2006/metadata/contentType"/>
@@ -23472,6 +28902,26 @@
 </ds:datastoreItem>
 </file>
 
+<file path=customXml/itemProps2.xml><?xml version="1.0" encoding="utf-8"?>
+<ds:datastoreItem xmlns:ds="http://schemas.openxmlformats.org/officeDocument/2006/customXml" ds:itemID="{6966C46A-DC57-4209-80CD-9FE6C93151FF}">
+  <ds:schemaRefs>
+    <ds:schemaRef ds:uri="http://schemas.microsoft.com/sharepoint/v3/contenttype/forms"/>
+  </ds:schemaRefs>
+</ds:datastoreItem>
+</file>
+
+<file path=customXml/itemProps3.xml><?xml version="1.0" encoding="utf-8"?>
+<ds:datastoreItem xmlns:ds="http://schemas.openxmlformats.org/officeDocument/2006/customXml" ds:itemID="{BEFFFA3F-0FB5-4ED3-8906-A15B16577F44}">
+  <ds:schemaRefs>
+    <ds:schemaRef ds:uri="http://schemas.microsoft.com/office/2006/metadata/properties"/>
+    <ds:schemaRef ds:uri="http://schemas.microsoft.com/office/infopath/2007/PartnerControls"/>
+    <ds:schemaRef ds:uri="http://schemas.microsoft.com/sharepoint/v3"/>
+    <ds:schemaRef ds:uri="71af3243-3dd4-4a8d-8c0d-dd76da1f02a5"/>
+    <ds:schemaRef ds:uri="230e9df3-be65-4c73-a93b-d1236ebd677e"/>
+  </ds:schemaRefs>
+</ds:datastoreItem>
+</file>
+
 <file path=docMetadata/LabelInfo.xml><?xml version="1.0" encoding="utf-8"?>
 <clbl:labelList xmlns:clbl="http://schemas.microsoft.com/office/2020/mipLabelMetadata"/>
 </file>
--- a/CUSTOMER PRODUCT RECOMMENDATION SYSTEM.pptx
+++ b/CUSTOMER PRODUCT RECOMMENDATION SYSTEM.pptx
@@ -5,10 +5,10 @@
     <p:sldMasterId id="2147483666" r:id="rId4"/>
   </p:sldMasterIdLst>
   <p:notesMasterIdLst>
-    <p:notesMasterId r:id="rId54"/>
+    <p:notesMasterId r:id="rId63"/>
   </p:notesMasterIdLst>
   <p:handoutMasterIdLst>
-    <p:handoutMasterId r:id="rId55"/>
+    <p:handoutMasterId r:id="rId64"/>
   </p:handoutMasterIdLst>
   <p:sldIdLst>
     <p:sldId id="256" r:id="rId5"/>
@@ -60,6 +60,15 @@
     <p:sldId id="304" r:id="rId51"/>
     <p:sldId id="305" r:id="rId52"/>
     <p:sldId id="306" r:id="rId53"/>
+    <p:sldId id="307" r:id="rId54"/>
+    <p:sldId id="308" r:id="rId55"/>
+    <p:sldId id="309" r:id="rId56"/>
+    <p:sldId id="310" r:id="rId57"/>
+    <p:sldId id="311" r:id="rId58"/>
+    <p:sldId id="312" r:id="rId59"/>
+    <p:sldId id="313" r:id="rId60"/>
+    <p:sldId id="314" r:id="rId61"/>
+    <p:sldId id="315" r:id="rId62"/>
   </p:sldIdLst>
   <p:sldSz cx="12192000" cy="6858000"/>
   <p:notesSz cx="6858000" cy="9144000"/>
@@ -286,7 +295,7 @@
           <a:p>
             <a:fld id="{F352A77B-D33C-49B3-A83C-450AA2ED72B3}" type="datetimeFigureOut">
               <a:rPr lang="en-US" smtClean="0"/>
-              <a:t>5/13/2024</a:t>
+              <a:t>5/17/2024</a:t>
             </a:fld>
             <a:endParaRPr lang="en-US" dirty="0"/>
           </a:p>
@@ -575,7 +584,7 @@
           <a:p>
             <a:fld id="{E38D8F9A-F5CB-4EF8-A859-ED5E107B9763}" type="datetimeFigureOut">
               <a:rPr lang="en-US" smtClean="0"/>
-              <a:t>5/13/2024</a:t>
+              <a:t>5/17/2024</a:t>
             </a:fld>
             <a:endParaRPr lang="en-US" dirty="0"/>
           </a:p>
@@ -26579,6 +26588,2793 @@
     <p:extLst>
       <p:ext uri="{BB962C8B-B14F-4D97-AF65-F5344CB8AC3E}">
         <p14:creationId xmlns:p14="http://schemas.microsoft.com/office/powerpoint/2010/main" val="2978692758"/>
+      </p:ext>
+    </p:extLst>
+  </p:cSld>
+  <p:clrMapOvr>
+    <a:masterClrMapping/>
+  </p:clrMapOvr>
+</p:sld>
+</file>
+
+<file path=ppt/slides/slide50.xml><?xml version="1.0" encoding="utf-8"?>
+<p:sld xmlns:a="http://schemas.openxmlformats.org/drawingml/2006/main" xmlns:r="http://schemas.openxmlformats.org/officeDocument/2006/relationships" xmlns:p="http://schemas.openxmlformats.org/presentationml/2006/main">
+  <p:cSld>
+    <p:spTree>
+      <p:nvGrpSpPr>
+        <p:cNvPr id="1" name=""/>
+        <p:cNvGrpSpPr/>
+        <p:nvPr/>
+      </p:nvGrpSpPr>
+      <p:grpSpPr>
+        <a:xfrm>
+          <a:off x="0" y="0"/>
+          <a:ext cx="0" cy="0"/>
+          <a:chOff x="0" y="0"/>
+          <a:chExt cx="0" cy="0"/>
+        </a:xfrm>
+      </p:grpSpPr>
+      <p:sp>
+        <p:nvSpPr>
+          <p:cNvPr id="2" name="Title 1">
+            <a:extLst>
+              <a:ext uri="{FF2B5EF4-FFF2-40B4-BE49-F238E27FC236}">
+                <a16:creationId xmlns:a16="http://schemas.microsoft.com/office/drawing/2014/main" id="{1CF50F63-F3AC-DA2D-7146-5BAF73CA085E}"/>
+              </a:ext>
+            </a:extLst>
+          </p:cNvPr>
+          <p:cNvSpPr>
+            <a:spLocks noGrp="1"/>
+          </p:cNvSpPr>
+          <p:nvPr>
+            <p:ph type="title"/>
+          </p:nvPr>
+        </p:nvSpPr>
+        <p:spPr>
+          <a:xfrm>
+            <a:off x="1629334" y="2478180"/>
+            <a:ext cx="4807325" cy="497541"/>
+          </a:xfrm>
+        </p:spPr>
+        <p:txBody>
+          <a:bodyPr>
+            <a:normAutofit fontScale="90000"/>
+          </a:bodyPr>
+          <a:lstStyle/>
+          <a:p>
+            <a:r>
+              <a:rPr lang="en-US" dirty="0"/>
+              <a:t>MODEL EVALUATION</a:t>
+            </a:r>
+            <a:br>
+              <a:rPr lang="en-US" dirty="0"/>
+            </a:br>
+            <a:endParaRPr lang="en-US" dirty="0"/>
+          </a:p>
+        </p:txBody>
+      </p:sp>
+      <p:sp>
+        <p:nvSpPr>
+          <p:cNvPr id="7" name="Content Placeholder 2">
+            <a:extLst>
+              <a:ext uri="{FF2B5EF4-FFF2-40B4-BE49-F238E27FC236}">
+                <a16:creationId xmlns:a16="http://schemas.microsoft.com/office/drawing/2014/main" id="{D2FC17DA-C447-E41A-528B-BA2A3111768B}"/>
+              </a:ext>
+            </a:extLst>
+          </p:cNvPr>
+          <p:cNvSpPr txBox="1">
+            <a:spLocks/>
+          </p:cNvSpPr>
+          <p:nvPr/>
+        </p:nvSpPr>
+        <p:spPr>
+          <a:xfrm>
+            <a:off x="6720167" y="1192379"/>
+            <a:ext cx="4138334" cy="4985833"/>
+          </a:xfrm>
+          <a:prstGeom prst="rect">
+            <a:avLst/>
+          </a:prstGeom>
+        </p:spPr>
+        <p:txBody>
+          <a:bodyPr vert="horz" lIns="91440" tIns="45720" rIns="91440" bIns="45720" rtlCol="0">
+            <a:normAutofit/>
+          </a:bodyPr>
+          <a:lstStyle>
+            <a:lvl1pPr marL="0" indent="0" algn="l" defTabSz="914400" rtl="0" eaLnBrk="1" latinLnBrk="0" hangingPunct="1">
+              <a:lnSpc>
+                <a:spcPct val="120000"/>
+              </a:lnSpc>
+              <a:spcBef>
+                <a:spcPts val="1000"/>
+              </a:spcBef>
+              <a:buFont typeface="Arial" panose="020B0604020202020204" pitchFamily="34" charset="0"/>
+              <a:buNone/>
+              <a:defRPr sz="1400" kern="1200">
+                <a:solidFill>
+                  <a:schemeClr val="tx1">
+                    <a:lumMod val="75000"/>
+                    <a:lumOff val="25000"/>
+                  </a:schemeClr>
+                </a:solidFill>
+                <a:latin typeface="+mn-lt"/>
+                <a:ea typeface="+mn-ea"/>
+                <a:cs typeface="+mn-cs"/>
+              </a:defRPr>
+            </a:lvl1pPr>
+            <a:lvl2pPr marL="457200" indent="0" algn="l" defTabSz="914400" rtl="0" eaLnBrk="1" latinLnBrk="0" hangingPunct="1">
+              <a:lnSpc>
+                <a:spcPct val="120000"/>
+              </a:lnSpc>
+              <a:spcBef>
+                <a:spcPts val="1000"/>
+              </a:spcBef>
+              <a:buFont typeface="Arial" panose="020B0604020202020204" pitchFamily="34" charset="0"/>
+              <a:buNone/>
+              <a:defRPr sz="1400" kern="1200">
+                <a:solidFill>
+                  <a:schemeClr val="tx1">
+                    <a:lumMod val="75000"/>
+                    <a:lumOff val="25000"/>
+                  </a:schemeClr>
+                </a:solidFill>
+                <a:latin typeface="+mn-lt"/>
+                <a:ea typeface="+mn-ea"/>
+                <a:cs typeface="+mn-cs"/>
+              </a:defRPr>
+            </a:lvl2pPr>
+            <a:lvl3pPr marL="914400" indent="0" algn="l" defTabSz="914400" rtl="0" eaLnBrk="1" latinLnBrk="0" hangingPunct="1">
+              <a:lnSpc>
+                <a:spcPct val="120000"/>
+              </a:lnSpc>
+              <a:spcBef>
+                <a:spcPts val="1000"/>
+              </a:spcBef>
+              <a:buFont typeface="Arial" panose="020B0604020202020204" pitchFamily="34" charset="0"/>
+              <a:buNone/>
+              <a:defRPr sz="1400" kern="1200">
+                <a:solidFill>
+                  <a:schemeClr val="tx1">
+                    <a:lumMod val="75000"/>
+                    <a:lumOff val="25000"/>
+                  </a:schemeClr>
+                </a:solidFill>
+                <a:latin typeface="+mn-lt"/>
+                <a:ea typeface="+mn-ea"/>
+                <a:cs typeface="+mn-cs"/>
+              </a:defRPr>
+            </a:lvl3pPr>
+            <a:lvl4pPr marL="1371600" indent="0" algn="l" defTabSz="914400" rtl="0" eaLnBrk="1" latinLnBrk="0" hangingPunct="1">
+              <a:lnSpc>
+                <a:spcPct val="120000"/>
+              </a:lnSpc>
+              <a:spcBef>
+                <a:spcPts val="1000"/>
+              </a:spcBef>
+              <a:buFont typeface="Arial" panose="020B0604020202020204" pitchFamily="34" charset="0"/>
+              <a:buNone/>
+              <a:defRPr sz="1400" kern="1200">
+                <a:solidFill>
+                  <a:schemeClr val="tx1">
+                    <a:lumMod val="75000"/>
+                    <a:lumOff val="25000"/>
+                  </a:schemeClr>
+                </a:solidFill>
+                <a:latin typeface="+mn-lt"/>
+                <a:ea typeface="+mn-ea"/>
+                <a:cs typeface="+mn-cs"/>
+              </a:defRPr>
+            </a:lvl4pPr>
+            <a:lvl5pPr marL="1828800" indent="0" algn="l" defTabSz="914400" rtl="0" eaLnBrk="1" latinLnBrk="0" hangingPunct="1">
+              <a:lnSpc>
+                <a:spcPct val="120000"/>
+              </a:lnSpc>
+              <a:spcBef>
+                <a:spcPts val="1000"/>
+              </a:spcBef>
+              <a:buFont typeface="Arial" panose="020B0604020202020204" pitchFamily="34" charset="0"/>
+              <a:buNone/>
+              <a:defRPr sz="1400" kern="1200">
+                <a:solidFill>
+                  <a:schemeClr val="tx1">
+                    <a:lumMod val="75000"/>
+                    <a:lumOff val="25000"/>
+                  </a:schemeClr>
+                </a:solidFill>
+                <a:latin typeface="+mn-lt"/>
+                <a:ea typeface="+mn-ea"/>
+                <a:cs typeface="+mn-cs"/>
+              </a:defRPr>
+            </a:lvl5pPr>
+            <a:lvl6pPr marL="2514600" indent="-228600" algn="l" defTabSz="914400" rtl="0" eaLnBrk="1" latinLnBrk="0" hangingPunct="1">
+              <a:lnSpc>
+                <a:spcPct val="90000"/>
+              </a:lnSpc>
+              <a:spcBef>
+                <a:spcPts val="500"/>
+              </a:spcBef>
+              <a:buFont typeface="Arial" panose="020B0604020202020204" pitchFamily="34" charset="0"/>
+              <a:buChar char="•"/>
+              <a:defRPr sz="1800" kern="1200">
+                <a:solidFill>
+                  <a:schemeClr val="tx1"/>
+                </a:solidFill>
+                <a:latin typeface="+mn-lt"/>
+                <a:ea typeface="+mn-ea"/>
+                <a:cs typeface="+mn-cs"/>
+              </a:defRPr>
+            </a:lvl6pPr>
+            <a:lvl7pPr marL="2971800" indent="-228600" algn="l" defTabSz="914400" rtl="0" eaLnBrk="1" latinLnBrk="0" hangingPunct="1">
+              <a:lnSpc>
+                <a:spcPct val="90000"/>
+              </a:lnSpc>
+              <a:spcBef>
+                <a:spcPts val="500"/>
+              </a:spcBef>
+              <a:buFont typeface="Arial" panose="020B0604020202020204" pitchFamily="34" charset="0"/>
+              <a:buChar char="•"/>
+              <a:defRPr sz="1800" kern="1200">
+                <a:solidFill>
+                  <a:schemeClr val="tx1"/>
+                </a:solidFill>
+                <a:latin typeface="+mn-lt"/>
+                <a:ea typeface="+mn-ea"/>
+                <a:cs typeface="+mn-cs"/>
+              </a:defRPr>
+            </a:lvl7pPr>
+            <a:lvl8pPr marL="3429000" indent="-228600" algn="l" defTabSz="914400" rtl="0" eaLnBrk="1" latinLnBrk="0" hangingPunct="1">
+              <a:lnSpc>
+                <a:spcPct val="90000"/>
+              </a:lnSpc>
+              <a:spcBef>
+                <a:spcPts val="500"/>
+              </a:spcBef>
+              <a:buFont typeface="Arial" panose="020B0604020202020204" pitchFamily="34" charset="0"/>
+              <a:buChar char="•"/>
+              <a:defRPr sz="1800" kern="1200">
+                <a:solidFill>
+                  <a:schemeClr val="tx1"/>
+                </a:solidFill>
+                <a:latin typeface="+mn-lt"/>
+                <a:ea typeface="+mn-ea"/>
+                <a:cs typeface="+mn-cs"/>
+              </a:defRPr>
+            </a:lvl8pPr>
+            <a:lvl9pPr marL="3886200" indent="-228600" algn="l" defTabSz="914400" rtl="0" eaLnBrk="1" latinLnBrk="0" hangingPunct="1">
+              <a:lnSpc>
+                <a:spcPct val="90000"/>
+              </a:lnSpc>
+              <a:spcBef>
+                <a:spcPts val="500"/>
+              </a:spcBef>
+              <a:buFont typeface="Arial" panose="020B0604020202020204" pitchFamily="34" charset="0"/>
+              <a:buChar char="•"/>
+              <a:defRPr sz="1800" kern="1200">
+                <a:solidFill>
+                  <a:schemeClr val="tx1"/>
+                </a:solidFill>
+                <a:latin typeface="+mn-lt"/>
+                <a:ea typeface="+mn-ea"/>
+                <a:cs typeface="+mn-cs"/>
+              </a:defRPr>
+            </a:lvl9pPr>
+          </a:lstStyle>
+          <a:p>
+            <a:pPr marL="342900" indent="-342900">
+              <a:buFont typeface="Arial" panose="020B0604020202020204" pitchFamily="34" charset="0"/>
+              <a:buAutoNum type="arabicPeriod"/>
+            </a:pPr>
+            <a:r>
+              <a:rPr lang="en-US" sz="1800" dirty="0">
+                <a:solidFill>
+                  <a:schemeClr val="tx1"/>
+                </a:solidFill>
+              </a:rPr>
+              <a:t>INTRODUCTION</a:t>
+            </a:r>
+          </a:p>
+          <a:p>
+            <a:pPr marL="342900" indent="-342900">
+              <a:buFont typeface="Arial" panose="020B0604020202020204" pitchFamily="34" charset="0"/>
+              <a:buAutoNum type="arabicPeriod"/>
+            </a:pPr>
+            <a:r>
+              <a:rPr lang="en-US" sz="1800" dirty="0">
+                <a:solidFill>
+                  <a:schemeClr val="tx1"/>
+                </a:solidFill>
+              </a:rPr>
+              <a:t>DATASET OVERVIEW</a:t>
+            </a:r>
+          </a:p>
+          <a:p>
+            <a:pPr marL="342900" indent="-342900">
+              <a:buFont typeface="Arial" panose="020B0604020202020204" pitchFamily="34" charset="0"/>
+              <a:buAutoNum type="arabicPeriod"/>
+            </a:pPr>
+            <a:r>
+              <a:rPr lang="en-US" sz="1800" dirty="0">
+                <a:solidFill>
+                  <a:schemeClr val="tx1"/>
+                </a:solidFill>
+              </a:rPr>
+              <a:t>EXPLORE DATA</a:t>
+            </a:r>
+          </a:p>
+          <a:p>
+            <a:pPr marL="342900" indent="-342900">
+              <a:buFont typeface="Arial" panose="020B0604020202020204" pitchFamily="34" charset="0"/>
+              <a:buAutoNum type="arabicPeriod"/>
+            </a:pPr>
+            <a:r>
+              <a:rPr lang="en-US" sz="1800" dirty="0">
+                <a:solidFill>
+                  <a:schemeClr val="tx1"/>
+                </a:solidFill>
+              </a:rPr>
+              <a:t>DATA PREPROCESSING</a:t>
+            </a:r>
+          </a:p>
+          <a:p>
+            <a:pPr marL="342900" indent="-342900">
+              <a:buFont typeface="Arial" panose="020B0604020202020204" pitchFamily="34" charset="0"/>
+              <a:buAutoNum type="arabicPeriod"/>
+            </a:pPr>
+            <a:r>
+              <a:rPr lang="en-US" sz="1800" dirty="0">
+                <a:solidFill>
+                  <a:schemeClr val="tx1"/>
+                </a:solidFill>
+              </a:rPr>
+              <a:t>FEATURE ENGINEERING</a:t>
+            </a:r>
+          </a:p>
+          <a:p>
+            <a:pPr marL="342900" indent="-342900">
+              <a:buFont typeface="Arial" panose="020B0604020202020204" pitchFamily="34" charset="0"/>
+              <a:buAutoNum type="arabicPeriod"/>
+            </a:pPr>
+            <a:r>
+              <a:rPr lang="en-US" sz="1800" dirty="0">
+                <a:solidFill>
+                  <a:schemeClr val="tx1"/>
+                </a:solidFill>
+              </a:rPr>
+              <a:t>CORRELATION ANALYSIS	</a:t>
+            </a:r>
+          </a:p>
+          <a:p>
+            <a:pPr marL="342900" indent="-342900">
+              <a:buFont typeface="Arial" panose="020B0604020202020204" pitchFamily="34" charset="0"/>
+              <a:buAutoNum type="arabicPeriod"/>
+            </a:pPr>
+            <a:r>
+              <a:rPr lang="en-US" sz="1800" dirty="0">
+                <a:solidFill>
+                  <a:schemeClr val="tx1"/>
+                </a:solidFill>
+              </a:rPr>
+              <a:t>DIMENSIONALITY REDUCTION</a:t>
+            </a:r>
+          </a:p>
+          <a:p>
+            <a:pPr marL="342900" indent="-342900">
+              <a:buFont typeface="Arial" panose="020B0604020202020204" pitchFamily="34" charset="0"/>
+              <a:buAutoNum type="arabicPeriod"/>
+            </a:pPr>
+            <a:r>
+              <a:rPr lang="en-US" sz="1800" dirty="0">
+                <a:solidFill>
+                  <a:schemeClr val="tx1"/>
+                </a:solidFill>
+              </a:rPr>
+              <a:t>MODELING</a:t>
+            </a:r>
+          </a:p>
+          <a:p>
+            <a:pPr marL="342900" indent="-342900">
+              <a:buFont typeface="Arial" panose="020B0604020202020204" pitchFamily="34" charset="0"/>
+              <a:buAutoNum type="arabicPeriod"/>
+            </a:pPr>
+            <a:r>
+              <a:rPr lang="en-US" sz="1800" dirty="0">
+                <a:solidFill>
+                  <a:srgbClr val="00B0F0"/>
+                </a:solidFill>
+              </a:rPr>
+              <a:t>MODEL EVALUATION &amp; ANALYSIS</a:t>
+            </a:r>
+          </a:p>
+          <a:p>
+            <a:pPr marL="342900" indent="-342900">
+              <a:buFont typeface="Arial" panose="020B0604020202020204" pitchFamily="34" charset="0"/>
+              <a:buAutoNum type="arabicPeriod"/>
+            </a:pPr>
+            <a:r>
+              <a:rPr lang="en-US" sz="1800" dirty="0">
+                <a:solidFill>
+                  <a:schemeClr val="tx1"/>
+                </a:solidFill>
+              </a:rPr>
+              <a:t>RECOMMENDATION SYSTEM</a:t>
+            </a:r>
+          </a:p>
+          <a:p>
+            <a:pPr marL="342900" indent="-342900">
+              <a:buFont typeface="Arial" panose="020B0604020202020204" pitchFamily="34" charset="0"/>
+              <a:buAutoNum type="arabicPeriod"/>
+            </a:pPr>
+            <a:endParaRPr lang="en-US" sz="1800" dirty="0">
+              <a:solidFill>
+                <a:schemeClr val="tx1"/>
+              </a:solidFill>
+            </a:endParaRPr>
+          </a:p>
+        </p:txBody>
+      </p:sp>
+      <p:sp>
+        <p:nvSpPr>
+          <p:cNvPr id="4" name="Content Placeholder 2">
+            <a:extLst>
+              <a:ext uri="{FF2B5EF4-FFF2-40B4-BE49-F238E27FC236}">
+                <a16:creationId xmlns:a16="http://schemas.microsoft.com/office/drawing/2014/main" id="{CBDA4755-0BE4-480A-2621-9FF4CABF0B39}"/>
+              </a:ext>
+            </a:extLst>
+          </p:cNvPr>
+          <p:cNvSpPr>
+            <a:spLocks noGrp="1"/>
+          </p:cNvSpPr>
+          <p:nvPr>
+            <p:ph idx="1"/>
+          </p:nvPr>
+        </p:nvSpPr>
+        <p:spPr>
+          <a:xfrm>
+            <a:off x="1629334" y="2726951"/>
+            <a:ext cx="4138334" cy="2519363"/>
+          </a:xfrm>
+        </p:spPr>
+        <p:txBody>
+          <a:bodyPr>
+            <a:normAutofit/>
+          </a:bodyPr>
+          <a:lstStyle/>
+          <a:p>
+            <a:pPr marL="285750" indent="-285750">
+              <a:buFontTx/>
+              <a:buChar char="-"/>
+            </a:pPr>
+            <a:r>
+              <a:rPr lang="en-US" dirty="0"/>
+              <a:t>3D Visualization of Top PCs</a:t>
+            </a:r>
+          </a:p>
+          <a:p>
+            <a:pPr marL="285750" indent="-285750">
+              <a:buFontTx/>
+              <a:buChar char="-"/>
+            </a:pPr>
+            <a:r>
+              <a:rPr lang="en-US" dirty="0"/>
+              <a:t>Cluster Distribution Visualization</a:t>
+            </a:r>
+          </a:p>
+          <a:p>
+            <a:pPr marL="285750" indent="-285750">
+              <a:buFontTx/>
+              <a:buChar char="-"/>
+            </a:pPr>
+            <a:r>
+              <a:rPr lang="en-US" dirty="0"/>
+              <a:t>Evaluation Metrics</a:t>
+            </a:r>
+          </a:p>
+          <a:p>
+            <a:pPr marL="742950" lvl="1" indent="-285750">
+              <a:buFont typeface="Arial" panose="020B0604020202020204" pitchFamily="34" charset="0"/>
+              <a:buChar char="•"/>
+            </a:pPr>
+            <a:r>
+              <a:rPr lang="en-US" dirty="0"/>
+              <a:t>Silhouette Score</a:t>
+            </a:r>
+          </a:p>
+          <a:p>
+            <a:pPr marL="742950" lvl="1" indent="-285750">
+              <a:buFont typeface="Arial" panose="020B0604020202020204" pitchFamily="34" charset="0"/>
+              <a:buChar char="•"/>
+            </a:pPr>
+            <a:r>
+              <a:rPr lang="en-US" dirty="0" err="1"/>
+              <a:t>Calinski</a:t>
+            </a:r>
+            <a:r>
+              <a:rPr lang="en-US" dirty="0"/>
+              <a:t> </a:t>
+            </a:r>
+            <a:r>
+              <a:rPr lang="en-US" dirty="0" err="1"/>
+              <a:t>Harabasz</a:t>
+            </a:r>
+            <a:r>
+              <a:rPr lang="en-US" dirty="0"/>
+              <a:t> Score</a:t>
+            </a:r>
+          </a:p>
+          <a:p>
+            <a:pPr marL="742950" lvl="1" indent="-285750">
+              <a:buFont typeface="Arial" panose="020B0604020202020204" pitchFamily="34" charset="0"/>
+              <a:buChar char="•"/>
+            </a:pPr>
+            <a:r>
+              <a:rPr lang="en-US" dirty="0"/>
+              <a:t>Davies Bouldin Score</a:t>
+            </a:r>
+          </a:p>
+          <a:p>
+            <a:pPr marL="285750" indent="-285750">
+              <a:buFontTx/>
+              <a:buChar char="-"/>
+            </a:pPr>
+            <a:endParaRPr lang="en-US" dirty="0"/>
+          </a:p>
+        </p:txBody>
+      </p:sp>
+    </p:spTree>
+    <p:extLst>
+      <p:ext uri="{BB962C8B-B14F-4D97-AF65-F5344CB8AC3E}">
+        <p14:creationId xmlns:p14="http://schemas.microsoft.com/office/powerpoint/2010/main" val="1153537010"/>
+      </p:ext>
+    </p:extLst>
+  </p:cSld>
+  <p:clrMapOvr>
+    <a:masterClrMapping/>
+  </p:clrMapOvr>
+</p:sld>
+</file>
+
+<file path=ppt/slides/slide51.xml><?xml version="1.0" encoding="utf-8"?>
+<p:sld xmlns:a="http://schemas.openxmlformats.org/drawingml/2006/main" xmlns:r="http://schemas.openxmlformats.org/officeDocument/2006/relationships" xmlns:p="http://schemas.openxmlformats.org/presentationml/2006/main">
+  <p:cSld>
+    <p:spTree>
+      <p:nvGrpSpPr>
+        <p:cNvPr id="1" name=""/>
+        <p:cNvGrpSpPr/>
+        <p:nvPr/>
+      </p:nvGrpSpPr>
+      <p:grpSpPr>
+        <a:xfrm>
+          <a:off x="0" y="0"/>
+          <a:ext cx="0" cy="0"/>
+          <a:chOff x="0" y="0"/>
+          <a:chExt cx="0" cy="0"/>
+        </a:xfrm>
+      </p:grpSpPr>
+      <p:sp>
+        <p:nvSpPr>
+          <p:cNvPr id="2" name="Title 1">
+            <a:extLst>
+              <a:ext uri="{FF2B5EF4-FFF2-40B4-BE49-F238E27FC236}">
+                <a16:creationId xmlns:a16="http://schemas.microsoft.com/office/drawing/2014/main" id="{7CA9C9D1-003D-8F31-31BD-F995D634F366}"/>
+              </a:ext>
+            </a:extLst>
+          </p:cNvPr>
+          <p:cNvSpPr>
+            <a:spLocks noGrp="1"/>
+          </p:cNvSpPr>
+          <p:nvPr>
+            <p:ph type="title"/>
+          </p:nvPr>
+        </p:nvSpPr>
+        <p:spPr>
+          <a:xfrm>
+            <a:off x="2661395" y="486839"/>
+            <a:ext cx="6869207" cy="436526"/>
+          </a:xfrm>
+        </p:spPr>
+        <p:txBody>
+          <a:bodyPr>
+            <a:normAutofit/>
+          </a:bodyPr>
+          <a:lstStyle/>
+          <a:p>
+            <a:pPr algn="ctr"/>
+            <a:r>
+              <a:rPr lang="en-US" sz="2000" b="1" dirty="0"/>
+              <a:t>3D Visualization of Top PCs</a:t>
+            </a:r>
+          </a:p>
+        </p:txBody>
+      </p:sp>
+      <p:sp>
+        <p:nvSpPr>
+          <p:cNvPr id="3" name="TextBox 2">
+            <a:extLst>
+              <a:ext uri="{FF2B5EF4-FFF2-40B4-BE49-F238E27FC236}">
+                <a16:creationId xmlns:a16="http://schemas.microsoft.com/office/drawing/2014/main" id="{C93EC21E-CC04-C537-F773-EB38286E579C}"/>
+              </a:ext>
+            </a:extLst>
+          </p:cNvPr>
+          <p:cNvSpPr txBox="1"/>
+          <p:nvPr/>
+        </p:nvSpPr>
+        <p:spPr>
+          <a:xfrm>
+            <a:off x="1683686" y="2606353"/>
+            <a:ext cx="4412312" cy="1969770"/>
+          </a:xfrm>
+          <a:prstGeom prst="rect">
+            <a:avLst/>
+          </a:prstGeom>
+          <a:noFill/>
+        </p:spPr>
+        <p:txBody>
+          <a:bodyPr wrap="square">
+            <a:spAutoFit/>
+          </a:bodyPr>
+          <a:lstStyle/>
+          <a:p>
+            <a:pPr marL="285750" indent="-285750">
+              <a:buFont typeface="Arial" panose="020B0604020202020204" pitchFamily="34" charset="0"/>
+              <a:buChar char="•"/>
+            </a:pPr>
+            <a:r>
+              <a:rPr lang="en-US" sz="1400" dirty="0"/>
+              <a:t>Use a top 3 PCs (which capture the most variance in the data) and use them to create a 3D visualization.</a:t>
+            </a:r>
+          </a:p>
+          <a:p>
+            <a:pPr marL="285750" indent="-285750">
+              <a:buFont typeface="Arial" panose="020B0604020202020204" pitchFamily="34" charset="0"/>
+              <a:buChar char="•"/>
+            </a:pPr>
+            <a:endParaRPr lang="en-US" sz="1400" dirty="0"/>
+          </a:p>
+          <a:p>
+            <a:pPr marL="285750" indent="-285750">
+              <a:buFont typeface="Arial" panose="020B0604020202020204" pitchFamily="34" charset="0"/>
+              <a:buChar char="•"/>
+            </a:pPr>
+            <a:endParaRPr lang="en-US" sz="1400" dirty="0"/>
+          </a:p>
+          <a:p>
+            <a:pPr marL="285750" indent="-285750">
+              <a:buFont typeface="Arial" panose="020B0604020202020204" pitchFamily="34" charset="0"/>
+              <a:buChar char="•"/>
+            </a:pPr>
+            <a:r>
+              <a:rPr lang="en-US" sz="1400" dirty="0"/>
+              <a:t>This 3D visualization indicates that there are three distinct groups (clusters) of customers</a:t>
+            </a:r>
+          </a:p>
+          <a:p>
+            <a:pPr marL="742950" lvl="1" indent="-285750">
+              <a:buFont typeface="Arial" panose="020B0604020202020204" pitchFamily="34" charset="0"/>
+              <a:buChar char="•"/>
+            </a:pPr>
+            <a:r>
+              <a:rPr lang="en-US" sz="1200" dirty="0"/>
+              <a:t>each represented by a different color (red, green, blue)</a:t>
+            </a:r>
+          </a:p>
+        </p:txBody>
+      </p:sp>
+      <p:pic>
+        <p:nvPicPr>
+          <p:cNvPr id="6" name="Picture 5">
+            <a:extLst>
+              <a:ext uri="{FF2B5EF4-FFF2-40B4-BE49-F238E27FC236}">
+                <a16:creationId xmlns:a16="http://schemas.microsoft.com/office/drawing/2014/main" id="{F70C4674-CE92-B858-D93E-C659808032E8}"/>
+              </a:ext>
+            </a:extLst>
+          </p:cNvPr>
+          <p:cNvPicPr>
+            <a:picLocks noChangeAspect="1"/>
+          </p:cNvPicPr>
+          <p:nvPr/>
+        </p:nvPicPr>
+        <p:blipFill>
+          <a:blip r:embed="rId2"/>
+          <a:stretch>
+            <a:fillRect/>
+          </a:stretch>
+        </p:blipFill>
+        <p:spPr>
+          <a:xfrm>
+            <a:off x="6095998" y="1321953"/>
+            <a:ext cx="4412314" cy="4538569"/>
+          </a:xfrm>
+          <a:prstGeom prst="rect">
+            <a:avLst/>
+          </a:prstGeom>
+        </p:spPr>
+      </p:pic>
+    </p:spTree>
+    <p:extLst>
+      <p:ext uri="{BB962C8B-B14F-4D97-AF65-F5344CB8AC3E}">
+        <p14:creationId xmlns:p14="http://schemas.microsoft.com/office/powerpoint/2010/main" val="2684865006"/>
+      </p:ext>
+    </p:extLst>
+  </p:cSld>
+  <p:clrMapOvr>
+    <a:masterClrMapping/>
+  </p:clrMapOvr>
+</p:sld>
+</file>
+
+<file path=ppt/slides/slide52.xml><?xml version="1.0" encoding="utf-8"?>
+<p:sld xmlns:a="http://schemas.openxmlformats.org/drawingml/2006/main" xmlns:r="http://schemas.openxmlformats.org/officeDocument/2006/relationships" xmlns:p="http://schemas.openxmlformats.org/presentationml/2006/main">
+  <p:cSld>
+    <p:spTree>
+      <p:nvGrpSpPr>
+        <p:cNvPr id="1" name=""/>
+        <p:cNvGrpSpPr/>
+        <p:nvPr/>
+      </p:nvGrpSpPr>
+      <p:grpSpPr>
+        <a:xfrm>
+          <a:off x="0" y="0"/>
+          <a:ext cx="0" cy="0"/>
+          <a:chOff x="0" y="0"/>
+          <a:chExt cx="0" cy="0"/>
+        </a:xfrm>
+      </p:grpSpPr>
+      <p:sp>
+        <p:nvSpPr>
+          <p:cNvPr id="2" name="Title 1">
+            <a:extLst>
+              <a:ext uri="{FF2B5EF4-FFF2-40B4-BE49-F238E27FC236}">
+                <a16:creationId xmlns:a16="http://schemas.microsoft.com/office/drawing/2014/main" id="{7CA9C9D1-003D-8F31-31BD-F995D634F366}"/>
+              </a:ext>
+            </a:extLst>
+          </p:cNvPr>
+          <p:cNvSpPr>
+            <a:spLocks noGrp="1"/>
+          </p:cNvSpPr>
+          <p:nvPr>
+            <p:ph type="title"/>
+          </p:nvPr>
+        </p:nvSpPr>
+        <p:spPr>
+          <a:xfrm>
+            <a:off x="2661395" y="486839"/>
+            <a:ext cx="6869207" cy="436526"/>
+          </a:xfrm>
+        </p:spPr>
+        <p:txBody>
+          <a:bodyPr>
+            <a:normAutofit/>
+          </a:bodyPr>
+          <a:lstStyle/>
+          <a:p>
+            <a:pPr algn="ctr"/>
+            <a:r>
+              <a:rPr lang="en-US" sz="2000" b="1" dirty="0"/>
+              <a:t>Cluster Distribution Visualization</a:t>
+            </a:r>
+          </a:p>
+        </p:txBody>
+      </p:sp>
+      <p:sp>
+        <p:nvSpPr>
+          <p:cNvPr id="3" name="TextBox 2">
+            <a:extLst>
+              <a:ext uri="{FF2B5EF4-FFF2-40B4-BE49-F238E27FC236}">
+                <a16:creationId xmlns:a16="http://schemas.microsoft.com/office/drawing/2014/main" id="{C93EC21E-CC04-C537-F773-EB38286E579C}"/>
+              </a:ext>
+            </a:extLst>
+          </p:cNvPr>
+          <p:cNvSpPr txBox="1"/>
+          <p:nvPr/>
+        </p:nvSpPr>
+        <p:spPr>
+          <a:xfrm>
+            <a:off x="2041498" y="4536097"/>
+            <a:ext cx="8108999" cy="1169551"/>
+          </a:xfrm>
+          <a:prstGeom prst="rect">
+            <a:avLst/>
+          </a:prstGeom>
+          <a:noFill/>
+        </p:spPr>
+        <p:txBody>
+          <a:bodyPr wrap="square">
+            <a:spAutoFit/>
+          </a:bodyPr>
+          <a:lstStyle/>
+          <a:p>
+            <a:pPr marL="285750" indent="-285750" algn="l">
+              <a:buFont typeface="Arial" panose="020B0604020202020204" pitchFamily="34" charset="0"/>
+              <a:buChar char="•"/>
+            </a:pPr>
+            <a:r>
+              <a:rPr lang="en-US" sz="1400" dirty="0">
+                <a:solidFill>
+                  <a:srgbClr val="3C4043"/>
+                </a:solidFill>
+                <a:latin typeface="Inter"/>
+              </a:rPr>
+              <a:t>C</a:t>
+            </a:r>
+            <a:r>
+              <a:rPr lang="en-US" sz="1400" b="0" i="0" dirty="0">
+                <a:solidFill>
+                  <a:srgbClr val="3C4043"/>
+                </a:solidFill>
+                <a:effectLst/>
+                <a:latin typeface="Inter"/>
+              </a:rPr>
+              <a:t>lusters 0 and 1 holding around 41% of customers each and cluster 2 is approximately 18% of the customers. Considered fairly balanced distribution.</a:t>
+            </a:r>
+          </a:p>
+          <a:p>
+            <a:pPr marL="285750" indent="-285750" algn="l">
+              <a:buFont typeface="Arial" panose="020B0604020202020204" pitchFamily="34" charset="0"/>
+              <a:buChar char="•"/>
+            </a:pPr>
+            <a:endParaRPr lang="en-US" sz="1400" dirty="0">
+              <a:solidFill>
+                <a:srgbClr val="3C4043"/>
+              </a:solidFill>
+              <a:latin typeface="Inter"/>
+            </a:endParaRPr>
+          </a:p>
+          <a:p>
+            <a:pPr marL="285750" indent="-285750" algn="l">
+              <a:buFont typeface="Arial" panose="020B0604020202020204" pitchFamily="34" charset="0"/>
+              <a:buChar char="•"/>
+            </a:pPr>
+            <a:r>
+              <a:rPr lang="en-US" sz="1400" dirty="0">
+                <a:solidFill>
+                  <a:srgbClr val="3C4043"/>
+                </a:solidFill>
+                <a:latin typeface="Inter"/>
+              </a:rPr>
+              <a:t>N</a:t>
+            </a:r>
+            <a:r>
+              <a:rPr lang="en-US" sz="1400" b="0" i="0" dirty="0">
+                <a:solidFill>
+                  <a:srgbClr val="3C4043"/>
+                </a:solidFill>
+                <a:effectLst/>
+                <a:latin typeface="Inter"/>
+              </a:rPr>
+              <a:t>o cluster contains very small percentage of customers, ensure that there is no outlier or noise in the data.</a:t>
+            </a:r>
+          </a:p>
+        </p:txBody>
+      </p:sp>
+      <p:pic>
+        <p:nvPicPr>
+          <p:cNvPr id="1026" name="Picture 2">
+            <a:extLst>
+              <a:ext uri="{FF2B5EF4-FFF2-40B4-BE49-F238E27FC236}">
+                <a16:creationId xmlns:a16="http://schemas.microsoft.com/office/drawing/2014/main" id="{8D414ED2-E68C-5A64-29CE-36BCE4000D40}"/>
+              </a:ext>
+            </a:extLst>
+          </p:cNvPr>
+          <p:cNvPicPr>
+            <a:picLocks noChangeAspect="1" noChangeArrowheads="1"/>
+          </p:cNvPicPr>
+          <p:nvPr/>
+        </p:nvPicPr>
+        <p:blipFill>
+          <a:blip r:embed="rId2">
+            <a:extLst>
+              <a:ext uri="{28A0092B-C50C-407E-A947-70E740481C1C}">
+                <a14:useLocalDpi xmlns:a14="http://schemas.microsoft.com/office/drawing/2010/main" val="0"/>
+              </a:ext>
+            </a:extLst>
+          </a:blip>
+          <a:srcRect/>
+          <a:stretch>
+            <a:fillRect/>
+          </a:stretch>
+        </p:blipFill>
+        <p:spPr bwMode="auto">
+          <a:xfrm>
+            <a:off x="3049959" y="1285550"/>
+            <a:ext cx="6092078" cy="2888362"/>
+          </a:xfrm>
+          <a:prstGeom prst="rect">
+            <a:avLst/>
+          </a:prstGeom>
+          <a:noFill/>
+          <a:extLst>
+            <a:ext uri="{909E8E84-426E-40DD-AFC4-6F175D3DCCD1}">
+              <a14:hiddenFill xmlns:a14="http://schemas.microsoft.com/office/drawing/2010/main">
+                <a:solidFill>
+                  <a:srgbClr val="FFFFFF"/>
+                </a:solidFill>
+              </a14:hiddenFill>
+            </a:ext>
+          </a:extLst>
+        </p:spPr>
+      </p:pic>
+    </p:spTree>
+    <p:extLst>
+      <p:ext uri="{BB962C8B-B14F-4D97-AF65-F5344CB8AC3E}">
+        <p14:creationId xmlns:p14="http://schemas.microsoft.com/office/powerpoint/2010/main" val="3661250094"/>
+      </p:ext>
+    </p:extLst>
+  </p:cSld>
+  <p:clrMapOvr>
+    <a:masterClrMapping/>
+  </p:clrMapOvr>
+</p:sld>
+</file>
+
+<file path=ppt/slides/slide53.xml><?xml version="1.0" encoding="utf-8"?>
+<p:sld xmlns:a="http://schemas.openxmlformats.org/drawingml/2006/main" xmlns:r="http://schemas.openxmlformats.org/officeDocument/2006/relationships" xmlns:p="http://schemas.openxmlformats.org/presentationml/2006/main">
+  <p:cSld>
+    <p:spTree>
+      <p:nvGrpSpPr>
+        <p:cNvPr id="1" name=""/>
+        <p:cNvGrpSpPr/>
+        <p:nvPr/>
+      </p:nvGrpSpPr>
+      <p:grpSpPr>
+        <a:xfrm>
+          <a:off x="0" y="0"/>
+          <a:ext cx="0" cy="0"/>
+          <a:chOff x="0" y="0"/>
+          <a:chExt cx="0" cy="0"/>
+        </a:xfrm>
+      </p:grpSpPr>
+      <p:sp>
+        <p:nvSpPr>
+          <p:cNvPr id="2" name="Title 1">
+            <a:extLst>
+              <a:ext uri="{FF2B5EF4-FFF2-40B4-BE49-F238E27FC236}">
+                <a16:creationId xmlns:a16="http://schemas.microsoft.com/office/drawing/2014/main" id="{7CA9C9D1-003D-8F31-31BD-F995D634F366}"/>
+              </a:ext>
+            </a:extLst>
+          </p:cNvPr>
+          <p:cNvSpPr>
+            <a:spLocks noGrp="1"/>
+          </p:cNvSpPr>
+          <p:nvPr>
+            <p:ph type="title"/>
+          </p:nvPr>
+        </p:nvSpPr>
+        <p:spPr>
+          <a:xfrm>
+            <a:off x="2661395" y="486839"/>
+            <a:ext cx="6869207" cy="436526"/>
+          </a:xfrm>
+        </p:spPr>
+        <p:txBody>
+          <a:bodyPr>
+            <a:normAutofit/>
+          </a:bodyPr>
+          <a:lstStyle/>
+          <a:p>
+            <a:pPr algn="ctr"/>
+            <a:r>
+              <a:rPr lang="en-US" sz="2000" b="1" dirty="0"/>
+              <a:t>Evaluation Metrics</a:t>
+            </a:r>
+          </a:p>
+        </p:txBody>
+      </p:sp>
+      <p:sp>
+        <p:nvSpPr>
+          <p:cNvPr id="3" name="TextBox 2">
+            <a:extLst>
+              <a:ext uri="{FF2B5EF4-FFF2-40B4-BE49-F238E27FC236}">
+                <a16:creationId xmlns:a16="http://schemas.microsoft.com/office/drawing/2014/main" id="{C93EC21E-CC04-C537-F773-EB38286E579C}"/>
+              </a:ext>
+            </a:extLst>
+          </p:cNvPr>
+          <p:cNvSpPr txBox="1"/>
+          <p:nvPr/>
+        </p:nvSpPr>
+        <p:spPr>
+          <a:xfrm>
+            <a:off x="2283545" y="4052003"/>
+            <a:ext cx="8108999" cy="1815882"/>
+          </a:xfrm>
+          <a:prstGeom prst="rect">
+            <a:avLst/>
+          </a:prstGeom>
+          <a:noFill/>
+        </p:spPr>
+        <p:txBody>
+          <a:bodyPr wrap="square">
+            <a:spAutoFit/>
+          </a:bodyPr>
+          <a:lstStyle/>
+          <a:p>
+            <a:pPr marL="285750" indent="-285750" algn="l">
+              <a:buFont typeface="Arial" panose="020B0604020202020204" pitchFamily="34" charset="0"/>
+              <a:buChar char="•"/>
+            </a:pPr>
+            <a:r>
+              <a:rPr lang="en-US" sz="1400" b="1" dirty="0">
+                <a:solidFill>
+                  <a:srgbClr val="3C4043"/>
+                </a:solidFill>
+                <a:latin typeface="Inter"/>
+              </a:rPr>
+              <a:t>The Silhouette Score </a:t>
+            </a:r>
+            <a:r>
+              <a:rPr lang="en-US" sz="1400" dirty="0">
+                <a:solidFill>
+                  <a:srgbClr val="3C4043"/>
+                </a:solidFill>
+                <a:latin typeface="Inter"/>
+              </a:rPr>
+              <a:t>of 0.236, although not close to 1, it still fair amount of separation between the clusters and indicates reasonable structure. </a:t>
+            </a:r>
+          </a:p>
+          <a:p>
+            <a:pPr marL="285750" indent="-285750" algn="l">
+              <a:buFont typeface="Arial" panose="020B0604020202020204" pitchFamily="34" charset="0"/>
+              <a:buChar char="•"/>
+            </a:pPr>
+            <a:endParaRPr lang="en-US" sz="1400" dirty="0">
+              <a:solidFill>
+                <a:srgbClr val="3C4043"/>
+              </a:solidFill>
+              <a:latin typeface="Inter"/>
+            </a:endParaRPr>
+          </a:p>
+          <a:p>
+            <a:pPr marL="285750" indent="-285750" algn="l">
+              <a:buFont typeface="Arial" panose="020B0604020202020204" pitchFamily="34" charset="0"/>
+              <a:buChar char="•"/>
+            </a:pPr>
+            <a:r>
+              <a:rPr lang="en-US" sz="1400" b="1" dirty="0">
+                <a:solidFill>
+                  <a:srgbClr val="3C4043"/>
+                </a:solidFill>
+                <a:latin typeface="Inter"/>
+              </a:rPr>
+              <a:t>The </a:t>
+            </a:r>
+            <a:r>
+              <a:rPr lang="en-US" sz="1400" b="1" dirty="0" err="1">
+                <a:solidFill>
+                  <a:srgbClr val="3C4043"/>
+                </a:solidFill>
+                <a:latin typeface="Inter"/>
+              </a:rPr>
+              <a:t>Calinski</a:t>
+            </a:r>
+            <a:r>
+              <a:rPr lang="en-US" sz="1400" b="1" dirty="0">
+                <a:solidFill>
+                  <a:srgbClr val="3C4043"/>
+                </a:solidFill>
+                <a:latin typeface="Inter"/>
+              </a:rPr>
+              <a:t> </a:t>
+            </a:r>
+            <a:r>
+              <a:rPr lang="en-US" sz="1400" b="1" dirty="0" err="1">
+                <a:solidFill>
+                  <a:srgbClr val="3C4043"/>
+                </a:solidFill>
+                <a:latin typeface="Inter"/>
+              </a:rPr>
+              <a:t>Harabasz</a:t>
+            </a:r>
+            <a:r>
+              <a:rPr lang="en-US" sz="1400" b="1" dirty="0">
+                <a:solidFill>
+                  <a:srgbClr val="3C4043"/>
+                </a:solidFill>
+                <a:latin typeface="Inter"/>
+              </a:rPr>
+              <a:t> Score</a:t>
+            </a:r>
+            <a:r>
+              <a:rPr lang="en-US" sz="1400" dirty="0">
+                <a:solidFill>
+                  <a:srgbClr val="3C4043"/>
+                </a:solidFill>
+                <a:latin typeface="Inter"/>
+              </a:rPr>
+              <a:t> of 1257.179, which is considerably high, indicating that the clusters are well-defined.</a:t>
+            </a:r>
+          </a:p>
+          <a:p>
+            <a:pPr marL="285750" indent="-285750" algn="l">
+              <a:buFont typeface="Arial" panose="020B0604020202020204" pitchFamily="34" charset="0"/>
+              <a:buChar char="•"/>
+            </a:pPr>
+            <a:endParaRPr lang="en-US" sz="1400" dirty="0">
+              <a:solidFill>
+                <a:srgbClr val="3C4043"/>
+              </a:solidFill>
+              <a:latin typeface="Inter"/>
+            </a:endParaRPr>
+          </a:p>
+          <a:p>
+            <a:pPr marL="285750" indent="-285750" algn="l">
+              <a:buFont typeface="Arial" panose="020B0604020202020204" pitchFamily="34" charset="0"/>
+              <a:buChar char="•"/>
+            </a:pPr>
+            <a:r>
+              <a:rPr lang="en-US" sz="1400" b="1" dirty="0">
+                <a:solidFill>
+                  <a:srgbClr val="3C4043"/>
+                </a:solidFill>
+                <a:latin typeface="Inter"/>
+              </a:rPr>
+              <a:t>The Davies Bouldin Score</a:t>
+            </a:r>
+            <a:r>
+              <a:rPr lang="en-US" sz="1400" dirty="0">
+                <a:solidFill>
+                  <a:srgbClr val="3C4043"/>
+                </a:solidFill>
+                <a:latin typeface="Inter"/>
+              </a:rPr>
+              <a:t> of 1.368 is considered low, which is reasonable because the fair score of Silhouette Score and high score of </a:t>
+            </a:r>
+            <a:r>
+              <a:rPr lang="en-US" sz="1400" dirty="0" err="1">
+                <a:solidFill>
+                  <a:srgbClr val="3C4043"/>
+                </a:solidFill>
+                <a:latin typeface="Inter"/>
+              </a:rPr>
+              <a:t>Calinski</a:t>
+            </a:r>
+            <a:r>
+              <a:rPr lang="en-US" sz="1400" dirty="0">
+                <a:solidFill>
+                  <a:srgbClr val="3C4043"/>
+                </a:solidFill>
+                <a:latin typeface="Inter"/>
+              </a:rPr>
+              <a:t> </a:t>
+            </a:r>
+            <a:r>
+              <a:rPr lang="en-US" sz="1400" dirty="0" err="1">
+                <a:solidFill>
+                  <a:srgbClr val="3C4043"/>
+                </a:solidFill>
+                <a:latin typeface="Inter"/>
+              </a:rPr>
+              <a:t>Harabasz</a:t>
+            </a:r>
+            <a:r>
+              <a:rPr lang="en-US" sz="1400" dirty="0">
+                <a:solidFill>
+                  <a:srgbClr val="3C4043"/>
+                </a:solidFill>
+                <a:latin typeface="Inter"/>
+              </a:rPr>
+              <a:t> Score.</a:t>
+            </a:r>
+            <a:endParaRPr lang="en-US" sz="1400" b="0" i="0" dirty="0">
+              <a:solidFill>
+                <a:srgbClr val="3C4043"/>
+              </a:solidFill>
+              <a:effectLst/>
+              <a:latin typeface="Inter"/>
+            </a:endParaRPr>
+          </a:p>
+        </p:txBody>
+      </p:sp>
+      <p:pic>
+        <p:nvPicPr>
+          <p:cNvPr id="5" name="Picture 4">
+            <a:extLst>
+              <a:ext uri="{FF2B5EF4-FFF2-40B4-BE49-F238E27FC236}">
+                <a16:creationId xmlns:a16="http://schemas.microsoft.com/office/drawing/2014/main" id="{5AA9FE8A-BDC0-C322-06A3-AE7D02467086}"/>
+              </a:ext>
+            </a:extLst>
+          </p:cNvPr>
+          <p:cNvPicPr>
+            <a:picLocks noChangeAspect="1"/>
+          </p:cNvPicPr>
+          <p:nvPr/>
+        </p:nvPicPr>
+        <p:blipFill>
+          <a:blip r:embed="rId2"/>
+          <a:stretch>
+            <a:fillRect/>
+          </a:stretch>
+        </p:blipFill>
+        <p:spPr>
+          <a:xfrm>
+            <a:off x="4381029" y="1513525"/>
+            <a:ext cx="3429941" cy="1616756"/>
+          </a:xfrm>
+          <a:prstGeom prst="rect">
+            <a:avLst/>
+          </a:prstGeom>
+        </p:spPr>
+      </p:pic>
+    </p:spTree>
+    <p:extLst>
+      <p:ext uri="{BB962C8B-B14F-4D97-AF65-F5344CB8AC3E}">
+        <p14:creationId xmlns:p14="http://schemas.microsoft.com/office/powerpoint/2010/main" val="1995876702"/>
+      </p:ext>
+    </p:extLst>
+  </p:cSld>
+  <p:clrMapOvr>
+    <a:masterClrMapping/>
+  </p:clrMapOvr>
+</p:sld>
+</file>
+
+<file path=ppt/slides/slide54.xml><?xml version="1.0" encoding="utf-8"?>
+<p:sld xmlns:a="http://schemas.openxmlformats.org/drawingml/2006/main" xmlns:r="http://schemas.openxmlformats.org/officeDocument/2006/relationships" xmlns:p="http://schemas.openxmlformats.org/presentationml/2006/main">
+  <p:cSld>
+    <p:spTree>
+      <p:nvGrpSpPr>
+        <p:cNvPr id="1" name=""/>
+        <p:cNvGrpSpPr/>
+        <p:nvPr/>
+      </p:nvGrpSpPr>
+      <p:grpSpPr>
+        <a:xfrm>
+          <a:off x="0" y="0"/>
+          <a:ext cx="0" cy="0"/>
+          <a:chOff x="0" y="0"/>
+          <a:chExt cx="0" cy="0"/>
+        </a:xfrm>
+      </p:grpSpPr>
+      <p:sp>
+        <p:nvSpPr>
+          <p:cNvPr id="2" name="Title 1">
+            <a:extLst>
+              <a:ext uri="{FF2B5EF4-FFF2-40B4-BE49-F238E27FC236}">
+                <a16:creationId xmlns:a16="http://schemas.microsoft.com/office/drawing/2014/main" id="{1CF50F63-F3AC-DA2D-7146-5BAF73CA085E}"/>
+              </a:ext>
+            </a:extLst>
+          </p:cNvPr>
+          <p:cNvSpPr>
+            <a:spLocks noGrp="1"/>
+          </p:cNvSpPr>
+          <p:nvPr>
+            <p:ph type="title"/>
+          </p:nvPr>
+        </p:nvSpPr>
+        <p:spPr>
+          <a:xfrm>
+            <a:off x="1781734" y="2931459"/>
+            <a:ext cx="4807325" cy="497541"/>
+          </a:xfrm>
+        </p:spPr>
+        <p:txBody>
+          <a:bodyPr>
+            <a:normAutofit fontScale="90000"/>
+          </a:bodyPr>
+          <a:lstStyle/>
+          <a:p>
+            <a:r>
+              <a:rPr lang="en-US" dirty="0"/>
+              <a:t>MODEL ANALYSIS</a:t>
+            </a:r>
+            <a:br>
+              <a:rPr lang="en-US" dirty="0"/>
+            </a:br>
+            <a:endParaRPr lang="en-US" dirty="0"/>
+          </a:p>
+        </p:txBody>
+      </p:sp>
+      <p:sp>
+        <p:nvSpPr>
+          <p:cNvPr id="7" name="Content Placeholder 2">
+            <a:extLst>
+              <a:ext uri="{FF2B5EF4-FFF2-40B4-BE49-F238E27FC236}">
+                <a16:creationId xmlns:a16="http://schemas.microsoft.com/office/drawing/2014/main" id="{D2FC17DA-C447-E41A-528B-BA2A3111768B}"/>
+              </a:ext>
+            </a:extLst>
+          </p:cNvPr>
+          <p:cNvSpPr txBox="1">
+            <a:spLocks/>
+          </p:cNvSpPr>
+          <p:nvPr/>
+        </p:nvSpPr>
+        <p:spPr>
+          <a:xfrm>
+            <a:off x="6720167" y="1192379"/>
+            <a:ext cx="4138334" cy="4985833"/>
+          </a:xfrm>
+          <a:prstGeom prst="rect">
+            <a:avLst/>
+          </a:prstGeom>
+        </p:spPr>
+        <p:txBody>
+          <a:bodyPr vert="horz" lIns="91440" tIns="45720" rIns="91440" bIns="45720" rtlCol="0">
+            <a:normAutofit/>
+          </a:bodyPr>
+          <a:lstStyle>
+            <a:lvl1pPr marL="0" indent="0" algn="l" defTabSz="914400" rtl="0" eaLnBrk="1" latinLnBrk="0" hangingPunct="1">
+              <a:lnSpc>
+                <a:spcPct val="120000"/>
+              </a:lnSpc>
+              <a:spcBef>
+                <a:spcPts val="1000"/>
+              </a:spcBef>
+              <a:buFont typeface="Arial" panose="020B0604020202020204" pitchFamily="34" charset="0"/>
+              <a:buNone/>
+              <a:defRPr sz="1400" kern="1200">
+                <a:solidFill>
+                  <a:schemeClr val="tx1">
+                    <a:lumMod val="75000"/>
+                    <a:lumOff val="25000"/>
+                  </a:schemeClr>
+                </a:solidFill>
+                <a:latin typeface="+mn-lt"/>
+                <a:ea typeface="+mn-ea"/>
+                <a:cs typeface="+mn-cs"/>
+              </a:defRPr>
+            </a:lvl1pPr>
+            <a:lvl2pPr marL="457200" indent="0" algn="l" defTabSz="914400" rtl="0" eaLnBrk="1" latinLnBrk="0" hangingPunct="1">
+              <a:lnSpc>
+                <a:spcPct val="120000"/>
+              </a:lnSpc>
+              <a:spcBef>
+                <a:spcPts val="1000"/>
+              </a:spcBef>
+              <a:buFont typeface="Arial" panose="020B0604020202020204" pitchFamily="34" charset="0"/>
+              <a:buNone/>
+              <a:defRPr sz="1400" kern="1200">
+                <a:solidFill>
+                  <a:schemeClr val="tx1">
+                    <a:lumMod val="75000"/>
+                    <a:lumOff val="25000"/>
+                  </a:schemeClr>
+                </a:solidFill>
+                <a:latin typeface="+mn-lt"/>
+                <a:ea typeface="+mn-ea"/>
+                <a:cs typeface="+mn-cs"/>
+              </a:defRPr>
+            </a:lvl2pPr>
+            <a:lvl3pPr marL="914400" indent="0" algn="l" defTabSz="914400" rtl="0" eaLnBrk="1" latinLnBrk="0" hangingPunct="1">
+              <a:lnSpc>
+                <a:spcPct val="120000"/>
+              </a:lnSpc>
+              <a:spcBef>
+                <a:spcPts val="1000"/>
+              </a:spcBef>
+              <a:buFont typeface="Arial" panose="020B0604020202020204" pitchFamily="34" charset="0"/>
+              <a:buNone/>
+              <a:defRPr sz="1400" kern="1200">
+                <a:solidFill>
+                  <a:schemeClr val="tx1">
+                    <a:lumMod val="75000"/>
+                    <a:lumOff val="25000"/>
+                  </a:schemeClr>
+                </a:solidFill>
+                <a:latin typeface="+mn-lt"/>
+                <a:ea typeface="+mn-ea"/>
+                <a:cs typeface="+mn-cs"/>
+              </a:defRPr>
+            </a:lvl3pPr>
+            <a:lvl4pPr marL="1371600" indent="0" algn="l" defTabSz="914400" rtl="0" eaLnBrk="1" latinLnBrk="0" hangingPunct="1">
+              <a:lnSpc>
+                <a:spcPct val="120000"/>
+              </a:lnSpc>
+              <a:spcBef>
+                <a:spcPts val="1000"/>
+              </a:spcBef>
+              <a:buFont typeface="Arial" panose="020B0604020202020204" pitchFamily="34" charset="0"/>
+              <a:buNone/>
+              <a:defRPr sz="1400" kern="1200">
+                <a:solidFill>
+                  <a:schemeClr val="tx1">
+                    <a:lumMod val="75000"/>
+                    <a:lumOff val="25000"/>
+                  </a:schemeClr>
+                </a:solidFill>
+                <a:latin typeface="+mn-lt"/>
+                <a:ea typeface="+mn-ea"/>
+                <a:cs typeface="+mn-cs"/>
+              </a:defRPr>
+            </a:lvl4pPr>
+            <a:lvl5pPr marL="1828800" indent="0" algn="l" defTabSz="914400" rtl="0" eaLnBrk="1" latinLnBrk="0" hangingPunct="1">
+              <a:lnSpc>
+                <a:spcPct val="120000"/>
+              </a:lnSpc>
+              <a:spcBef>
+                <a:spcPts val="1000"/>
+              </a:spcBef>
+              <a:buFont typeface="Arial" panose="020B0604020202020204" pitchFamily="34" charset="0"/>
+              <a:buNone/>
+              <a:defRPr sz="1400" kern="1200">
+                <a:solidFill>
+                  <a:schemeClr val="tx1">
+                    <a:lumMod val="75000"/>
+                    <a:lumOff val="25000"/>
+                  </a:schemeClr>
+                </a:solidFill>
+                <a:latin typeface="+mn-lt"/>
+                <a:ea typeface="+mn-ea"/>
+                <a:cs typeface="+mn-cs"/>
+              </a:defRPr>
+            </a:lvl5pPr>
+            <a:lvl6pPr marL="2514600" indent="-228600" algn="l" defTabSz="914400" rtl="0" eaLnBrk="1" latinLnBrk="0" hangingPunct="1">
+              <a:lnSpc>
+                <a:spcPct val="90000"/>
+              </a:lnSpc>
+              <a:spcBef>
+                <a:spcPts val="500"/>
+              </a:spcBef>
+              <a:buFont typeface="Arial" panose="020B0604020202020204" pitchFamily="34" charset="0"/>
+              <a:buChar char="•"/>
+              <a:defRPr sz="1800" kern="1200">
+                <a:solidFill>
+                  <a:schemeClr val="tx1"/>
+                </a:solidFill>
+                <a:latin typeface="+mn-lt"/>
+                <a:ea typeface="+mn-ea"/>
+                <a:cs typeface="+mn-cs"/>
+              </a:defRPr>
+            </a:lvl6pPr>
+            <a:lvl7pPr marL="2971800" indent="-228600" algn="l" defTabSz="914400" rtl="0" eaLnBrk="1" latinLnBrk="0" hangingPunct="1">
+              <a:lnSpc>
+                <a:spcPct val="90000"/>
+              </a:lnSpc>
+              <a:spcBef>
+                <a:spcPts val="500"/>
+              </a:spcBef>
+              <a:buFont typeface="Arial" panose="020B0604020202020204" pitchFamily="34" charset="0"/>
+              <a:buChar char="•"/>
+              <a:defRPr sz="1800" kern="1200">
+                <a:solidFill>
+                  <a:schemeClr val="tx1"/>
+                </a:solidFill>
+                <a:latin typeface="+mn-lt"/>
+                <a:ea typeface="+mn-ea"/>
+                <a:cs typeface="+mn-cs"/>
+              </a:defRPr>
+            </a:lvl7pPr>
+            <a:lvl8pPr marL="3429000" indent="-228600" algn="l" defTabSz="914400" rtl="0" eaLnBrk="1" latinLnBrk="0" hangingPunct="1">
+              <a:lnSpc>
+                <a:spcPct val="90000"/>
+              </a:lnSpc>
+              <a:spcBef>
+                <a:spcPts val="500"/>
+              </a:spcBef>
+              <a:buFont typeface="Arial" panose="020B0604020202020204" pitchFamily="34" charset="0"/>
+              <a:buChar char="•"/>
+              <a:defRPr sz="1800" kern="1200">
+                <a:solidFill>
+                  <a:schemeClr val="tx1"/>
+                </a:solidFill>
+                <a:latin typeface="+mn-lt"/>
+                <a:ea typeface="+mn-ea"/>
+                <a:cs typeface="+mn-cs"/>
+              </a:defRPr>
+            </a:lvl8pPr>
+            <a:lvl9pPr marL="3886200" indent="-228600" algn="l" defTabSz="914400" rtl="0" eaLnBrk="1" latinLnBrk="0" hangingPunct="1">
+              <a:lnSpc>
+                <a:spcPct val="90000"/>
+              </a:lnSpc>
+              <a:spcBef>
+                <a:spcPts val="500"/>
+              </a:spcBef>
+              <a:buFont typeface="Arial" panose="020B0604020202020204" pitchFamily="34" charset="0"/>
+              <a:buChar char="•"/>
+              <a:defRPr sz="1800" kern="1200">
+                <a:solidFill>
+                  <a:schemeClr val="tx1"/>
+                </a:solidFill>
+                <a:latin typeface="+mn-lt"/>
+                <a:ea typeface="+mn-ea"/>
+                <a:cs typeface="+mn-cs"/>
+              </a:defRPr>
+            </a:lvl9pPr>
+          </a:lstStyle>
+          <a:p>
+            <a:pPr marL="342900" indent="-342900">
+              <a:buFont typeface="Arial" panose="020B0604020202020204" pitchFamily="34" charset="0"/>
+              <a:buAutoNum type="arabicPeriod"/>
+            </a:pPr>
+            <a:r>
+              <a:rPr lang="en-US" sz="1800" dirty="0">
+                <a:solidFill>
+                  <a:schemeClr val="tx1"/>
+                </a:solidFill>
+              </a:rPr>
+              <a:t>INTRODUCTION</a:t>
+            </a:r>
+          </a:p>
+          <a:p>
+            <a:pPr marL="342900" indent="-342900">
+              <a:buFont typeface="Arial" panose="020B0604020202020204" pitchFamily="34" charset="0"/>
+              <a:buAutoNum type="arabicPeriod"/>
+            </a:pPr>
+            <a:r>
+              <a:rPr lang="en-US" sz="1800" dirty="0">
+                <a:solidFill>
+                  <a:schemeClr val="tx1"/>
+                </a:solidFill>
+              </a:rPr>
+              <a:t>DATASET OVERVIEW</a:t>
+            </a:r>
+          </a:p>
+          <a:p>
+            <a:pPr marL="342900" indent="-342900">
+              <a:buFont typeface="Arial" panose="020B0604020202020204" pitchFamily="34" charset="0"/>
+              <a:buAutoNum type="arabicPeriod"/>
+            </a:pPr>
+            <a:r>
+              <a:rPr lang="en-US" sz="1800" dirty="0">
+                <a:solidFill>
+                  <a:schemeClr val="tx1"/>
+                </a:solidFill>
+              </a:rPr>
+              <a:t>EXPLORE DATA</a:t>
+            </a:r>
+          </a:p>
+          <a:p>
+            <a:pPr marL="342900" indent="-342900">
+              <a:buFont typeface="Arial" panose="020B0604020202020204" pitchFamily="34" charset="0"/>
+              <a:buAutoNum type="arabicPeriod"/>
+            </a:pPr>
+            <a:r>
+              <a:rPr lang="en-US" sz="1800" dirty="0">
+                <a:solidFill>
+                  <a:schemeClr val="tx1"/>
+                </a:solidFill>
+              </a:rPr>
+              <a:t>DATA PREPROCESSING</a:t>
+            </a:r>
+          </a:p>
+          <a:p>
+            <a:pPr marL="342900" indent="-342900">
+              <a:buFont typeface="Arial" panose="020B0604020202020204" pitchFamily="34" charset="0"/>
+              <a:buAutoNum type="arabicPeriod"/>
+            </a:pPr>
+            <a:r>
+              <a:rPr lang="en-US" sz="1800" dirty="0">
+                <a:solidFill>
+                  <a:schemeClr val="tx1"/>
+                </a:solidFill>
+              </a:rPr>
+              <a:t>FEATURE ENGINEERING</a:t>
+            </a:r>
+          </a:p>
+          <a:p>
+            <a:pPr marL="342900" indent="-342900">
+              <a:buFont typeface="Arial" panose="020B0604020202020204" pitchFamily="34" charset="0"/>
+              <a:buAutoNum type="arabicPeriod"/>
+            </a:pPr>
+            <a:r>
+              <a:rPr lang="en-US" sz="1800" dirty="0">
+                <a:solidFill>
+                  <a:schemeClr val="tx1"/>
+                </a:solidFill>
+              </a:rPr>
+              <a:t>CORRELATION ANALYSIS	</a:t>
+            </a:r>
+          </a:p>
+          <a:p>
+            <a:pPr marL="342900" indent="-342900">
+              <a:buFont typeface="Arial" panose="020B0604020202020204" pitchFamily="34" charset="0"/>
+              <a:buAutoNum type="arabicPeriod"/>
+            </a:pPr>
+            <a:r>
+              <a:rPr lang="en-US" sz="1800" dirty="0">
+                <a:solidFill>
+                  <a:schemeClr val="tx1"/>
+                </a:solidFill>
+              </a:rPr>
+              <a:t>DIMENSIONALITY REDUCTION</a:t>
+            </a:r>
+          </a:p>
+          <a:p>
+            <a:pPr marL="342900" indent="-342900">
+              <a:buFont typeface="Arial" panose="020B0604020202020204" pitchFamily="34" charset="0"/>
+              <a:buAutoNum type="arabicPeriod"/>
+            </a:pPr>
+            <a:r>
+              <a:rPr lang="en-US" sz="1800" dirty="0">
+                <a:solidFill>
+                  <a:schemeClr val="tx1"/>
+                </a:solidFill>
+              </a:rPr>
+              <a:t>MODELING</a:t>
+            </a:r>
+          </a:p>
+          <a:p>
+            <a:pPr marL="342900" indent="-342900">
+              <a:buFont typeface="Arial" panose="020B0604020202020204" pitchFamily="34" charset="0"/>
+              <a:buAutoNum type="arabicPeriod"/>
+            </a:pPr>
+            <a:r>
+              <a:rPr lang="en-US" sz="1800" dirty="0">
+                <a:solidFill>
+                  <a:srgbClr val="00B0F0"/>
+                </a:solidFill>
+              </a:rPr>
+              <a:t>MODEL EVALUATION &amp; ANALYSIS</a:t>
+            </a:r>
+          </a:p>
+          <a:p>
+            <a:pPr marL="342900" indent="-342900">
+              <a:buFont typeface="Arial" panose="020B0604020202020204" pitchFamily="34" charset="0"/>
+              <a:buAutoNum type="arabicPeriod"/>
+            </a:pPr>
+            <a:r>
+              <a:rPr lang="en-US" sz="1800" dirty="0">
+                <a:solidFill>
+                  <a:schemeClr val="tx1"/>
+                </a:solidFill>
+              </a:rPr>
+              <a:t>RECOMMENDATION SYSTEM</a:t>
+            </a:r>
+          </a:p>
+          <a:p>
+            <a:pPr marL="342900" indent="-342900">
+              <a:buFont typeface="Arial" panose="020B0604020202020204" pitchFamily="34" charset="0"/>
+              <a:buAutoNum type="arabicPeriod"/>
+            </a:pPr>
+            <a:endParaRPr lang="en-US" sz="1800" dirty="0">
+              <a:solidFill>
+                <a:schemeClr val="tx1"/>
+              </a:solidFill>
+            </a:endParaRPr>
+          </a:p>
+        </p:txBody>
+      </p:sp>
+      <p:sp>
+        <p:nvSpPr>
+          <p:cNvPr id="4" name="Content Placeholder 2">
+            <a:extLst>
+              <a:ext uri="{FF2B5EF4-FFF2-40B4-BE49-F238E27FC236}">
+                <a16:creationId xmlns:a16="http://schemas.microsoft.com/office/drawing/2014/main" id="{CBDA4755-0BE4-480A-2621-9FF4CABF0B39}"/>
+              </a:ext>
+            </a:extLst>
+          </p:cNvPr>
+          <p:cNvSpPr>
+            <a:spLocks noGrp="1"/>
+          </p:cNvSpPr>
+          <p:nvPr>
+            <p:ph idx="1"/>
+          </p:nvPr>
+        </p:nvSpPr>
+        <p:spPr>
+          <a:xfrm>
+            <a:off x="1781733" y="3180230"/>
+            <a:ext cx="4278407" cy="2519363"/>
+          </a:xfrm>
+        </p:spPr>
+        <p:txBody>
+          <a:bodyPr>
+            <a:normAutofit/>
+          </a:bodyPr>
+          <a:lstStyle/>
+          <a:p>
+            <a:pPr marL="285750" indent="-285750">
+              <a:buFontTx/>
+              <a:buChar char="-"/>
+            </a:pPr>
+            <a:r>
+              <a:rPr lang="en-US" dirty="0"/>
+              <a:t>Identify the behavior of each customer from the radar chart.</a:t>
+            </a:r>
+          </a:p>
+        </p:txBody>
+      </p:sp>
+    </p:spTree>
+    <p:extLst>
+      <p:ext uri="{BB962C8B-B14F-4D97-AF65-F5344CB8AC3E}">
+        <p14:creationId xmlns:p14="http://schemas.microsoft.com/office/powerpoint/2010/main" val="1510658856"/>
+      </p:ext>
+    </p:extLst>
+  </p:cSld>
+  <p:clrMapOvr>
+    <a:masterClrMapping/>
+  </p:clrMapOvr>
+</p:sld>
+</file>
+
+<file path=ppt/slides/slide55.xml><?xml version="1.0" encoding="utf-8"?>
+<p:sld xmlns:a="http://schemas.openxmlformats.org/drawingml/2006/main" xmlns:r="http://schemas.openxmlformats.org/officeDocument/2006/relationships" xmlns:p="http://schemas.openxmlformats.org/presentationml/2006/main">
+  <p:cSld>
+    <p:spTree>
+      <p:nvGrpSpPr>
+        <p:cNvPr id="1" name=""/>
+        <p:cNvGrpSpPr/>
+        <p:nvPr/>
+      </p:nvGrpSpPr>
+      <p:grpSpPr>
+        <a:xfrm>
+          <a:off x="0" y="0"/>
+          <a:ext cx="0" cy="0"/>
+          <a:chOff x="0" y="0"/>
+          <a:chExt cx="0" cy="0"/>
+        </a:xfrm>
+      </p:grpSpPr>
+      <p:sp>
+        <p:nvSpPr>
+          <p:cNvPr id="2" name="Title 1">
+            <a:extLst>
+              <a:ext uri="{FF2B5EF4-FFF2-40B4-BE49-F238E27FC236}">
+                <a16:creationId xmlns:a16="http://schemas.microsoft.com/office/drawing/2014/main" id="{7CA9C9D1-003D-8F31-31BD-F995D634F366}"/>
+              </a:ext>
+            </a:extLst>
+          </p:cNvPr>
+          <p:cNvSpPr>
+            <a:spLocks noGrp="1"/>
+          </p:cNvSpPr>
+          <p:nvPr>
+            <p:ph type="title"/>
+          </p:nvPr>
+        </p:nvSpPr>
+        <p:spPr>
+          <a:xfrm>
+            <a:off x="2661395" y="486839"/>
+            <a:ext cx="6869207" cy="436526"/>
+          </a:xfrm>
+        </p:spPr>
+        <p:txBody>
+          <a:bodyPr>
+            <a:normAutofit/>
+          </a:bodyPr>
+          <a:lstStyle/>
+          <a:p>
+            <a:pPr algn="ctr"/>
+            <a:r>
+              <a:rPr lang="en-US" sz="2000" b="1" dirty="0"/>
+              <a:t>Radar Chart Approach</a:t>
+            </a:r>
+          </a:p>
+        </p:txBody>
+      </p:sp>
+      <p:pic>
+        <p:nvPicPr>
+          <p:cNvPr id="2052" name="Picture 4">
+            <a:extLst>
+              <a:ext uri="{FF2B5EF4-FFF2-40B4-BE49-F238E27FC236}">
+                <a16:creationId xmlns:a16="http://schemas.microsoft.com/office/drawing/2014/main" id="{83C35E1A-F79E-1807-D8E9-5C6E52F0DA08}"/>
+              </a:ext>
+            </a:extLst>
+          </p:cNvPr>
+          <p:cNvPicPr>
+            <a:picLocks noChangeAspect="1" noChangeArrowheads="1"/>
+          </p:cNvPicPr>
+          <p:nvPr/>
+        </p:nvPicPr>
+        <p:blipFill rotWithShape="1">
+          <a:blip r:embed="rId2">
+            <a:extLst>
+              <a:ext uri="{28A0092B-C50C-407E-A947-70E740481C1C}">
+                <a14:useLocalDpi xmlns:a14="http://schemas.microsoft.com/office/drawing/2010/main" val="0"/>
+              </a:ext>
+            </a:extLst>
+          </a:blip>
+          <a:srcRect r="66618"/>
+          <a:stretch/>
+        </p:blipFill>
+        <p:spPr bwMode="auto">
+          <a:xfrm>
+            <a:off x="2473438" y="1374389"/>
+            <a:ext cx="2473653" cy="2009787"/>
+          </a:xfrm>
+          <a:prstGeom prst="rect">
+            <a:avLst/>
+          </a:prstGeom>
+          <a:noFill/>
+          <a:extLst>
+            <a:ext uri="{909E8E84-426E-40DD-AFC4-6F175D3DCCD1}">
+              <a14:hiddenFill xmlns:a14="http://schemas.microsoft.com/office/drawing/2010/main">
+                <a:solidFill>
+                  <a:srgbClr val="FFFFFF"/>
+                </a:solidFill>
+              </a14:hiddenFill>
+            </a:ext>
+          </a:extLst>
+        </p:spPr>
+      </p:pic>
+      <p:pic>
+        <p:nvPicPr>
+          <p:cNvPr id="4" name="Picture 4">
+            <a:extLst>
+              <a:ext uri="{FF2B5EF4-FFF2-40B4-BE49-F238E27FC236}">
+                <a16:creationId xmlns:a16="http://schemas.microsoft.com/office/drawing/2014/main" id="{11614E94-7F11-A1AF-9182-EBA035A62501}"/>
+              </a:ext>
+            </a:extLst>
+          </p:cNvPr>
+          <p:cNvPicPr>
+            <a:picLocks noChangeAspect="1" noChangeArrowheads="1"/>
+          </p:cNvPicPr>
+          <p:nvPr/>
+        </p:nvPicPr>
+        <p:blipFill rotWithShape="1">
+          <a:blip r:embed="rId2">
+            <a:extLst>
+              <a:ext uri="{28A0092B-C50C-407E-A947-70E740481C1C}">
+                <a14:useLocalDpi xmlns:a14="http://schemas.microsoft.com/office/drawing/2010/main" val="0"/>
+              </a:ext>
+            </a:extLst>
+          </a:blip>
+          <a:srcRect l="33088" r="33529"/>
+          <a:stretch/>
+        </p:blipFill>
+        <p:spPr bwMode="auto">
+          <a:xfrm>
+            <a:off x="2387898" y="3634422"/>
+            <a:ext cx="2644731" cy="2148784"/>
+          </a:xfrm>
+          <a:prstGeom prst="rect">
+            <a:avLst/>
+          </a:prstGeom>
+          <a:noFill/>
+          <a:extLst>
+            <a:ext uri="{909E8E84-426E-40DD-AFC4-6F175D3DCCD1}">
+              <a14:hiddenFill xmlns:a14="http://schemas.microsoft.com/office/drawing/2010/main">
+                <a:solidFill>
+                  <a:srgbClr val="FFFFFF"/>
+                </a:solidFill>
+              </a14:hiddenFill>
+            </a:ext>
+          </a:extLst>
+        </p:spPr>
+      </p:pic>
+      <p:sp>
+        <p:nvSpPr>
+          <p:cNvPr id="7" name="TextBox 6">
+            <a:extLst>
+              <a:ext uri="{FF2B5EF4-FFF2-40B4-BE49-F238E27FC236}">
+                <a16:creationId xmlns:a16="http://schemas.microsoft.com/office/drawing/2014/main" id="{40CBB150-349E-22EE-65E6-26860B570856}"/>
+              </a:ext>
+            </a:extLst>
+          </p:cNvPr>
+          <p:cNvSpPr txBox="1"/>
+          <p:nvPr/>
+        </p:nvSpPr>
+        <p:spPr>
+          <a:xfrm>
+            <a:off x="5095382" y="1511919"/>
+            <a:ext cx="4996424" cy="1815882"/>
+          </a:xfrm>
+          <a:prstGeom prst="rect">
+            <a:avLst/>
+          </a:prstGeom>
+          <a:noFill/>
+        </p:spPr>
+        <p:txBody>
+          <a:bodyPr wrap="square" rtlCol="0">
+            <a:spAutoFit/>
+          </a:bodyPr>
+          <a:lstStyle/>
+          <a:p>
+            <a:r>
+              <a:rPr lang="en-US" sz="1600" b="1" dirty="0"/>
+              <a:t>Cluster 0</a:t>
+            </a:r>
+            <a:r>
+              <a:rPr lang="en-US" sz="1600" dirty="0"/>
+              <a:t>    </a:t>
+            </a:r>
+            <a:endParaRPr lang="en-US" sz="1200" dirty="0"/>
+          </a:p>
+          <a:p>
+            <a:pPr marL="742950" lvl="1" indent="-285750">
+              <a:buFontTx/>
+              <a:buChar char="-"/>
+            </a:pPr>
+            <a:r>
+              <a:rPr lang="en-US" sz="1200" dirty="0"/>
+              <a:t>Customers in this cluster tend to spend less (low </a:t>
+            </a:r>
+            <a:r>
+              <a:rPr lang="en-US" sz="1200" dirty="0" err="1"/>
+              <a:t>monthly_Spending_Mean</a:t>
+            </a:r>
+            <a:r>
+              <a:rPr lang="en-US" sz="1200" dirty="0"/>
+              <a:t>).    </a:t>
+            </a:r>
+          </a:p>
+          <a:p>
+            <a:pPr marL="742950" lvl="1" indent="-285750">
+              <a:buFontTx/>
+              <a:buChar char="-"/>
+            </a:pPr>
+            <a:r>
+              <a:rPr lang="en-US" sz="1200" dirty="0"/>
+              <a:t>They loves to buy in weekend (due to very high </a:t>
+            </a:r>
+            <a:r>
+              <a:rPr lang="en-US" sz="1200" dirty="0" err="1"/>
+              <a:t>Day_of_Week</a:t>
+            </a:r>
+            <a:r>
+              <a:rPr lang="en-US" sz="1200" dirty="0"/>
+              <a:t> value).    </a:t>
+            </a:r>
+          </a:p>
+          <a:p>
+            <a:pPr marL="742950" lvl="1" indent="-285750">
+              <a:buFontTx/>
+              <a:buChar char="-"/>
+            </a:pPr>
+            <a:r>
+              <a:rPr lang="en-US" sz="1200" dirty="0"/>
+              <a:t>They spending behavior are stable (low </a:t>
+            </a:r>
+            <a:r>
+              <a:rPr lang="en-US" sz="1200" dirty="0" err="1"/>
+              <a:t>Monthly_Spending_Std</a:t>
+            </a:r>
+            <a:r>
+              <a:rPr lang="en-US" sz="1200" dirty="0"/>
+              <a:t>).     </a:t>
+            </a:r>
+          </a:p>
+          <a:p>
+            <a:pPr marL="742950" lvl="1" indent="-285750">
+              <a:buFontTx/>
+              <a:buChar char="-"/>
+            </a:pPr>
+            <a:r>
+              <a:rPr lang="en-US" sz="1200" dirty="0"/>
+              <a:t>They have a slight tendency to shop during the weekends.   </a:t>
+            </a:r>
+          </a:p>
+          <a:p>
+            <a:pPr marL="742950" lvl="1" indent="-285750">
+              <a:buFontTx/>
+              <a:buChar char="-"/>
+            </a:pPr>
+            <a:r>
+              <a:rPr lang="en-US" sz="1200" b="1" dirty="0">
+                <a:solidFill>
+                  <a:srgbClr val="0070C0"/>
+                </a:solidFill>
+              </a:rPr>
+              <a:t>Weekend Shopping Customers</a:t>
+            </a:r>
+            <a:endParaRPr lang="en-US" sz="1600" b="1" dirty="0">
+              <a:solidFill>
+                <a:srgbClr val="0070C0"/>
+              </a:solidFill>
+            </a:endParaRPr>
+          </a:p>
+        </p:txBody>
+      </p:sp>
+      <p:sp>
+        <p:nvSpPr>
+          <p:cNvPr id="8" name="TextBox 7">
+            <a:extLst>
+              <a:ext uri="{FF2B5EF4-FFF2-40B4-BE49-F238E27FC236}">
+                <a16:creationId xmlns:a16="http://schemas.microsoft.com/office/drawing/2014/main" id="{19CB75F4-F584-1BD6-E5F2-898F9554996A}"/>
+              </a:ext>
+            </a:extLst>
+          </p:cNvPr>
+          <p:cNvSpPr txBox="1"/>
+          <p:nvPr/>
+        </p:nvSpPr>
+        <p:spPr>
+          <a:xfrm>
+            <a:off x="5095382" y="3800873"/>
+            <a:ext cx="4996424" cy="2000548"/>
+          </a:xfrm>
+          <a:prstGeom prst="rect">
+            <a:avLst/>
+          </a:prstGeom>
+          <a:noFill/>
+        </p:spPr>
+        <p:txBody>
+          <a:bodyPr wrap="square" rtlCol="0">
+            <a:spAutoFit/>
+          </a:bodyPr>
+          <a:lstStyle/>
+          <a:p>
+            <a:r>
+              <a:rPr lang="en-US" sz="1600" b="1" dirty="0"/>
+              <a:t>Cluster 1</a:t>
+            </a:r>
+            <a:endParaRPr lang="en-US" sz="1200" dirty="0"/>
+          </a:p>
+          <a:p>
+            <a:pPr marL="742950" lvl="1" indent="-285750">
+              <a:buFontTx/>
+              <a:buChar char="-"/>
+            </a:pPr>
+            <a:r>
+              <a:rPr lang="en-US" sz="1200" dirty="0"/>
+              <a:t>Customers in this cluster show a moderate level of spending</a:t>
+            </a:r>
+          </a:p>
+          <a:p>
+            <a:pPr marL="742950" lvl="1" indent="-285750">
+              <a:buFontTx/>
+              <a:buChar char="-"/>
+            </a:pPr>
+            <a:r>
+              <a:rPr lang="en-US" sz="1200" dirty="0"/>
+              <a:t>their transactions are not very frequent, as indicated by the high </a:t>
+            </a:r>
+            <a:r>
+              <a:rPr lang="en-US" sz="1200" dirty="0" err="1"/>
+              <a:t>Days_Since_Last_Purchase</a:t>
+            </a:r>
+            <a:r>
+              <a:rPr lang="en-US" sz="1200" dirty="0"/>
+              <a:t> and </a:t>
+            </a:r>
+            <a:r>
+              <a:rPr lang="en-US" sz="1200" dirty="0" err="1"/>
+              <a:t>Average_Days_Between_Purchases</a:t>
+            </a:r>
+            <a:r>
+              <a:rPr lang="en-US" sz="1200" dirty="0"/>
+              <a:t>.</a:t>
+            </a:r>
+          </a:p>
+          <a:p>
+            <a:pPr marL="742950" lvl="1" indent="-285750">
+              <a:buFontTx/>
+              <a:buChar char="-"/>
+            </a:pPr>
+            <a:r>
+              <a:rPr lang="en-US" sz="1200" dirty="0"/>
+              <a:t>They have a very high spending trend, indicating that their spending has been increasing over time.</a:t>
+            </a:r>
+          </a:p>
+          <a:p>
+            <a:pPr marL="742950" lvl="1" indent="-285750">
+              <a:buFontTx/>
+              <a:buChar char="-"/>
+            </a:pPr>
+            <a:r>
+              <a:rPr lang="en-US" sz="1200" dirty="0"/>
+              <a:t>They are not frequent big spenders with a high spending </a:t>
+            </a:r>
+            <a:r>
+              <a:rPr lang="en-US" sz="1200" dirty="0" err="1"/>
+              <a:t>tren</a:t>
+            </a:r>
+            <a:endParaRPr lang="en-US" sz="1200" dirty="0"/>
+          </a:p>
+          <a:p>
+            <a:pPr marL="742950" lvl="1" indent="-285750">
+              <a:buFontTx/>
+              <a:buChar char="-"/>
+            </a:pPr>
+            <a:r>
+              <a:rPr lang="en-US" sz="1200" b="1" dirty="0">
+                <a:solidFill>
+                  <a:srgbClr val="0070C0"/>
+                </a:solidFill>
+              </a:rPr>
+              <a:t>Infrequent Big Spenders with a High Spending Trend Customers</a:t>
+            </a:r>
+            <a:endParaRPr lang="en-US" sz="1600" b="1" dirty="0">
+              <a:solidFill>
+                <a:srgbClr val="0070C0"/>
+              </a:solidFill>
+            </a:endParaRPr>
+          </a:p>
+        </p:txBody>
+      </p:sp>
+    </p:spTree>
+    <p:extLst>
+      <p:ext uri="{BB962C8B-B14F-4D97-AF65-F5344CB8AC3E}">
+        <p14:creationId xmlns:p14="http://schemas.microsoft.com/office/powerpoint/2010/main" val="3058245493"/>
+      </p:ext>
+    </p:extLst>
+  </p:cSld>
+  <p:clrMapOvr>
+    <a:masterClrMapping/>
+  </p:clrMapOvr>
+</p:sld>
+</file>
+
+<file path=ppt/slides/slide56.xml><?xml version="1.0" encoding="utf-8"?>
+<p:sld xmlns:a="http://schemas.openxmlformats.org/drawingml/2006/main" xmlns:r="http://schemas.openxmlformats.org/officeDocument/2006/relationships" xmlns:p="http://schemas.openxmlformats.org/presentationml/2006/main">
+  <p:cSld>
+    <p:spTree>
+      <p:nvGrpSpPr>
+        <p:cNvPr id="1" name=""/>
+        <p:cNvGrpSpPr/>
+        <p:nvPr/>
+      </p:nvGrpSpPr>
+      <p:grpSpPr>
+        <a:xfrm>
+          <a:off x="0" y="0"/>
+          <a:ext cx="0" cy="0"/>
+          <a:chOff x="0" y="0"/>
+          <a:chExt cx="0" cy="0"/>
+        </a:xfrm>
+      </p:grpSpPr>
+      <p:sp>
+        <p:nvSpPr>
+          <p:cNvPr id="2" name="Title 1">
+            <a:extLst>
+              <a:ext uri="{FF2B5EF4-FFF2-40B4-BE49-F238E27FC236}">
+                <a16:creationId xmlns:a16="http://schemas.microsoft.com/office/drawing/2014/main" id="{7CA9C9D1-003D-8F31-31BD-F995D634F366}"/>
+              </a:ext>
+            </a:extLst>
+          </p:cNvPr>
+          <p:cNvSpPr>
+            <a:spLocks noGrp="1"/>
+          </p:cNvSpPr>
+          <p:nvPr>
+            <p:ph type="title"/>
+          </p:nvPr>
+        </p:nvSpPr>
+        <p:spPr>
+          <a:xfrm>
+            <a:off x="2661395" y="486839"/>
+            <a:ext cx="6869207" cy="436526"/>
+          </a:xfrm>
+        </p:spPr>
+        <p:txBody>
+          <a:bodyPr>
+            <a:normAutofit/>
+          </a:bodyPr>
+          <a:lstStyle/>
+          <a:p>
+            <a:pPr algn="ctr"/>
+            <a:r>
+              <a:rPr lang="en-US" sz="2000" b="1" dirty="0"/>
+              <a:t>Radar Chart Approach</a:t>
+            </a:r>
+          </a:p>
+        </p:txBody>
+      </p:sp>
+      <p:pic>
+        <p:nvPicPr>
+          <p:cNvPr id="6" name="Picture 4">
+            <a:extLst>
+              <a:ext uri="{FF2B5EF4-FFF2-40B4-BE49-F238E27FC236}">
+                <a16:creationId xmlns:a16="http://schemas.microsoft.com/office/drawing/2014/main" id="{EFC1A43B-8537-F7A3-3439-BD7E7841A43F}"/>
+              </a:ext>
+            </a:extLst>
+          </p:cNvPr>
+          <p:cNvPicPr>
+            <a:picLocks noChangeAspect="1" noChangeArrowheads="1"/>
+          </p:cNvPicPr>
+          <p:nvPr/>
+        </p:nvPicPr>
+        <p:blipFill rotWithShape="1">
+          <a:blip r:embed="rId2">
+            <a:extLst>
+              <a:ext uri="{28A0092B-C50C-407E-A947-70E740481C1C}">
+                <a14:useLocalDpi xmlns:a14="http://schemas.microsoft.com/office/drawing/2010/main" val="0"/>
+              </a:ext>
+            </a:extLst>
+          </a:blip>
+          <a:srcRect l="66618"/>
+          <a:stretch/>
+        </p:blipFill>
+        <p:spPr bwMode="auto">
+          <a:xfrm>
+            <a:off x="2026022" y="1775618"/>
+            <a:ext cx="4069976" cy="3306763"/>
+          </a:xfrm>
+          <a:prstGeom prst="rect">
+            <a:avLst/>
+          </a:prstGeom>
+          <a:noFill/>
+          <a:extLst>
+            <a:ext uri="{909E8E84-426E-40DD-AFC4-6F175D3DCCD1}">
+              <a14:hiddenFill xmlns:a14="http://schemas.microsoft.com/office/drawing/2010/main">
+                <a:solidFill>
+                  <a:srgbClr val="FFFFFF"/>
+                </a:solidFill>
+              </a14:hiddenFill>
+            </a:ext>
+          </a:extLst>
+        </p:spPr>
+      </p:pic>
+      <p:sp>
+        <p:nvSpPr>
+          <p:cNvPr id="3" name="TextBox 2">
+            <a:extLst>
+              <a:ext uri="{FF2B5EF4-FFF2-40B4-BE49-F238E27FC236}">
+                <a16:creationId xmlns:a16="http://schemas.microsoft.com/office/drawing/2014/main" id="{BFD16A16-2A5B-3D1B-52A6-87373E855226}"/>
+              </a:ext>
+            </a:extLst>
+          </p:cNvPr>
+          <p:cNvSpPr txBox="1"/>
+          <p:nvPr/>
+        </p:nvSpPr>
+        <p:spPr>
+          <a:xfrm>
+            <a:off x="6440088" y="2613391"/>
+            <a:ext cx="4996424" cy="1631216"/>
+          </a:xfrm>
+          <a:prstGeom prst="rect">
+            <a:avLst/>
+          </a:prstGeom>
+          <a:noFill/>
+        </p:spPr>
+        <p:txBody>
+          <a:bodyPr wrap="square" rtlCol="0">
+            <a:spAutoFit/>
+          </a:bodyPr>
+          <a:lstStyle/>
+          <a:p>
+            <a:r>
+              <a:rPr lang="en-US" sz="1600" b="1" dirty="0"/>
+              <a:t>Cluster 2</a:t>
+            </a:r>
+            <a:endParaRPr lang="en-US" sz="1200" dirty="0"/>
+          </a:p>
+          <a:p>
+            <a:pPr marL="742950" lvl="1" indent="-285750">
+              <a:buFontTx/>
+              <a:buChar char="-"/>
+            </a:pPr>
+            <a:r>
+              <a:rPr lang="en-US" sz="1200" dirty="0"/>
+              <a:t>Customers in this cluster are high spenders with a very high total spend.</a:t>
+            </a:r>
+          </a:p>
+          <a:p>
+            <a:pPr marL="742950" lvl="1" indent="-285750">
+              <a:buFontTx/>
+              <a:buChar char="-"/>
+            </a:pPr>
+            <a:r>
+              <a:rPr lang="en-US" sz="1200" dirty="0"/>
+              <a:t>have a high cancellation frequency.</a:t>
+            </a:r>
+          </a:p>
+          <a:p>
+            <a:pPr marL="742950" lvl="1" indent="-285750">
+              <a:buFontTx/>
+              <a:buChar char="-"/>
+            </a:pPr>
+            <a:r>
+              <a:rPr lang="en-US" sz="1200" dirty="0"/>
+              <a:t>They are frequent high-spenders with a high rate of cancellation</a:t>
+            </a:r>
+          </a:p>
+          <a:p>
+            <a:pPr marL="742950" lvl="1" indent="-285750">
+              <a:buFontTx/>
+              <a:buChar char="-"/>
+            </a:pPr>
+            <a:r>
+              <a:rPr lang="en-US" sz="1200" b="1" dirty="0">
+                <a:solidFill>
+                  <a:srgbClr val="0070C0"/>
+                </a:solidFill>
+              </a:rPr>
+              <a:t>Frequent High-Spenders with a High Rate of Cancellations Customers</a:t>
+            </a:r>
+            <a:endParaRPr lang="en-US" sz="1600" b="1" dirty="0">
+              <a:solidFill>
+                <a:srgbClr val="0070C0"/>
+              </a:solidFill>
+            </a:endParaRPr>
+          </a:p>
+        </p:txBody>
+      </p:sp>
+    </p:spTree>
+    <p:extLst>
+      <p:ext uri="{BB962C8B-B14F-4D97-AF65-F5344CB8AC3E}">
+        <p14:creationId xmlns:p14="http://schemas.microsoft.com/office/powerpoint/2010/main" val="2414515140"/>
+      </p:ext>
+    </p:extLst>
+  </p:cSld>
+  <p:clrMapOvr>
+    <a:masterClrMapping/>
+  </p:clrMapOvr>
+</p:sld>
+</file>
+
+<file path=ppt/slides/slide57.xml><?xml version="1.0" encoding="utf-8"?>
+<p:sld xmlns:a="http://schemas.openxmlformats.org/drawingml/2006/main" xmlns:r="http://schemas.openxmlformats.org/officeDocument/2006/relationships" xmlns:p="http://schemas.openxmlformats.org/presentationml/2006/main">
+  <p:cSld>
+    <p:spTree>
+      <p:nvGrpSpPr>
+        <p:cNvPr id="1" name=""/>
+        <p:cNvGrpSpPr/>
+        <p:nvPr/>
+      </p:nvGrpSpPr>
+      <p:grpSpPr>
+        <a:xfrm>
+          <a:off x="0" y="0"/>
+          <a:ext cx="0" cy="0"/>
+          <a:chOff x="0" y="0"/>
+          <a:chExt cx="0" cy="0"/>
+        </a:xfrm>
+      </p:grpSpPr>
+      <p:sp>
+        <p:nvSpPr>
+          <p:cNvPr id="2" name="Title 1">
+            <a:extLst>
+              <a:ext uri="{FF2B5EF4-FFF2-40B4-BE49-F238E27FC236}">
+                <a16:creationId xmlns:a16="http://schemas.microsoft.com/office/drawing/2014/main" id="{1CF50F63-F3AC-DA2D-7146-5BAF73CA085E}"/>
+              </a:ext>
+            </a:extLst>
+          </p:cNvPr>
+          <p:cNvSpPr>
+            <a:spLocks noGrp="1"/>
+          </p:cNvSpPr>
+          <p:nvPr>
+            <p:ph type="title"/>
+          </p:nvPr>
+        </p:nvSpPr>
+        <p:spPr>
+          <a:xfrm>
+            <a:off x="1781734" y="2931459"/>
+            <a:ext cx="4807325" cy="497541"/>
+          </a:xfrm>
+        </p:spPr>
+        <p:txBody>
+          <a:bodyPr>
+            <a:normAutofit fontScale="90000"/>
+          </a:bodyPr>
+          <a:lstStyle/>
+          <a:p>
+            <a:r>
+              <a:rPr lang="en-US" dirty="0"/>
+              <a:t>RECOMMENDATION SYSTEM</a:t>
+            </a:r>
+          </a:p>
+        </p:txBody>
+      </p:sp>
+      <p:sp>
+        <p:nvSpPr>
+          <p:cNvPr id="7" name="Content Placeholder 2">
+            <a:extLst>
+              <a:ext uri="{FF2B5EF4-FFF2-40B4-BE49-F238E27FC236}">
+                <a16:creationId xmlns:a16="http://schemas.microsoft.com/office/drawing/2014/main" id="{D2FC17DA-C447-E41A-528B-BA2A3111768B}"/>
+              </a:ext>
+            </a:extLst>
+          </p:cNvPr>
+          <p:cNvSpPr txBox="1">
+            <a:spLocks/>
+          </p:cNvSpPr>
+          <p:nvPr/>
+        </p:nvSpPr>
+        <p:spPr>
+          <a:xfrm>
+            <a:off x="6720167" y="1192379"/>
+            <a:ext cx="4138334" cy="4985833"/>
+          </a:xfrm>
+          <a:prstGeom prst="rect">
+            <a:avLst/>
+          </a:prstGeom>
+        </p:spPr>
+        <p:txBody>
+          <a:bodyPr vert="horz" lIns="91440" tIns="45720" rIns="91440" bIns="45720" rtlCol="0">
+            <a:normAutofit/>
+          </a:bodyPr>
+          <a:lstStyle>
+            <a:lvl1pPr marL="0" indent="0" algn="l" defTabSz="914400" rtl="0" eaLnBrk="1" latinLnBrk="0" hangingPunct="1">
+              <a:lnSpc>
+                <a:spcPct val="120000"/>
+              </a:lnSpc>
+              <a:spcBef>
+                <a:spcPts val="1000"/>
+              </a:spcBef>
+              <a:buFont typeface="Arial" panose="020B0604020202020204" pitchFamily="34" charset="0"/>
+              <a:buNone/>
+              <a:defRPr sz="1400" kern="1200">
+                <a:solidFill>
+                  <a:schemeClr val="tx1">
+                    <a:lumMod val="75000"/>
+                    <a:lumOff val="25000"/>
+                  </a:schemeClr>
+                </a:solidFill>
+                <a:latin typeface="+mn-lt"/>
+                <a:ea typeface="+mn-ea"/>
+                <a:cs typeface="+mn-cs"/>
+              </a:defRPr>
+            </a:lvl1pPr>
+            <a:lvl2pPr marL="457200" indent="0" algn="l" defTabSz="914400" rtl="0" eaLnBrk="1" latinLnBrk="0" hangingPunct="1">
+              <a:lnSpc>
+                <a:spcPct val="120000"/>
+              </a:lnSpc>
+              <a:spcBef>
+                <a:spcPts val="1000"/>
+              </a:spcBef>
+              <a:buFont typeface="Arial" panose="020B0604020202020204" pitchFamily="34" charset="0"/>
+              <a:buNone/>
+              <a:defRPr sz="1400" kern="1200">
+                <a:solidFill>
+                  <a:schemeClr val="tx1">
+                    <a:lumMod val="75000"/>
+                    <a:lumOff val="25000"/>
+                  </a:schemeClr>
+                </a:solidFill>
+                <a:latin typeface="+mn-lt"/>
+                <a:ea typeface="+mn-ea"/>
+                <a:cs typeface="+mn-cs"/>
+              </a:defRPr>
+            </a:lvl2pPr>
+            <a:lvl3pPr marL="914400" indent="0" algn="l" defTabSz="914400" rtl="0" eaLnBrk="1" latinLnBrk="0" hangingPunct="1">
+              <a:lnSpc>
+                <a:spcPct val="120000"/>
+              </a:lnSpc>
+              <a:spcBef>
+                <a:spcPts val="1000"/>
+              </a:spcBef>
+              <a:buFont typeface="Arial" panose="020B0604020202020204" pitchFamily="34" charset="0"/>
+              <a:buNone/>
+              <a:defRPr sz="1400" kern="1200">
+                <a:solidFill>
+                  <a:schemeClr val="tx1">
+                    <a:lumMod val="75000"/>
+                    <a:lumOff val="25000"/>
+                  </a:schemeClr>
+                </a:solidFill>
+                <a:latin typeface="+mn-lt"/>
+                <a:ea typeface="+mn-ea"/>
+                <a:cs typeface="+mn-cs"/>
+              </a:defRPr>
+            </a:lvl3pPr>
+            <a:lvl4pPr marL="1371600" indent="0" algn="l" defTabSz="914400" rtl="0" eaLnBrk="1" latinLnBrk="0" hangingPunct="1">
+              <a:lnSpc>
+                <a:spcPct val="120000"/>
+              </a:lnSpc>
+              <a:spcBef>
+                <a:spcPts val="1000"/>
+              </a:spcBef>
+              <a:buFont typeface="Arial" panose="020B0604020202020204" pitchFamily="34" charset="0"/>
+              <a:buNone/>
+              <a:defRPr sz="1400" kern="1200">
+                <a:solidFill>
+                  <a:schemeClr val="tx1">
+                    <a:lumMod val="75000"/>
+                    <a:lumOff val="25000"/>
+                  </a:schemeClr>
+                </a:solidFill>
+                <a:latin typeface="+mn-lt"/>
+                <a:ea typeface="+mn-ea"/>
+                <a:cs typeface="+mn-cs"/>
+              </a:defRPr>
+            </a:lvl4pPr>
+            <a:lvl5pPr marL="1828800" indent="0" algn="l" defTabSz="914400" rtl="0" eaLnBrk="1" latinLnBrk="0" hangingPunct="1">
+              <a:lnSpc>
+                <a:spcPct val="120000"/>
+              </a:lnSpc>
+              <a:spcBef>
+                <a:spcPts val="1000"/>
+              </a:spcBef>
+              <a:buFont typeface="Arial" panose="020B0604020202020204" pitchFamily="34" charset="0"/>
+              <a:buNone/>
+              <a:defRPr sz="1400" kern="1200">
+                <a:solidFill>
+                  <a:schemeClr val="tx1">
+                    <a:lumMod val="75000"/>
+                    <a:lumOff val="25000"/>
+                  </a:schemeClr>
+                </a:solidFill>
+                <a:latin typeface="+mn-lt"/>
+                <a:ea typeface="+mn-ea"/>
+                <a:cs typeface="+mn-cs"/>
+              </a:defRPr>
+            </a:lvl5pPr>
+            <a:lvl6pPr marL="2514600" indent="-228600" algn="l" defTabSz="914400" rtl="0" eaLnBrk="1" latinLnBrk="0" hangingPunct="1">
+              <a:lnSpc>
+                <a:spcPct val="90000"/>
+              </a:lnSpc>
+              <a:spcBef>
+                <a:spcPts val="500"/>
+              </a:spcBef>
+              <a:buFont typeface="Arial" panose="020B0604020202020204" pitchFamily="34" charset="0"/>
+              <a:buChar char="•"/>
+              <a:defRPr sz="1800" kern="1200">
+                <a:solidFill>
+                  <a:schemeClr val="tx1"/>
+                </a:solidFill>
+                <a:latin typeface="+mn-lt"/>
+                <a:ea typeface="+mn-ea"/>
+                <a:cs typeface="+mn-cs"/>
+              </a:defRPr>
+            </a:lvl6pPr>
+            <a:lvl7pPr marL="2971800" indent="-228600" algn="l" defTabSz="914400" rtl="0" eaLnBrk="1" latinLnBrk="0" hangingPunct="1">
+              <a:lnSpc>
+                <a:spcPct val="90000"/>
+              </a:lnSpc>
+              <a:spcBef>
+                <a:spcPts val="500"/>
+              </a:spcBef>
+              <a:buFont typeface="Arial" panose="020B0604020202020204" pitchFamily="34" charset="0"/>
+              <a:buChar char="•"/>
+              <a:defRPr sz="1800" kern="1200">
+                <a:solidFill>
+                  <a:schemeClr val="tx1"/>
+                </a:solidFill>
+                <a:latin typeface="+mn-lt"/>
+                <a:ea typeface="+mn-ea"/>
+                <a:cs typeface="+mn-cs"/>
+              </a:defRPr>
+            </a:lvl7pPr>
+            <a:lvl8pPr marL="3429000" indent="-228600" algn="l" defTabSz="914400" rtl="0" eaLnBrk="1" latinLnBrk="0" hangingPunct="1">
+              <a:lnSpc>
+                <a:spcPct val="90000"/>
+              </a:lnSpc>
+              <a:spcBef>
+                <a:spcPts val="500"/>
+              </a:spcBef>
+              <a:buFont typeface="Arial" panose="020B0604020202020204" pitchFamily="34" charset="0"/>
+              <a:buChar char="•"/>
+              <a:defRPr sz="1800" kern="1200">
+                <a:solidFill>
+                  <a:schemeClr val="tx1"/>
+                </a:solidFill>
+                <a:latin typeface="+mn-lt"/>
+                <a:ea typeface="+mn-ea"/>
+                <a:cs typeface="+mn-cs"/>
+              </a:defRPr>
+            </a:lvl8pPr>
+            <a:lvl9pPr marL="3886200" indent="-228600" algn="l" defTabSz="914400" rtl="0" eaLnBrk="1" latinLnBrk="0" hangingPunct="1">
+              <a:lnSpc>
+                <a:spcPct val="90000"/>
+              </a:lnSpc>
+              <a:spcBef>
+                <a:spcPts val="500"/>
+              </a:spcBef>
+              <a:buFont typeface="Arial" panose="020B0604020202020204" pitchFamily="34" charset="0"/>
+              <a:buChar char="•"/>
+              <a:defRPr sz="1800" kern="1200">
+                <a:solidFill>
+                  <a:schemeClr val="tx1"/>
+                </a:solidFill>
+                <a:latin typeface="+mn-lt"/>
+                <a:ea typeface="+mn-ea"/>
+                <a:cs typeface="+mn-cs"/>
+              </a:defRPr>
+            </a:lvl9pPr>
+          </a:lstStyle>
+          <a:p>
+            <a:pPr marL="342900" indent="-342900">
+              <a:buFont typeface="Arial" panose="020B0604020202020204" pitchFamily="34" charset="0"/>
+              <a:buAutoNum type="arabicPeriod"/>
+            </a:pPr>
+            <a:r>
+              <a:rPr lang="en-US" sz="1800" dirty="0">
+                <a:solidFill>
+                  <a:schemeClr val="tx1"/>
+                </a:solidFill>
+              </a:rPr>
+              <a:t>INTRODUCTION</a:t>
+            </a:r>
+          </a:p>
+          <a:p>
+            <a:pPr marL="342900" indent="-342900">
+              <a:buFont typeface="Arial" panose="020B0604020202020204" pitchFamily="34" charset="0"/>
+              <a:buAutoNum type="arabicPeriod"/>
+            </a:pPr>
+            <a:r>
+              <a:rPr lang="en-US" sz="1800" dirty="0">
+                <a:solidFill>
+                  <a:schemeClr val="tx1"/>
+                </a:solidFill>
+              </a:rPr>
+              <a:t>DATASET OVERVIEW</a:t>
+            </a:r>
+          </a:p>
+          <a:p>
+            <a:pPr marL="342900" indent="-342900">
+              <a:buFont typeface="Arial" panose="020B0604020202020204" pitchFamily="34" charset="0"/>
+              <a:buAutoNum type="arabicPeriod"/>
+            </a:pPr>
+            <a:r>
+              <a:rPr lang="en-US" sz="1800" dirty="0">
+                <a:solidFill>
+                  <a:schemeClr val="tx1"/>
+                </a:solidFill>
+              </a:rPr>
+              <a:t>EXPLORE DATA</a:t>
+            </a:r>
+          </a:p>
+          <a:p>
+            <a:pPr marL="342900" indent="-342900">
+              <a:buFont typeface="Arial" panose="020B0604020202020204" pitchFamily="34" charset="0"/>
+              <a:buAutoNum type="arabicPeriod"/>
+            </a:pPr>
+            <a:r>
+              <a:rPr lang="en-US" sz="1800" dirty="0">
+                <a:solidFill>
+                  <a:schemeClr val="tx1"/>
+                </a:solidFill>
+              </a:rPr>
+              <a:t>DATA PREPROCESSING</a:t>
+            </a:r>
+          </a:p>
+          <a:p>
+            <a:pPr marL="342900" indent="-342900">
+              <a:buFont typeface="Arial" panose="020B0604020202020204" pitchFamily="34" charset="0"/>
+              <a:buAutoNum type="arabicPeriod"/>
+            </a:pPr>
+            <a:r>
+              <a:rPr lang="en-US" sz="1800" dirty="0">
+                <a:solidFill>
+                  <a:schemeClr val="tx1"/>
+                </a:solidFill>
+              </a:rPr>
+              <a:t>FEATURE ENGINEERING</a:t>
+            </a:r>
+          </a:p>
+          <a:p>
+            <a:pPr marL="342900" indent="-342900">
+              <a:buFont typeface="Arial" panose="020B0604020202020204" pitchFamily="34" charset="0"/>
+              <a:buAutoNum type="arabicPeriod"/>
+            </a:pPr>
+            <a:r>
+              <a:rPr lang="en-US" sz="1800" dirty="0">
+                <a:solidFill>
+                  <a:schemeClr val="tx1"/>
+                </a:solidFill>
+              </a:rPr>
+              <a:t>CORRELATION ANALYSIS	</a:t>
+            </a:r>
+          </a:p>
+          <a:p>
+            <a:pPr marL="342900" indent="-342900">
+              <a:buFont typeface="Arial" panose="020B0604020202020204" pitchFamily="34" charset="0"/>
+              <a:buAutoNum type="arabicPeriod"/>
+            </a:pPr>
+            <a:r>
+              <a:rPr lang="en-US" sz="1800" dirty="0">
+                <a:solidFill>
+                  <a:schemeClr val="tx1"/>
+                </a:solidFill>
+              </a:rPr>
+              <a:t>DIMENSIONALITY REDUCTION</a:t>
+            </a:r>
+          </a:p>
+          <a:p>
+            <a:pPr marL="342900" indent="-342900">
+              <a:buFont typeface="Arial" panose="020B0604020202020204" pitchFamily="34" charset="0"/>
+              <a:buAutoNum type="arabicPeriod"/>
+            </a:pPr>
+            <a:r>
+              <a:rPr lang="en-US" sz="1800" dirty="0">
+                <a:solidFill>
+                  <a:schemeClr val="tx1"/>
+                </a:solidFill>
+              </a:rPr>
+              <a:t>MODELING</a:t>
+            </a:r>
+          </a:p>
+          <a:p>
+            <a:pPr marL="342900" indent="-342900">
+              <a:buFont typeface="Arial" panose="020B0604020202020204" pitchFamily="34" charset="0"/>
+              <a:buAutoNum type="arabicPeriod"/>
+            </a:pPr>
+            <a:r>
+              <a:rPr lang="en-US" sz="1800" dirty="0">
+                <a:solidFill>
+                  <a:schemeClr val="tx1"/>
+                </a:solidFill>
+              </a:rPr>
+              <a:t>MODEL EVALUATION &amp; ANALYSIS</a:t>
+            </a:r>
+          </a:p>
+          <a:p>
+            <a:pPr marL="342900" indent="-342900">
+              <a:buFont typeface="Arial" panose="020B0604020202020204" pitchFamily="34" charset="0"/>
+              <a:buAutoNum type="arabicPeriod"/>
+            </a:pPr>
+            <a:r>
+              <a:rPr lang="en-US" sz="1800" dirty="0">
+                <a:solidFill>
+                  <a:srgbClr val="00B0F0"/>
+                </a:solidFill>
+              </a:rPr>
+              <a:t>RECOMMENDATION SYSTEM</a:t>
+            </a:r>
+          </a:p>
+          <a:p>
+            <a:pPr marL="342900" indent="-342900">
+              <a:buFont typeface="Arial" panose="020B0604020202020204" pitchFamily="34" charset="0"/>
+              <a:buAutoNum type="arabicPeriod"/>
+            </a:pPr>
+            <a:endParaRPr lang="en-US" sz="1800" dirty="0">
+              <a:solidFill>
+                <a:schemeClr val="tx1"/>
+              </a:solidFill>
+            </a:endParaRPr>
+          </a:p>
+        </p:txBody>
+      </p:sp>
+    </p:spTree>
+    <p:extLst>
+      <p:ext uri="{BB962C8B-B14F-4D97-AF65-F5344CB8AC3E}">
+        <p14:creationId xmlns:p14="http://schemas.microsoft.com/office/powerpoint/2010/main" val="3997804733"/>
+      </p:ext>
+    </p:extLst>
+  </p:cSld>
+  <p:clrMapOvr>
+    <a:masterClrMapping/>
+  </p:clrMapOvr>
+</p:sld>
+</file>
+
+<file path=ppt/slides/slide58.xml><?xml version="1.0" encoding="utf-8"?>
+<p:sld xmlns:a="http://schemas.openxmlformats.org/drawingml/2006/main" xmlns:r="http://schemas.openxmlformats.org/officeDocument/2006/relationships" xmlns:p="http://schemas.openxmlformats.org/presentationml/2006/main">
+  <p:cSld>
+    <p:spTree>
+      <p:nvGrpSpPr>
+        <p:cNvPr id="1" name=""/>
+        <p:cNvGrpSpPr/>
+        <p:nvPr/>
+      </p:nvGrpSpPr>
+      <p:grpSpPr>
+        <a:xfrm>
+          <a:off x="0" y="0"/>
+          <a:ext cx="0" cy="0"/>
+          <a:chOff x="0" y="0"/>
+          <a:chExt cx="0" cy="0"/>
+        </a:xfrm>
+      </p:grpSpPr>
+      <p:sp>
+        <p:nvSpPr>
+          <p:cNvPr id="2" name="Title 1">
+            <a:extLst>
+              <a:ext uri="{FF2B5EF4-FFF2-40B4-BE49-F238E27FC236}">
+                <a16:creationId xmlns:a16="http://schemas.microsoft.com/office/drawing/2014/main" id="{7CA9C9D1-003D-8F31-31BD-F995D634F366}"/>
+              </a:ext>
+            </a:extLst>
+          </p:cNvPr>
+          <p:cNvSpPr>
+            <a:spLocks noGrp="1"/>
+          </p:cNvSpPr>
+          <p:nvPr>
+            <p:ph type="title"/>
+          </p:nvPr>
+        </p:nvSpPr>
+        <p:spPr>
+          <a:xfrm>
+            <a:off x="2661395" y="486839"/>
+            <a:ext cx="6869207" cy="436526"/>
+          </a:xfrm>
+        </p:spPr>
+        <p:txBody>
+          <a:bodyPr>
+            <a:normAutofit/>
+          </a:bodyPr>
+          <a:lstStyle/>
+          <a:p>
+            <a:pPr algn="ctr"/>
+            <a:r>
+              <a:rPr lang="en-US" sz="2000" b="1" dirty="0"/>
+              <a:t>FINAL RESULT</a:t>
+            </a:r>
+          </a:p>
+        </p:txBody>
+      </p:sp>
+      <p:pic>
+        <p:nvPicPr>
+          <p:cNvPr id="5" name="Picture 4">
+            <a:extLst>
+              <a:ext uri="{FF2B5EF4-FFF2-40B4-BE49-F238E27FC236}">
+                <a16:creationId xmlns:a16="http://schemas.microsoft.com/office/drawing/2014/main" id="{C093F140-5AFD-1F56-4565-1E44CC250A90}"/>
+              </a:ext>
+            </a:extLst>
+          </p:cNvPr>
+          <p:cNvPicPr>
+            <a:picLocks noChangeAspect="1"/>
+          </p:cNvPicPr>
+          <p:nvPr/>
+        </p:nvPicPr>
+        <p:blipFill>
+          <a:blip r:embed="rId2"/>
+          <a:stretch>
+            <a:fillRect/>
+          </a:stretch>
+        </p:blipFill>
+        <p:spPr>
+          <a:xfrm>
+            <a:off x="904148" y="1303154"/>
+            <a:ext cx="10383699" cy="5068007"/>
+          </a:xfrm>
+          <a:prstGeom prst="rect">
+            <a:avLst/>
+          </a:prstGeom>
+        </p:spPr>
+      </p:pic>
+    </p:spTree>
+    <p:extLst>
+      <p:ext uri="{BB962C8B-B14F-4D97-AF65-F5344CB8AC3E}">
+        <p14:creationId xmlns:p14="http://schemas.microsoft.com/office/powerpoint/2010/main" val="340540019"/>
       </p:ext>
     </p:extLst>
   </p:cSld>
@@ -28547,6 +31343,35 @@
 </file>
 
 <file path=customXml/item1.xml><?xml version="1.0" encoding="utf-8"?>
+<?mso-contentType ?>
+<FormTemplates xmlns="http://schemas.microsoft.com/sharepoint/v3/contenttype/forms">
+  <Display>DocumentLibraryForm</Display>
+  <Edit>DocumentLibraryForm</Edit>
+  <New>DocumentLibraryForm</New>
+</FormTemplates>
+</file>
+
+<file path=customXml/item2.xml><?xml version="1.0" encoding="utf-8"?>
+<p:properties xmlns:p="http://schemas.microsoft.com/office/2006/metadata/properties" xmlns:xsi="http://www.w3.org/2001/XMLSchema-instance" xmlns:pc="http://schemas.microsoft.com/office/infopath/2007/PartnerControls">
+  <documentManagement>
+    <_ip_UnifiedCompliancePolicyUIAction xmlns="http://schemas.microsoft.com/sharepoint/v3" xsi:nil="true"/>
+    <Image xmlns="71af3243-3dd4-4a8d-8c0d-dd76da1f02a5">
+      <Url xsi:nil="true"/>
+      <Description xsi:nil="true"/>
+    </Image>
+    <Status xmlns="71af3243-3dd4-4a8d-8c0d-dd76da1f02a5">Not started</Status>
+    <Background xmlns="71af3243-3dd4-4a8d-8c0d-dd76da1f02a5">false</Background>
+    <_ip_UnifiedCompliancePolicyProperties xmlns="http://schemas.microsoft.com/sharepoint/v3" xsi:nil="true"/>
+    <ImageTagsTaxHTField xmlns="71af3243-3dd4-4a8d-8c0d-dd76da1f02a5">
+      <Terms xmlns="http://schemas.microsoft.com/office/infopath/2007/PartnerControls"/>
+    </ImageTagsTaxHTField>
+    <TaxCatchAll xmlns="230e9df3-be65-4c73-a93b-d1236ebd677e" xsi:nil="true"/>
+    <MediaServiceKeyPoints xmlns="71af3243-3dd4-4a8d-8c0d-dd76da1f02a5" xsi:nil="true"/>
+  </documentManagement>
+</p:properties>
+</file>
+
+<file path=customXml/item3.xml><?xml version="1.0" encoding="utf-8"?>
 <ct:contentTypeSchema xmlns:ct="http://schemas.microsoft.com/office/2006/metadata/contentType" xmlns:ma="http://schemas.microsoft.com/office/2006/metadata/properties/metaAttributes" ct:_="" ma:_="" ma:contentTypeName="Document" ma:contentTypeID="0x01010079F111ED35F8CC479449609E8A0923A6" ma:contentTypeVersion="27" ma:contentTypeDescription="Create a new document." ma:contentTypeScope="" ma:versionID="c6f9a84f66a9c8b9a21755b9ffafb945">
   <xsd:schema xmlns:xsd="http://www.w3.org/2001/XMLSchema" xmlns:xs="http://www.w3.org/2001/XMLSchema" xmlns:p="http://schemas.microsoft.com/office/2006/metadata/properties" xmlns:ns1="http://schemas.microsoft.com/sharepoint/v3" xmlns:ns2="71af3243-3dd4-4a8d-8c0d-dd76da1f02a5" xmlns:ns3="16c05727-aa75-4e4a-9b5f-8a80a1165891" xmlns:ns4="230e9df3-be65-4c73-a93b-d1236ebd677e" targetNamespace="http://schemas.microsoft.com/office/2006/metadata/properties" ma:root="true" ma:fieldsID="27df39e3e7036dff54f89ddd5805ce72" ns1:_="" ns2:_="" ns3:_="" ns4:_="">
     <xsd:import namespace="http://schemas.microsoft.com/sharepoint/v3"/>
@@ -28852,36 +31677,27 @@
 </ct:contentTypeSchema>
 </file>
 
-<file path=customXml/item2.xml><?xml version="1.0" encoding="utf-8"?>
-<?mso-contentType ?>
-<FormTemplates xmlns="http://schemas.microsoft.com/sharepoint/v3/contenttype/forms">
-  <Display>DocumentLibraryForm</Display>
-  <Edit>DocumentLibraryForm</Edit>
-  <New>DocumentLibraryForm</New>
-</FormTemplates>
+<file path=customXml/itemProps1.xml><?xml version="1.0" encoding="utf-8"?>
+<ds:datastoreItem xmlns:ds="http://schemas.openxmlformats.org/officeDocument/2006/customXml" ds:itemID="{6966C46A-DC57-4209-80CD-9FE6C93151FF}">
+  <ds:schemaRefs>
+    <ds:schemaRef ds:uri="http://schemas.microsoft.com/sharepoint/v3/contenttype/forms"/>
+  </ds:schemaRefs>
+</ds:datastoreItem>
 </file>
 
-<file path=customXml/item3.xml><?xml version="1.0" encoding="utf-8"?>
-<p:properties xmlns:p="http://schemas.microsoft.com/office/2006/metadata/properties" xmlns:xsi="http://www.w3.org/2001/XMLSchema-instance" xmlns:pc="http://schemas.microsoft.com/office/infopath/2007/PartnerControls">
-  <documentManagement>
-    <_ip_UnifiedCompliancePolicyUIAction xmlns="http://schemas.microsoft.com/sharepoint/v3" xsi:nil="true"/>
-    <Image xmlns="71af3243-3dd4-4a8d-8c0d-dd76da1f02a5">
-      <Url xsi:nil="true"/>
-      <Description xsi:nil="true"/>
-    </Image>
-    <Status xmlns="71af3243-3dd4-4a8d-8c0d-dd76da1f02a5">Not started</Status>
-    <Background xmlns="71af3243-3dd4-4a8d-8c0d-dd76da1f02a5">false</Background>
-    <_ip_UnifiedCompliancePolicyProperties xmlns="http://schemas.microsoft.com/sharepoint/v3" xsi:nil="true"/>
-    <ImageTagsTaxHTField xmlns="71af3243-3dd4-4a8d-8c0d-dd76da1f02a5">
-      <Terms xmlns="http://schemas.microsoft.com/office/infopath/2007/PartnerControls"/>
-    </ImageTagsTaxHTField>
-    <TaxCatchAll xmlns="230e9df3-be65-4c73-a93b-d1236ebd677e" xsi:nil="true"/>
-    <MediaServiceKeyPoints xmlns="71af3243-3dd4-4a8d-8c0d-dd76da1f02a5" xsi:nil="true"/>
-  </documentManagement>
-</p:properties>
+<file path=customXml/itemProps2.xml><?xml version="1.0" encoding="utf-8"?>
+<ds:datastoreItem xmlns:ds="http://schemas.openxmlformats.org/officeDocument/2006/customXml" ds:itemID="{BEFFFA3F-0FB5-4ED3-8906-A15B16577F44}">
+  <ds:schemaRefs>
+    <ds:schemaRef ds:uri="http://schemas.microsoft.com/office/2006/metadata/properties"/>
+    <ds:schemaRef ds:uri="http://schemas.microsoft.com/office/infopath/2007/PartnerControls"/>
+    <ds:schemaRef ds:uri="http://schemas.microsoft.com/sharepoint/v3"/>
+    <ds:schemaRef ds:uri="71af3243-3dd4-4a8d-8c0d-dd76da1f02a5"/>
+    <ds:schemaRef ds:uri="230e9df3-be65-4c73-a93b-d1236ebd677e"/>
+  </ds:schemaRefs>
+</ds:datastoreItem>
 </file>
 
-<file path=customXml/itemProps1.xml><?xml version="1.0" encoding="utf-8"?>
+<file path=customXml/itemProps3.xml><?xml version="1.0" encoding="utf-8"?>
 <ds:datastoreItem xmlns:ds="http://schemas.openxmlformats.org/officeDocument/2006/customXml" ds:itemID="{4E18436D-DA32-4E27-AC64-8FFEDA5218F9}">
   <ds:schemaRefs>
     <ds:schemaRef ds:uri="http://schemas.microsoft.com/office/2006/metadata/contentType"/>
@@ -28902,26 +31718,6 @@
 </ds:datastoreItem>
 </file>
 
-<file path=customXml/itemProps2.xml><?xml version="1.0" encoding="utf-8"?>
-<ds:datastoreItem xmlns:ds="http://schemas.openxmlformats.org/officeDocument/2006/customXml" ds:itemID="{6966C46A-DC57-4209-80CD-9FE6C93151FF}">
-  <ds:schemaRefs>
-    <ds:schemaRef ds:uri="http://schemas.microsoft.com/sharepoint/v3/contenttype/forms"/>
-  </ds:schemaRefs>
-</ds:datastoreItem>
-</file>
-
-<file path=customXml/itemProps3.xml><?xml version="1.0" encoding="utf-8"?>
-<ds:datastoreItem xmlns:ds="http://schemas.openxmlformats.org/officeDocument/2006/customXml" ds:itemID="{BEFFFA3F-0FB5-4ED3-8906-A15B16577F44}">
-  <ds:schemaRefs>
-    <ds:schemaRef ds:uri="http://schemas.microsoft.com/office/2006/metadata/properties"/>
-    <ds:schemaRef ds:uri="http://schemas.microsoft.com/office/infopath/2007/PartnerControls"/>
-    <ds:schemaRef ds:uri="http://schemas.microsoft.com/sharepoint/v3"/>
-    <ds:schemaRef ds:uri="71af3243-3dd4-4a8d-8c0d-dd76da1f02a5"/>
-    <ds:schemaRef ds:uri="230e9df3-be65-4c73-a93b-d1236ebd677e"/>
-  </ds:schemaRefs>
-</ds:datastoreItem>
-</file>
-
 <file path=docMetadata/LabelInfo.xml><?xml version="1.0" encoding="utf-8"?>
 <clbl:labelList xmlns:clbl="http://schemas.microsoft.com/office/2020/mipLabelMetadata"/>
 </file>